--- a/Presen/n-itikaw_20211214_中間報告2.pptx
+++ b/Presen/n-itikaw_20211214_中間報告2.pptx
@@ -27,9 +27,9 @@
     <p:sldId id="289" r:id="rId15"/>
     <p:sldId id="290" r:id="rId16"/>
     <p:sldId id="291" r:id="rId17"/>
-    <p:sldId id="296" r:id="rId18"/>
-    <p:sldId id="292" r:id="rId19"/>
-    <p:sldId id="281" r:id="rId20"/>
+    <p:sldId id="292" r:id="rId18"/>
+    <p:sldId id="281" r:id="rId19"/>
+    <p:sldId id="297" r:id="rId20"/>
     <p:sldId id="293" r:id="rId21"/>
     <p:sldId id="294" r:id="rId22"/>
   </p:sldIdLst>
@@ -1032,45 +1032,45 @@
             <a:endParaRPr kumimoji="1" lang="en-US" altLang="ja-JP" dirty="0"/>
           </a:p>
           <a:p>
+            <a:r>
+              <a:rPr kumimoji="1" lang="en-US" altLang="ja-JP" dirty="0"/>
+              <a:t>Steam</a:t>
+            </a:r>
+            <a:r>
+              <a:rPr kumimoji="1" lang="ja-JP" altLang="en-US" dirty="0"/>
+              <a:t>上のフォーラムを持つゲームタイトルとして，</a:t>
+            </a:r>
+            <a:r>
+              <a:rPr kumimoji="1" lang="en-US" altLang="ja-JP" dirty="0"/>
+              <a:t>Cities: Skylines </a:t>
+            </a:r>
+            <a:r>
+              <a:rPr kumimoji="1" lang="ja-JP" altLang="en-US" dirty="0"/>
+              <a:t>と </a:t>
+            </a:r>
+            <a:r>
+              <a:rPr kumimoji="1" lang="en-US" altLang="ja-JP" dirty="0"/>
+              <a:t>Euro Truck Simulator 2 </a:t>
+            </a:r>
+            <a:r>
+              <a:rPr kumimoji="1" lang="ja-JP" altLang="en-US" dirty="0"/>
+              <a:t>の</a:t>
+            </a:r>
+            <a:r>
+              <a:rPr kumimoji="1" lang="en-US" altLang="ja-JP" dirty="0"/>
+              <a:t>2</a:t>
+            </a:r>
+            <a:r>
+              <a:rPr kumimoji="1" lang="ja-JP" altLang="en-US" dirty="0" err="1"/>
+              <a:t>つの</a:t>
+            </a:r>
+            <a:r>
+              <a:rPr kumimoji="1" lang="ja-JP" altLang="en-US" dirty="0"/>
+              <a:t>ゲームタイトルを選定しました．</a:t>
+            </a:r>
             <a:endParaRPr kumimoji="1" lang="en-US" altLang="ja-JP" dirty="0"/>
           </a:p>
           <a:p>
-            <a:r>
-              <a:rPr kumimoji="1" lang="en-US" altLang="ja-JP" dirty="0"/>
-              <a:t>Steam</a:t>
-            </a:r>
-            <a:r>
-              <a:rPr kumimoji="1" lang="ja-JP" altLang="en-US" dirty="0"/>
-              <a:t>上のフォーラムを持つゲームタイトルとして，</a:t>
-            </a:r>
-            <a:r>
-              <a:rPr kumimoji="1" lang="en-US" altLang="ja-JP" dirty="0"/>
-              <a:t>Cities: Skylines </a:t>
-            </a:r>
-            <a:r>
-              <a:rPr kumimoji="1" lang="ja-JP" altLang="en-US" dirty="0"/>
-              <a:t>と </a:t>
-            </a:r>
-            <a:r>
-              <a:rPr kumimoji="1" lang="en-US" altLang="ja-JP" dirty="0"/>
-              <a:t>Euro Truck Simulator 2 </a:t>
-            </a:r>
-            <a:r>
-              <a:rPr kumimoji="1" lang="ja-JP" altLang="en-US" dirty="0"/>
-              <a:t>の</a:t>
-            </a:r>
-            <a:r>
-              <a:rPr kumimoji="1" lang="en-US" altLang="ja-JP" dirty="0"/>
-              <a:t>2</a:t>
-            </a:r>
-            <a:r>
-              <a:rPr kumimoji="1" lang="ja-JP" altLang="en-US" dirty="0" err="1"/>
-              <a:t>つの</a:t>
-            </a:r>
-            <a:r>
-              <a:rPr kumimoji="1" lang="ja-JP" altLang="en-US" dirty="0"/>
-              <a:t>ゲームタイトルを選定しました．</a:t>
-            </a:r>
             <a:endParaRPr kumimoji="1" lang="en-US" altLang="ja-JP" dirty="0"/>
           </a:p>
           <a:p>
@@ -1201,7 +1201,26 @@
           <a:p>
             <a:r>
               <a:rPr kumimoji="1" lang="ja-JP" altLang="en-US" dirty="0"/>
-              <a:t>自然言語処理は，自然言語特有の曖昧さを少しでも取り除くための処理で，本実験では以下の処理を行います．</a:t>
+              <a:t>次に自然言語処理について説明します．</a:t>
+            </a:r>
+            <a:endParaRPr kumimoji="1" lang="en-US" altLang="ja-JP" dirty="0"/>
+          </a:p>
+          <a:p>
+            <a:r>
+              <a:rPr kumimoji="1" lang="ja-JP" altLang="en-US" dirty="0"/>
+              <a:t>自然言語処理は，自然言語特有の曖昧さを少しでも取り除くための処理で，本実験では以下の</a:t>
+            </a:r>
+            <a:r>
+              <a:rPr kumimoji="1" lang="en-US" altLang="ja-JP" dirty="0"/>
+              <a:t>3</a:t>
+            </a:r>
+            <a:r>
+              <a:rPr kumimoji="1" lang="ja-JP" altLang="en-US" dirty="0" err="1"/>
+              <a:t>つの</a:t>
+            </a:r>
+            <a:r>
+              <a:rPr kumimoji="1" lang="ja-JP" altLang="en-US" dirty="0"/>
+              <a:t>処理を行います．</a:t>
             </a:r>
             <a:endParaRPr kumimoji="1" lang="en-US" altLang="ja-JP" dirty="0"/>
           </a:p>
@@ -1254,7 +1273,7 @@
             </a:r>
             <a:r>
               <a:rPr kumimoji="1" lang="ja-JP" altLang="en-US" dirty="0"/>
-              <a:t>の時制が現在形になり</a:t>
+              <a:t>が現在形の</a:t>
             </a:r>
             <a:r>
               <a:rPr kumimoji="1" lang="en-US" altLang="ja-JP" dirty="0"/>
@@ -1409,7 +1428,7 @@
             </a:r>
             <a:r>
               <a:rPr kumimoji="1" lang="ja-JP" altLang="en-US" dirty="0"/>
-              <a:t>の割合で，教師データとテストデータに分割し，</a:t>
+              <a:t>の割合で教師データとテストデータに分割し，</a:t>
             </a:r>
             <a:r>
               <a:rPr kumimoji="1" lang="en-US" altLang="ja-JP" dirty="0"/>
@@ -1539,12 +1558,68 @@
           <a:lstStyle/>
           <a:p>
             <a:r>
+              <a:rPr kumimoji="1" lang="ja-JP" altLang="en-US" dirty="0"/>
+              <a:t>最後に評価を行います</a:t>
+            </a:r>
+            <a:endParaRPr kumimoji="1" lang="en-US" altLang="ja-JP" dirty="0"/>
+          </a:p>
+          <a:p>
+            <a:r>
+              <a:rPr kumimoji="1" lang="ja-JP" altLang="en-US" dirty="0"/>
+              <a:t>先ほど生成した</a:t>
+            </a:r>
+            <a:r>
+              <a:rPr kumimoji="1" lang="en-US" altLang="ja-JP" dirty="0"/>
+              <a:t>4</a:t>
+            </a:r>
+            <a:r>
+              <a:rPr kumimoji="1" lang="ja-JP" altLang="en-US" dirty="0"/>
+              <a:t>種類の分類器を用いて</a:t>
+            </a:r>
+            <a:r>
+              <a:rPr kumimoji="1" lang="en-US" altLang="ja-JP" dirty="0"/>
+              <a:t>cities</a:t>
+            </a:r>
+            <a:r>
+              <a:rPr kumimoji="1" lang="ja-JP" altLang="en-US" dirty="0"/>
+              <a:t>と</a:t>
+            </a:r>
+            <a:r>
+              <a:rPr kumimoji="1" lang="en-US" altLang="ja-JP" dirty="0"/>
+              <a:t>Euro</a:t>
+            </a:r>
+            <a:r>
+              <a:rPr kumimoji="1" lang="ja-JP" altLang="en-US" dirty="0"/>
+              <a:t>のレビューを分類し，その精度を確かめます．</a:t>
+            </a:r>
+            <a:endParaRPr kumimoji="1" lang="en-US" altLang="ja-JP" dirty="0"/>
+          </a:p>
+          <a:p>
+            <a:r>
+              <a:rPr kumimoji="1" lang="ja-JP" altLang="en-US" dirty="0"/>
+              <a:t>分類器とテストデータの組み合わせは，既存手法に倣って～</a:t>
+            </a:r>
+            <a:endParaRPr kumimoji="1" lang="en-US" altLang="ja-JP" dirty="0"/>
+          </a:p>
+          <a:p>
+            <a:r>
               <a:rPr kumimoji="1" lang="en-US" altLang="ja-JP" dirty="0"/>
               <a:t>RQ1</a:t>
             </a:r>
             <a:r>
               <a:rPr kumimoji="1" lang="ja-JP" altLang="en-US" dirty="0"/>
-              <a:t>の実験結果を表に示します．</a:t>
+              <a:t>で提案手法の精度を確認するため，～</a:t>
+            </a:r>
+            <a:endParaRPr kumimoji="1" lang="en-US" altLang="ja-JP" dirty="0"/>
+          </a:p>
+          <a:p>
+            <a:r>
+              <a:rPr kumimoji="1" lang="en-US" altLang="ja-JP" dirty="0"/>
+              <a:t>RQ2</a:t>
+            </a:r>
+            <a:r>
+              <a:rPr kumimoji="1" lang="ja-JP" altLang="en-US" dirty="0"/>
+              <a:t>ではフォーラムを持たないアプリが別のアプリのフォーラムを利用するシナリオを考えているため，提案手法を交差的に適用し～</a:t>
             </a:r>
             <a:endParaRPr kumimoji="1" lang="en-US" altLang="ja-JP" dirty="0"/>
           </a:p>
@@ -1554,37 +1629,45 @@
           <a:p>
             <a:r>
               <a:rPr kumimoji="1" lang="ja-JP" altLang="en-US" dirty="0"/>
-              <a:t>太字はそれぞれのタイトルで各列の最高値を示していますが，ほとんどの指標で既存手法が高い値を示しています．</a:t>
+              <a:t>評価指標には</a:t>
+            </a:r>
+            <a:r>
+              <a:rPr kumimoji="1" lang="en-US" altLang="ja-JP" dirty="0" err="1"/>
+              <a:t>Prscision,Recall</a:t>
+            </a:r>
+            <a:r>
+              <a:rPr kumimoji="1" lang="en-US" altLang="ja-JP" dirty="0"/>
+              <a:t>, F1-score,AUC</a:t>
+            </a:r>
+            <a:r>
+              <a:rPr kumimoji="1" lang="ja-JP" altLang="en-US" dirty="0"/>
+              <a:t>を用います．</a:t>
             </a:r>
             <a:endParaRPr kumimoji="1" lang="en-US" altLang="ja-JP" dirty="0"/>
           </a:p>
           <a:p>
             <a:r>
-              <a:rPr kumimoji="1" lang="ja-JP" altLang="en-US" dirty="0"/>
-              <a:t>特に</a:t>
-            </a:r>
-            <a:r>
               <a:rPr kumimoji="1" lang="en-US" altLang="ja-JP" dirty="0"/>
               <a:t>AUC</a:t>
             </a:r>
             <a:r>
               <a:rPr kumimoji="1" lang="ja-JP" altLang="en-US" dirty="0"/>
-              <a:t>はすべて</a:t>
+              <a:t>とは</a:t>
             </a:r>
             <a:r>
               <a:rPr kumimoji="1" lang="en-US" altLang="ja-JP" dirty="0"/>
-              <a:t>0.9</a:t>
+              <a:t>ROC</a:t>
             </a:r>
             <a:r>
               <a:rPr kumimoji="1" lang="ja-JP" altLang="en-US" dirty="0"/>
-              <a:t>を超えていて非常に高い精度で分類ができています．</a:t>
+              <a:t>曲線の下側の面積で定義される値で，特定の閾値によらず分類器の性能を評価できる指標です．</a:t>
             </a:r>
             <a:endParaRPr kumimoji="1" lang="en-US" altLang="ja-JP" dirty="0"/>
           </a:p>
           <a:p>
             <a:r>
               <a:rPr kumimoji="1" lang="ja-JP" altLang="en-US" dirty="0"/>
-              <a:t>対して，提案手法は既存手法には劣るものの，</a:t>
+              <a:t>分類器が完璧に分類できる場合，</a:t>
             </a:r>
             <a:r>
               <a:rPr kumimoji="1" lang="en-US" altLang="ja-JP" dirty="0"/>
@@ -1592,31 +1675,15 @@
             </a:r>
             <a:r>
               <a:rPr kumimoji="1" lang="ja-JP" altLang="en-US" dirty="0"/>
-              <a:t>はすべて</a:t>
+              <a:t>は</a:t>
             </a:r>
             <a:r>
               <a:rPr kumimoji="1" lang="en-US" altLang="ja-JP" dirty="0"/>
-              <a:t>0.7</a:t>
+              <a:t>1</a:t>
             </a:r>
             <a:r>
               <a:rPr kumimoji="1" lang="ja-JP" altLang="en-US" dirty="0"/>
-              <a:t>を超えており，特に</a:t>
-            </a:r>
-            <a:r>
-              <a:rPr kumimoji="1" lang="en-US" altLang="ja-JP" dirty="0"/>
-              <a:t>Cities</a:t>
-            </a:r>
-            <a:r>
-              <a:rPr kumimoji="1" lang="ja-JP" altLang="en-US" dirty="0"/>
-              <a:t>のバグ報告や，</a:t>
-            </a:r>
-            <a:r>
-              <a:rPr kumimoji="1" lang="en-US" altLang="ja-JP" dirty="0"/>
-              <a:t>Euro</a:t>
-            </a:r>
-            <a:r>
-              <a:rPr kumimoji="1" lang="ja-JP" altLang="en-US" dirty="0"/>
-              <a:t>の機能要求の</a:t>
+              <a:t>となり，ランダムに分類する分類器の</a:t>
             </a:r>
             <a:r>
               <a:rPr kumimoji="1" lang="en-US" altLang="ja-JP" dirty="0"/>
@@ -1628,13 +1695,27 @@
             </a:r>
             <a:r>
               <a:rPr kumimoji="1" lang="en-US" altLang="ja-JP" dirty="0"/>
-              <a:t>0.9</a:t>
+              <a:t>0.5</a:t>
             </a:r>
             <a:r>
               <a:rPr kumimoji="1" lang="ja-JP" altLang="en-US" dirty="0"/>
-              <a:t>を超えていて，ある程度高い精度で分類ができることが確認できます．</a:t>
+              <a:t>になります．</a:t>
             </a:r>
             <a:endParaRPr kumimoji="1" lang="en-US" altLang="ja-JP" dirty="0"/>
+          </a:p>
+          <a:p>
+            <a:r>
+              <a:rPr kumimoji="1" lang="ja-JP" altLang="en-US" dirty="0"/>
+              <a:t>一般に，</a:t>
+            </a:r>
+            <a:r>
+              <a:rPr kumimoji="1" lang="en-US" altLang="ja-JP" dirty="0"/>
+              <a:t>1.0~0.9</a:t>
+            </a:r>
+            <a:r>
+              <a:rPr kumimoji="1" lang="ja-JP" altLang="en-US" dirty="0"/>
+              <a:t>で～</a:t>
+            </a:r>
           </a:p>
         </p:txBody>
       </p:sp>
@@ -1655,7 +1736,7 @@
           <a:p>
             <a:fld id="{95767C1C-10FB-4333-8A05-1CD5D2B47B53}" type="slidenum">
               <a:rPr kumimoji="1" lang="ja-JP" altLang="en-US" smtClean="0"/>
-              <a:t>14</a:t>
+              <a:t>13</a:t>
             </a:fld>
             <a:endParaRPr kumimoji="1" lang="ja-JP" altLang="en-US"/>
           </a:p>
@@ -1664,7 +1745,7 @@
     </p:spTree>
     <p:extLst>
       <p:ext uri="{BB962C8B-B14F-4D97-AF65-F5344CB8AC3E}">
-        <p14:creationId xmlns:p14="http://schemas.microsoft.com/office/powerpoint/2010/main" val="3794876249"/>
+        <p14:creationId xmlns:p14="http://schemas.microsoft.com/office/powerpoint/2010/main" val="4029730772"/>
       </p:ext>
     </p:extLst>
   </p:cSld>
@@ -1719,6 +1800,326 @@
           <a:lstStyle/>
           <a:p>
             <a:r>
+              <a:rPr kumimoji="1" lang="en-US" altLang="ja-JP" dirty="0"/>
+              <a:t>RQ1</a:t>
+            </a:r>
+            <a:r>
+              <a:rPr kumimoji="1" lang="ja-JP" altLang="en-US" dirty="0"/>
+              <a:t>の実験結果を表に示します．</a:t>
+            </a:r>
+            <a:endParaRPr kumimoji="1" lang="en-US" altLang="ja-JP" dirty="0"/>
+          </a:p>
+          <a:p>
+            <a:endParaRPr kumimoji="1" lang="en-US" altLang="ja-JP" dirty="0"/>
+          </a:p>
+          <a:p>
+            <a:r>
+              <a:rPr kumimoji="1" lang="ja-JP" altLang="en-US" dirty="0"/>
+              <a:t>太字はそれぞれのタイトルで各列の最高値を示していますが，ほとんどの指標で既存手法が高い値を示しています．</a:t>
+            </a:r>
+            <a:endParaRPr kumimoji="1" lang="en-US" altLang="ja-JP" dirty="0"/>
+          </a:p>
+          <a:p>
+            <a:r>
+              <a:rPr kumimoji="1" lang="ja-JP" altLang="en-US" dirty="0"/>
+              <a:t>特に</a:t>
+            </a:r>
+            <a:r>
+              <a:rPr kumimoji="1" lang="en-US" altLang="ja-JP" dirty="0"/>
+              <a:t>AUC</a:t>
+            </a:r>
+            <a:r>
+              <a:rPr kumimoji="1" lang="ja-JP" altLang="en-US" dirty="0"/>
+              <a:t>はすべて</a:t>
+            </a:r>
+            <a:r>
+              <a:rPr kumimoji="1" lang="en-US" altLang="ja-JP" dirty="0"/>
+              <a:t>0.9</a:t>
+            </a:r>
+            <a:r>
+              <a:rPr kumimoji="1" lang="ja-JP" altLang="en-US" dirty="0"/>
+              <a:t>を超えていて非常に高い精度で分類ができています．</a:t>
+            </a:r>
+            <a:endParaRPr kumimoji="1" lang="en-US" altLang="ja-JP" dirty="0"/>
+          </a:p>
+          <a:p>
+            <a:r>
+              <a:rPr kumimoji="1" lang="ja-JP" altLang="en-US" dirty="0"/>
+              <a:t>対して，提案手法は既存手法には劣るものの，</a:t>
+            </a:r>
+            <a:r>
+              <a:rPr kumimoji="1" lang="en-US" altLang="ja-JP" dirty="0"/>
+              <a:t>AUC</a:t>
+            </a:r>
+            <a:r>
+              <a:rPr kumimoji="1" lang="ja-JP" altLang="en-US" dirty="0"/>
+              <a:t>はすべて</a:t>
+            </a:r>
+            <a:r>
+              <a:rPr kumimoji="1" lang="en-US" altLang="ja-JP" dirty="0"/>
+              <a:t>0.7</a:t>
+            </a:r>
+            <a:r>
+              <a:rPr kumimoji="1" lang="ja-JP" altLang="en-US" dirty="0"/>
+              <a:t>を超えており，特に</a:t>
+            </a:r>
+            <a:r>
+              <a:rPr kumimoji="1" lang="en-US" altLang="ja-JP" dirty="0"/>
+              <a:t>Cities</a:t>
+            </a:r>
+            <a:r>
+              <a:rPr kumimoji="1" lang="ja-JP" altLang="en-US" dirty="0"/>
+              <a:t>のバグ報告や，</a:t>
+            </a:r>
+            <a:r>
+              <a:rPr kumimoji="1" lang="en-US" altLang="ja-JP" dirty="0"/>
+              <a:t>Euro</a:t>
+            </a:r>
+            <a:r>
+              <a:rPr kumimoji="1" lang="ja-JP" altLang="en-US" dirty="0"/>
+              <a:t>の機能要求の</a:t>
+            </a:r>
+            <a:r>
+              <a:rPr kumimoji="1" lang="en-US" altLang="ja-JP" dirty="0"/>
+              <a:t>AUC</a:t>
+            </a:r>
+            <a:r>
+              <a:rPr kumimoji="1" lang="ja-JP" altLang="en-US" dirty="0"/>
+              <a:t>は</a:t>
+            </a:r>
+            <a:r>
+              <a:rPr kumimoji="1" lang="en-US" altLang="ja-JP" dirty="0"/>
+              <a:t>0.9</a:t>
+            </a:r>
+            <a:r>
+              <a:rPr kumimoji="1" lang="ja-JP" altLang="en-US" dirty="0"/>
+              <a:t>を超えていて，ある程度高い精度で分類ができることが確認できます．</a:t>
+            </a:r>
+            <a:endParaRPr kumimoji="1" lang="en-US" altLang="ja-JP" dirty="0"/>
+          </a:p>
+        </p:txBody>
+      </p:sp>
+      <p:sp>
+        <p:nvSpPr>
+          <p:cNvPr id="4" name="スライド番号プレースホルダー 3"/>
+          <p:cNvSpPr>
+            <a:spLocks noGrp="1"/>
+          </p:cNvSpPr>
+          <p:nvPr>
+            <p:ph type="sldNum" sz="quarter" idx="5"/>
+          </p:nvPr>
+        </p:nvSpPr>
+        <p:spPr/>
+        <p:txBody>
+          <a:bodyPr/>
+          <a:lstStyle/>
+          <a:p>
+            <a:fld id="{95767C1C-10FB-4333-8A05-1CD5D2B47B53}" type="slidenum">
+              <a:rPr kumimoji="1" lang="ja-JP" altLang="en-US" smtClean="0"/>
+              <a:t>14</a:t>
+            </a:fld>
+            <a:endParaRPr kumimoji="1" lang="ja-JP" altLang="en-US"/>
+          </a:p>
+        </p:txBody>
+      </p:sp>
+    </p:spTree>
+    <p:extLst>
+      <p:ext uri="{BB962C8B-B14F-4D97-AF65-F5344CB8AC3E}">
+        <p14:creationId xmlns:p14="http://schemas.microsoft.com/office/powerpoint/2010/main" val="3794876249"/>
+      </p:ext>
+    </p:extLst>
+  </p:cSld>
+  <p:clrMapOvr>
+    <a:masterClrMapping/>
+  </p:clrMapOvr>
+</p:notes>
+</file>
+
+<file path=ppt/notesSlides/notesSlide16.xml><?xml version="1.0" encoding="utf-8"?>
+<p:notes xmlns:a="http://schemas.openxmlformats.org/drawingml/2006/main" xmlns:r="http://schemas.openxmlformats.org/officeDocument/2006/relationships" xmlns:p="http://schemas.openxmlformats.org/presentationml/2006/main">
+  <p:cSld>
+    <p:spTree>
+      <p:nvGrpSpPr>
+        <p:cNvPr id="1" name=""/>
+        <p:cNvGrpSpPr/>
+        <p:nvPr/>
+      </p:nvGrpSpPr>
+      <p:grpSpPr>
+        <a:xfrm>
+          <a:off x="0" y="0"/>
+          <a:ext cx="0" cy="0"/>
+          <a:chOff x="0" y="0"/>
+          <a:chExt cx="0" cy="0"/>
+        </a:xfrm>
+      </p:grpSpPr>
+      <p:sp>
+        <p:nvSpPr>
+          <p:cNvPr id="2" name="スライド イメージ プレースホルダー 1"/>
+          <p:cNvSpPr>
+            <a:spLocks noGrp="1" noRot="1" noChangeAspect="1"/>
+          </p:cNvSpPr>
+          <p:nvPr>
+            <p:ph type="sldImg"/>
+          </p:nvPr>
+        </p:nvSpPr>
+        <p:spPr/>
+      </p:sp>
+      <p:sp>
+        <p:nvSpPr>
+          <p:cNvPr id="3" name="ノート プレースホルダー 2"/>
+          <p:cNvSpPr>
+            <a:spLocks noGrp="1"/>
+          </p:cNvSpPr>
+          <p:nvPr>
+            <p:ph type="body" idx="1"/>
+          </p:nvPr>
+        </p:nvSpPr>
+        <p:spPr/>
+        <p:txBody>
+          <a:bodyPr/>
+          <a:lstStyle/>
+          <a:p>
+            <a:r>
+              <a:rPr kumimoji="1" lang="en-US" altLang="ja-JP" dirty="0"/>
+              <a:t>RQ2</a:t>
+            </a:r>
+            <a:r>
+              <a:rPr kumimoji="1" lang="ja-JP" altLang="en-US" dirty="0"/>
+              <a:t>の実験結果を表に示します</a:t>
+            </a:r>
+            <a:endParaRPr kumimoji="1" lang="en-US" altLang="ja-JP" dirty="0"/>
+          </a:p>
+          <a:p>
+            <a:r>
+              <a:rPr kumimoji="1" lang="ja-JP" altLang="en-US" dirty="0"/>
+              <a:t>各列で</a:t>
+            </a:r>
+            <a:r>
+              <a:rPr kumimoji="1" lang="en-US" altLang="ja-JP" dirty="0"/>
+              <a:t>0.02</a:t>
+            </a:r>
+            <a:r>
+              <a:rPr kumimoji="1" lang="ja-JP" altLang="en-US" dirty="0"/>
+              <a:t>以上の差がある場合は大きい方を太字で表しています</a:t>
+            </a:r>
+            <a:endParaRPr kumimoji="1" lang="en-US" altLang="ja-JP" dirty="0"/>
+          </a:p>
+          <a:p>
+            <a:endParaRPr kumimoji="1" lang="en-US" altLang="ja-JP" dirty="0"/>
+          </a:p>
+          <a:p>
+            <a:r>
+              <a:rPr kumimoji="1" lang="ja-JP" altLang="en-US" dirty="0"/>
+              <a:t>用いた教師データを固定して，同一のアプリのレビューを分類した場合と別のアプリを分類した場合を比較すると，一概にどちらが優れているという結果にはならず，大きく精度に差はみられませんでした．また，別のアプリのフォーラムを用いた場合でも</a:t>
+            </a:r>
+            <a:r>
+              <a:rPr kumimoji="1" lang="en-US" altLang="ja-JP" dirty="0"/>
+              <a:t>AUC</a:t>
+            </a:r>
+            <a:r>
+              <a:rPr kumimoji="1" lang="ja-JP" altLang="en-US" dirty="0"/>
+              <a:t>は</a:t>
+            </a:r>
+            <a:r>
+              <a:rPr kumimoji="1" lang="en-US" altLang="ja-JP" dirty="0"/>
+              <a:t>0.7</a:t>
+            </a:r>
+            <a:r>
+              <a:rPr kumimoji="1" lang="ja-JP" altLang="en-US" dirty="0"/>
+              <a:t>以上であり，ある程度の精度で分類できていることが確認できます．</a:t>
+            </a:r>
+            <a:endParaRPr kumimoji="1" lang="en-US" altLang="ja-JP" dirty="0"/>
+          </a:p>
+          <a:p>
+            <a:r>
+              <a:rPr kumimoji="1" lang="ja-JP" altLang="en-US" dirty="0"/>
+              <a:t>このことから，フォーラムを持たないアプリでも別のアプリにフォーラムを利用することで提案手法を適用可能であるといえます．</a:t>
+            </a:r>
+            <a:endParaRPr kumimoji="1" lang="en-US" altLang="ja-JP" dirty="0"/>
+          </a:p>
+        </p:txBody>
+      </p:sp>
+      <p:sp>
+        <p:nvSpPr>
+          <p:cNvPr id="4" name="スライド番号プレースホルダー 3"/>
+          <p:cNvSpPr>
+            <a:spLocks noGrp="1"/>
+          </p:cNvSpPr>
+          <p:nvPr>
+            <p:ph type="sldNum" sz="quarter" idx="5"/>
+          </p:nvPr>
+        </p:nvSpPr>
+        <p:spPr/>
+        <p:txBody>
+          <a:bodyPr/>
+          <a:lstStyle/>
+          <a:p>
+            <a:fld id="{95767C1C-10FB-4333-8A05-1CD5D2B47B53}" type="slidenum">
+              <a:rPr kumimoji="1" lang="ja-JP" altLang="en-US" smtClean="0"/>
+              <a:t>15</a:t>
+            </a:fld>
+            <a:endParaRPr kumimoji="1" lang="ja-JP" altLang="en-US"/>
+          </a:p>
+        </p:txBody>
+      </p:sp>
+    </p:spTree>
+    <p:extLst>
+      <p:ext uri="{BB962C8B-B14F-4D97-AF65-F5344CB8AC3E}">
+        <p14:creationId xmlns:p14="http://schemas.microsoft.com/office/powerpoint/2010/main" val="3532426746"/>
+      </p:ext>
+    </p:extLst>
+  </p:cSld>
+  <p:clrMapOvr>
+    <a:masterClrMapping/>
+  </p:clrMapOvr>
+</p:notes>
+</file>
+
+<file path=ppt/notesSlides/notesSlide17.xml><?xml version="1.0" encoding="utf-8"?>
+<p:notes xmlns:a="http://schemas.openxmlformats.org/drawingml/2006/main" xmlns:r="http://schemas.openxmlformats.org/officeDocument/2006/relationships" xmlns:p="http://schemas.openxmlformats.org/presentationml/2006/main">
+  <p:cSld>
+    <p:spTree>
+      <p:nvGrpSpPr>
+        <p:cNvPr id="1" name=""/>
+        <p:cNvGrpSpPr/>
+        <p:nvPr/>
+      </p:nvGrpSpPr>
+      <p:grpSpPr>
+        <a:xfrm>
+          <a:off x="0" y="0"/>
+          <a:ext cx="0" cy="0"/>
+          <a:chOff x="0" y="0"/>
+          <a:chExt cx="0" cy="0"/>
+        </a:xfrm>
+      </p:grpSpPr>
+      <p:sp>
+        <p:nvSpPr>
+          <p:cNvPr id="2" name="スライド イメージ プレースホルダー 1"/>
+          <p:cNvSpPr>
+            <a:spLocks noGrp="1" noRot="1" noChangeAspect="1"/>
+          </p:cNvSpPr>
+          <p:nvPr>
+            <p:ph type="sldImg"/>
+          </p:nvPr>
+        </p:nvSpPr>
+        <p:spPr/>
+      </p:sp>
+      <p:sp>
+        <p:nvSpPr>
+          <p:cNvPr id="3" name="ノート プレースホルダー 2"/>
+          <p:cNvSpPr>
+            <a:spLocks noGrp="1"/>
+          </p:cNvSpPr>
+          <p:nvPr>
+            <p:ph type="body" idx="1"/>
+          </p:nvPr>
+        </p:nvSpPr>
+        <p:spPr/>
+        <p:txBody>
+          <a:bodyPr/>
+          <a:lstStyle/>
+          <a:p>
+            <a:r>
               <a:rPr kumimoji="1" lang="ja-JP" altLang="en-US" dirty="0"/>
               <a:t>今後の予定としてはこのとおりです．</a:t>
             </a:r>
@@ -1749,7 +2150,7 @@
           <a:p>
             <a:fld id="{95767C1C-10FB-4333-8A05-1CD5D2B47B53}" type="slidenum">
               <a:rPr kumimoji="1" lang="ja-JP" altLang="en-US" smtClean="0"/>
-              <a:t>18</a:t>
+              <a:t>17</a:t>
             </a:fld>
             <a:endParaRPr kumimoji="1" lang="ja-JP" altLang="en-US"/>
           </a:p>
@@ -2113,7 +2514,7 @@
           <a:p>
             <a:r>
               <a:rPr kumimoji="1" lang="ja-JP" altLang="en-US" dirty="0"/>
-              <a:t>また機械学習モデルは文章をそのままの状態では扱えないので，文章を分散表現（ベクトル）に変換する処理を行います．</a:t>
+              <a:t>また機械学習モデルは文章をそのままの状態では扱えないので，文章をベクトルに変換する処理を行います．</a:t>
             </a:r>
             <a:endParaRPr kumimoji="1" lang="en-US" altLang="ja-JP" dirty="0"/>
           </a:p>
@@ -2157,7 +2558,7 @@
           <a:p>
             <a:r>
               <a:rPr kumimoji="1" lang="ja-JP" altLang="en-US" dirty="0"/>
-              <a:t>既存研究では，自然言語処理や分類モデルを工夫することで，分類精度を以下の向上させられるかを検証しています．</a:t>
+              <a:t>既存研究では，自然言語処理や分類モデルを工夫することで，分類精度を向上させられるかを検証しています．</a:t>
             </a:r>
             <a:endParaRPr kumimoji="1" lang="en-US" altLang="ja-JP" dirty="0"/>
           </a:p>
@@ -6959,8 +7360,8 @@
           </a:p>
         </p:txBody>
       </p:sp>
-      <mc:AlternateContent xmlns:mc="http://schemas.openxmlformats.org/markup-compatibility/2006">
-        <mc:Choice xmlns:a14="http://schemas.microsoft.com/office/drawing/2010/main" Requires="a14">
+      <mc:AlternateContent xmlns:mc="http://schemas.openxmlformats.org/markup-compatibility/2006" xmlns:a14="http://schemas.microsoft.com/office/drawing/2010/main">
+        <mc:Choice Requires="a14">
           <p:sp>
             <p:nvSpPr>
               <p:cNvPr id="5" name="テキスト ボックス 4">
@@ -7160,7 +7561,7 @@
             </p:txBody>
           </p:sp>
         </mc:Choice>
-        <mc:Fallback>
+        <mc:Fallback xmlns="">
           <p:sp>
             <p:nvSpPr>
               <p:cNvPr id="5" name="テキスト ボックス 4">
@@ -7205,8 +7606,8 @@
           </p:sp>
         </mc:Fallback>
       </mc:AlternateContent>
-      <mc:AlternateContent xmlns:mc="http://schemas.openxmlformats.org/markup-compatibility/2006">
-        <mc:Choice xmlns:a14="http://schemas.microsoft.com/office/drawing/2010/main" Requires="a14">
+      <mc:AlternateContent xmlns:mc="http://schemas.openxmlformats.org/markup-compatibility/2006" xmlns:a14="http://schemas.microsoft.com/office/drawing/2010/main">
+        <mc:Choice Requires="a14">
           <p:sp>
             <p:nvSpPr>
               <p:cNvPr id="7" name="テキスト ボックス 6">
@@ -7406,7 +7807,7 @@
             </p:txBody>
           </p:sp>
         </mc:Choice>
-        <mc:Fallback>
+        <mc:Fallback xmlns="">
           <p:sp>
             <p:nvSpPr>
               <p:cNvPr id="7" name="テキスト ボックス 6">
@@ -7451,8 +7852,8 @@
           </p:sp>
         </mc:Fallback>
       </mc:AlternateContent>
-      <mc:AlternateContent xmlns:mc="http://schemas.openxmlformats.org/markup-compatibility/2006">
-        <mc:Choice xmlns:a14="http://schemas.microsoft.com/office/drawing/2010/main" Requires="a14">
+      <mc:AlternateContent xmlns:mc="http://schemas.openxmlformats.org/markup-compatibility/2006" xmlns:a14="http://schemas.microsoft.com/office/drawing/2010/main">
+        <mc:Choice Requires="a14">
           <p:sp>
             <p:nvSpPr>
               <p:cNvPr id="10" name="テキスト ボックス 9">
@@ -7645,7 +8046,7 @@
             </p:txBody>
           </p:sp>
         </mc:Choice>
-        <mc:Fallback>
+        <mc:Fallback xmlns="">
           <p:sp>
             <p:nvSpPr>
               <p:cNvPr id="10" name="テキスト ボックス 9">
@@ -7690,8 +8091,8 @@
           </p:sp>
         </mc:Fallback>
       </mc:AlternateContent>
-      <mc:AlternateContent xmlns:mc="http://schemas.openxmlformats.org/markup-compatibility/2006">
-        <mc:Choice xmlns:a14="http://schemas.microsoft.com/office/drawing/2010/main" Requires="a14">
+      <mc:AlternateContent xmlns:mc="http://schemas.openxmlformats.org/markup-compatibility/2006" xmlns:a14="http://schemas.microsoft.com/office/drawing/2010/main">
+        <mc:Choice Requires="a14">
           <p:sp>
             <p:nvSpPr>
               <p:cNvPr id="11" name="テキスト ボックス 10">
@@ -7884,7 +8285,7 @@
             </p:txBody>
           </p:sp>
         </mc:Choice>
-        <mc:Fallback>
+        <mc:Fallback xmlns="">
           <p:sp>
             <p:nvSpPr>
               <p:cNvPr id="11" name="テキスト ボックス 10">
@@ -7929,8 +8330,8 @@
           </p:sp>
         </mc:Fallback>
       </mc:AlternateContent>
-      <mc:AlternateContent xmlns:mc="http://schemas.openxmlformats.org/markup-compatibility/2006">
-        <mc:Choice xmlns:a14="http://schemas.microsoft.com/office/drawing/2010/main" Requires="a14">
+      <mc:AlternateContent xmlns:mc="http://schemas.openxmlformats.org/markup-compatibility/2006" xmlns:a14="http://schemas.microsoft.com/office/drawing/2010/main">
+        <mc:Choice Requires="a14">
           <p:sp>
             <p:nvSpPr>
               <p:cNvPr id="12" name="テキスト ボックス 11">
@@ -8123,7 +8524,7 @@
             </p:txBody>
           </p:sp>
         </mc:Choice>
-        <mc:Fallback>
+        <mc:Fallback xmlns="">
           <p:sp>
             <p:nvSpPr>
               <p:cNvPr id="12" name="テキスト ボックス 11">
@@ -8168,8 +8569,8 @@
           </p:sp>
         </mc:Fallback>
       </mc:AlternateContent>
-      <mc:AlternateContent xmlns:mc="http://schemas.openxmlformats.org/markup-compatibility/2006">
-        <mc:Choice xmlns:a14="http://schemas.microsoft.com/office/drawing/2010/main" Requires="a14">
+      <mc:AlternateContent xmlns:mc="http://schemas.openxmlformats.org/markup-compatibility/2006" xmlns:a14="http://schemas.microsoft.com/office/drawing/2010/main">
+        <mc:Choice Requires="a14">
           <p:sp>
             <p:nvSpPr>
               <p:cNvPr id="13" name="テキスト ボックス 12">
@@ -8362,7 +8763,7 @@
             </p:txBody>
           </p:sp>
         </mc:Choice>
-        <mc:Fallback>
+        <mc:Fallback xmlns="">
           <p:sp>
             <p:nvSpPr>
               <p:cNvPr id="13" name="テキスト ボックス 12">
@@ -8612,14 +9013,14 @@
           <p:nvPr>
             <p:extLst>
               <p:ext uri="{D42A27DB-BD31-4B8C-83A1-F6EECF244321}">
-                <p14:modId xmlns:p14="http://schemas.microsoft.com/office/powerpoint/2010/main" val="3473837635"/>
+                <p14:modId xmlns:p14="http://schemas.microsoft.com/office/powerpoint/2010/main" val="1145185353"/>
               </p:ext>
             </p:extLst>
           </p:nvPr>
         </p:nvGraphicFramePr>
         <p:xfrm>
-          <a:off x="447673" y="4108680"/>
-          <a:ext cx="8248653" cy="2381598"/>
+          <a:off x="447673" y="4407303"/>
+          <a:ext cx="8248653" cy="1954388"/>
         </p:xfrm>
         <a:graphic>
           <a:graphicData uri="http://schemas.openxmlformats.org/drawingml/2006/table">
@@ -8692,7 +9093,7 @@
                   </a:extLst>
                 </a:gridCol>
               </a:tblGrid>
-              <a:tr h="343939">
+              <a:tr h="325675">
                 <a:tc rowSpan="2">
                   <a:txBody>
                     <a:bodyPr/>
@@ -8867,7 +9268,7 @@
                   </a:ext>
                 </a:extLst>
               </a:tr>
-              <a:tr h="480689">
+              <a:tr h="569932">
                 <a:tc vMerge="1">
                   <a:txBody>
                     <a:bodyPr/>
@@ -9140,7 +9541,7 @@
                   </a:ext>
                 </a:extLst>
               </a:tr>
-              <a:tr h="687879">
+              <a:tr h="474274">
                 <a:tc>
                   <a:txBody>
                     <a:bodyPr/>
@@ -9408,7 +9809,7 @@
                   </a:ext>
                 </a:extLst>
               </a:tr>
-              <a:tr h="687879">
+              <a:tr h="474274">
                 <a:tc>
                   <a:txBody>
                     <a:bodyPr/>
@@ -10616,8 +11017,8 @@
           </a:p>
         </p:txBody>
       </p:sp>
-      <mc:AlternateContent xmlns:mc="http://schemas.openxmlformats.org/markup-compatibility/2006">
-        <mc:Choice xmlns:a14="http://schemas.microsoft.com/office/drawing/2010/main" Requires="a14">
+      <mc:AlternateContent xmlns:mc="http://schemas.openxmlformats.org/markup-compatibility/2006" xmlns:a14="http://schemas.microsoft.com/office/drawing/2010/main">
+        <mc:Choice Requires="a14">
           <p:sp>
             <p:nvSpPr>
               <p:cNvPr id="3" name="コンテンツ プレースホルダー 2">
@@ -10896,7 +11297,7 @@
             </p:txBody>
           </p:sp>
         </mc:Choice>
-        <mc:Fallback>
+        <mc:Fallback xmlns="">
           <p:sp>
             <p:nvSpPr>
               <p:cNvPr id="3" name="コンテンツ プレースホルダー 2">
@@ -11066,12 +11467,8 @@
                   <a:t>4</a:t>
                 </a:r>
                 <a:r>
-                  <a:rPr lang="ja-JP" altLang="en-US" dirty="0" err="1"/>
-                  <a:t>つの</a:t>
-                </a:r>
-                <a:r>
                   <a:rPr lang="ja-JP" altLang="en-US" dirty="0"/>
-                  <a:t>分類器で </a:t>
+                  <a:t>種類の分類器で </a:t>
                 </a:r>
                 <a14:m>
                   <m:oMath xmlns:m="http://schemas.openxmlformats.org/officeDocument/2006/math">
@@ -11691,6 +12088,18 @@
               <a:p>
                 <a:pPr lvl="1"/>
                 <a:r>
+                  <a:rPr lang="en-US" altLang="ja-JP" dirty="0"/>
+                  <a:t>ROC</a:t>
+                </a:r>
+                <a:r>
+                  <a:rPr lang="ja-JP" altLang="en-US" dirty="0"/>
+                  <a:t>曲線の下側の面積</a:t>
+                </a:r>
+                <a:endParaRPr lang="en-US" altLang="ja-JP" dirty="0"/>
+              </a:p>
+              <a:p>
+                <a:pPr lvl="1"/>
+                <a:r>
                   <a:rPr lang="ja-JP" altLang="en-US" dirty="0"/>
                   <a:t>特定の閾値に拠らず分類器の性能を評価できる</a:t>
                 </a:r>
@@ -11797,9 +12206,9 @@
             </p:nvSpPr>
             <p:spPr>
               <a:blipFill>
-                <a:blip r:embed="rId2"/>
+                <a:blip r:embed="rId3"/>
                 <a:stretch>
-                  <a:fillRect l="-1391" t="-1965"/>
+                  <a:fillRect l="-1391" t="-1965" b="-925"/>
                 </a:stretch>
               </a:blipFill>
             </p:spPr>
@@ -11995,10 +12404,10 @@
       </p:sp>
       <p:pic>
         <p:nvPicPr>
-          <p:cNvPr id="6" name="図 5">
+          <p:cNvPr id="5" name="図 4">
             <a:extLst>
               <a:ext uri="{FF2B5EF4-FFF2-40B4-BE49-F238E27FC236}">
-                <a16:creationId xmlns:a16="http://schemas.microsoft.com/office/drawing/2014/main" id="{EB3A9799-71C9-42B2-AFA3-43E2BE1022DC}"/>
+                <a16:creationId xmlns:a16="http://schemas.microsoft.com/office/drawing/2014/main" id="{92D859E7-9C41-48CB-9C6D-BB6BC8F95C8A}"/>
               </a:ext>
             </a:extLst>
           </p:cNvPr>
@@ -12015,8 +12424,8 @@
         </p:blipFill>
         <p:spPr>
           <a:xfrm>
-            <a:off x="100012" y="4254991"/>
-            <a:ext cx="8943975" cy="1618847"/>
+            <a:off x="142613" y="4427448"/>
+            <a:ext cx="8858774" cy="1629271"/>
           </a:xfrm>
           <a:prstGeom prst="rect">
             <a:avLst/>
@@ -12053,110 +12462,6 @@
           <a:chExt cx="0" cy="0"/>
         </a:xfrm>
       </p:grpSpPr>
-      <p:graphicFrame>
-        <p:nvGraphicFramePr>
-          <p:cNvPr id="18" name="表 17">
-            <a:extLst>
-              <a:ext uri="{FF2B5EF4-FFF2-40B4-BE49-F238E27FC236}">
-                <a16:creationId xmlns:a16="http://schemas.microsoft.com/office/drawing/2014/main" id="{87199234-9D33-4096-A2CC-F78A05358828}"/>
-              </a:ext>
-            </a:extLst>
-          </p:cNvPr>
-          <p:cNvGraphicFramePr>
-            <a:graphicFrameLocks noGrp="1"/>
-          </p:cNvGraphicFramePr>
-          <p:nvPr>
-            <p:extLst>
-              <p:ext uri="{D42A27DB-BD31-4B8C-83A1-F6EECF244321}">
-                <p14:modId xmlns:p14="http://schemas.microsoft.com/office/powerpoint/2010/main" val="234152913"/>
-              </p:ext>
-            </p:extLst>
-          </p:nvPr>
-        </p:nvGraphicFramePr>
-        <p:xfrm>
-          <a:off x="714374" y="809623"/>
-          <a:ext cx="7800976" cy="5927150"/>
-        </p:xfrm>
-        <a:graphic>
-          <a:graphicData uri="http://schemas.openxmlformats.org/drawingml/2006/table">
-            <a:tbl>
-              <a:tblPr firstRow="1" bandRow="1">
-                <a:tableStyleId>{5940675A-B579-460E-94D1-54222C63F5DA}</a:tableStyleId>
-              </a:tblPr>
-              <a:tblGrid>
-                <a:gridCol w="3900488">
-                  <a:extLst>
-                    <a:ext uri="{9D8B030D-6E8A-4147-A177-3AD203B41FA5}">
-                      <a16:colId xmlns:a16="http://schemas.microsoft.com/office/drawing/2014/main" val="1545294848"/>
-                    </a:ext>
-                  </a:extLst>
-                </a:gridCol>
-                <a:gridCol w="3900488">
-                  <a:extLst>
-                    <a:ext uri="{9D8B030D-6E8A-4147-A177-3AD203B41FA5}">
-                      <a16:colId xmlns:a16="http://schemas.microsoft.com/office/drawing/2014/main" val="1853598212"/>
-                    </a:ext>
-                  </a:extLst>
-                </a:gridCol>
-              </a:tblGrid>
-              <a:tr h="2963575">
-                <a:tc>
-                  <a:txBody>
-                    <a:bodyPr/>
-                    <a:lstStyle/>
-                    <a:p>
-                      <a:endParaRPr kumimoji="1" lang="ja-JP" altLang="en-US" dirty="0"/>
-                    </a:p>
-                  </a:txBody>
-                  <a:tcPr/>
-                </a:tc>
-                <a:tc>
-                  <a:txBody>
-                    <a:bodyPr/>
-                    <a:lstStyle/>
-                    <a:p>
-                      <a:endParaRPr kumimoji="1" lang="ja-JP" altLang="en-US" dirty="0"/>
-                    </a:p>
-                  </a:txBody>
-                  <a:tcPr/>
-                </a:tc>
-                <a:extLst>
-                  <a:ext uri="{0D108BD9-81ED-4DB2-BD59-A6C34878D82A}">
-                    <a16:rowId xmlns:a16="http://schemas.microsoft.com/office/drawing/2014/main" val="1008746044"/>
-                  </a:ext>
-                </a:extLst>
-              </a:tr>
-              <a:tr h="2963575">
-                <a:tc>
-                  <a:txBody>
-                    <a:bodyPr/>
-                    <a:lstStyle/>
-                    <a:p>
-                      <a:endParaRPr kumimoji="1" lang="ja-JP" altLang="en-US" dirty="0"/>
-                    </a:p>
-                  </a:txBody>
-                  <a:tcPr/>
-                </a:tc>
-                <a:tc>
-                  <a:txBody>
-                    <a:bodyPr/>
-                    <a:lstStyle/>
-                    <a:p>
-                      <a:endParaRPr kumimoji="1" lang="ja-JP" altLang="en-US" dirty="0"/>
-                    </a:p>
-                  </a:txBody>
-                  <a:tcPr/>
-                </a:tc>
-                <a:extLst>
-                  <a:ext uri="{0D108BD9-81ED-4DB2-BD59-A6C34878D82A}">
-                    <a16:rowId xmlns:a16="http://schemas.microsoft.com/office/drawing/2014/main" val="748817290"/>
-                  </a:ext>
-                </a:extLst>
-              </a:tr>
-            </a:tbl>
-          </a:graphicData>
-        </a:graphic>
-      </p:graphicFrame>
       <p:sp>
         <p:nvSpPr>
           <p:cNvPr id="2" name="タイトル 1">
@@ -12205,41 +12510,6 @@
           </a:p>
         </p:txBody>
       </p:sp>
-      <p:pic>
-        <p:nvPicPr>
-          <p:cNvPr id="7" name="コンテンツ プレースホルダー 6">
-            <a:extLst>
-              <a:ext uri="{FF2B5EF4-FFF2-40B4-BE49-F238E27FC236}">
-                <a16:creationId xmlns:a16="http://schemas.microsoft.com/office/drawing/2014/main" id="{FCEFCEB3-916C-4EF8-93F5-8DC1AE79426C}"/>
-              </a:ext>
-            </a:extLst>
-          </p:cNvPr>
-          <p:cNvPicPr>
-            <a:picLocks noGrp="1" noChangeAspect="1"/>
-          </p:cNvPicPr>
-          <p:nvPr>
-            <p:ph idx="1"/>
-          </p:nvPr>
-        </p:nvPicPr>
-        <p:blipFill>
-          <a:blip r:embed="rId2" cstate="print">
-            <a:extLst>
-              <a:ext uri="{28A0092B-C50C-407E-A947-70E740481C1C}">
-                <a14:useLocalDpi xmlns:a14="http://schemas.microsoft.com/office/drawing/2010/main" val="0"/>
-              </a:ext>
-            </a:extLst>
-          </a:blip>
-          <a:stretch>
-            <a:fillRect/>
-          </a:stretch>
-        </p:blipFill>
-        <p:spPr>
-          <a:xfrm>
-            <a:off x="1010297" y="865042"/>
-            <a:ext cx="3238226" cy="2372526"/>
-          </a:xfrm>
-        </p:spPr>
-      </p:pic>
       <p:sp>
         <p:nvSpPr>
           <p:cNvPr id="4" name="スライド番号プレースホルダー 3">
@@ -12269,994 +12539,6 @@
           </a:p>
         </p:txBody>
       </p:sp>
-      <p:pic>
-        <p:nvPicPr>
-          <p:cNvPr id="9" name="図 8">
-            <a:extLst>
-              <a:ext uri="{FF2B5EF4-FFF2-40B4-BE49-F238E27FC236}">
-                <a16:creationId xmlns:a16="http://schemas.microsoft.com/office/drawing/2014/main" id="{85DA686D-03AC-48D6-A9BA-B52F2A6D9D86}"/>
-              </a:ext>
-            </a:extLst>
-          </p:cNvPr>
-          <p:cNvPicPr>
-            <a:picLocks noChangeAspect="1"/>
-          </p:cNvPicPr>
-          <p:nvPr/>
-        </p:nvPicPr>
-        <p:blipFill>
-          <a:blip r:embed="rId3" cstate="print">
-            <a:extLst>
-              <a:ext uri="{28A0092B-C50C-407E-A947-70E740481C1C}">
-                <a14:useLocalDpi xmlns:a14="http://schemas.microsoft.com/office/drawing/2010/main" val="0"/>
-              </a:ext>
-            </a:extLst>
-          </a:blip>
-          <a:stretch>
-            <a:fillRect/>
-          </a:stretch>
-        </p:blipFill>
-        <p:spPr>
-          <a:xfrm>
-            <a:off x="1010297" y="3845371"/>
-            <a:ext cx="3238226" cy="2372526"/>
-          </a:xfrm>
-          <a:prstGeom prst="rect">
-            <a:avLst/>
-          </a:prstGeom>
-        </p:spPr>
-      </p:pic>
-      <p:pic>
-        <p:nvPicPr>
-          <p:cNvPr id="11" name="図 10">
-            <a:extLst>
-              <a:ext uri="{FF2B5EF4-FFF2-40B4-BE49-F238E27FC236}">
-                <a16:creationId xmlns:a16="http://schemas.microsoft.com/office/drawing/2014/main" id="{013C75EE-8785-47A3-8557-3C09D0E362C8}"/>
-              </a:ext>
-            </a:extLst>
-          </p:cNvPr>
-          <p:cNvPicPr>
-            <a:picLocks noChangeAspect="1"/>
-          </p:cNvPicPr>
-          <p:nvPr/>
-        </p:nvPicPr>
-        <p:blipFill>
-          <a:blip r:embed="rId4" cstate="print">
-            <a:extLst>
-              <a:ext uri="{28A0092B-C50C-407E-A947-70E740481C1C}">
-                <a14:useLocalDpi xmlns:a14="http://schemas.microsoft.com/office/drawing/2010/main" val="0"/>
-              </a:ext>
-            </a:extLst>
-          </a:blip>
-          <a:stretch>
-            <a:fillRect/>
-          </a:stretch>
-        </p:blipFill>
-        <p:spPr>
-          <a:xfrm>
-            <a:off x="5000899" y="865042"/>
-            <a:ext cx="3238226" cy="2372526"/>
-          </a:xfrm>
-          <a:prstGeom prst="rect">
-            <a:avLst/>
-          </a:prstGeom>
-        </p:spPr>
-      </p:pic>
-      <p:pic>
-        <p:nvPicPr>
-          <p:cNvPr id="13" name="図 12">
-            <a:extLst>
-              <a:ext uri="{FF2B5EF4-FFF2-40B4-BE49-F238E27FC236}">
-                <a16:creationId xmlns:a16="http://schemas.microsoft.com/office/drawing/2014/main" id="{3FEB77DC-8B25-4610-8B46-B9DA5F9D4CCF}"/>
-              </a:ext>
-            </a:extLst>
-          </p:cNvPr>
-          <p:cNvPicPr>
-            <a:picLocks noChangeAspect="1"/>
-          </p:cNvPicPr>
-          <p:nvPr/>
-        </p:nvPicPr>
-        <p:blipFill>
-          <a:blip r:embed="rId5" cstate="print">
-            <a:extLst>
-              <a:ext uri="{28A0092B-C50C-407E-A947-70E740481C1C}">
-                <a14:useLocalDpi xmlns:a14="http://schemas.microsoft.com/office/drawing/2010/main" val="0"/>
-              </a:ext>
-            </a:extLst>
-          </a:blip>
-          <a:stretch>
-            <a:fillRect/>
-          </a:stretch>
-        </p:blipFill>
-        <p:spPr>
-          <a:xfrm>
-            <a:off x="5000899" y="3845371"/>
-            <a:ext cx="3238226" cy="2372526"/>
-          </a:xfrm>
-          <a:prstGeom prst="rect">
-            <a:avLst/>
-          </a:prstGeom>
-        </p:spPr>
-      </p:pic>
-      <mc:AlternateContent xmlns:mc="http://schemas.openxmlformats.org/markup-compatibility/2006">
-        <mc:Choice xmlns:a14="http://schemas.microsoft.com/office/drawing/2010/main" Requires="a14">
-          <p:sp>
-            <p:nvSpPr>
-              <p:cNvPr id="14" name="テキスト ボックス 13">
-                <a:extLst>
-                  <a:ext uri="{FF2B5EF4-FFF2-40B4-BE49-F238E27FC236}">
-                    <a16:creationId xmlns:a16="http://schemas.microsoft.com/office/drawing/2014/main" id="{E40F7E13-5D14-4F41-B0EA-2C6B90C98ED8}"/>
-                  </a:ext>
-                </a:extLst>
-              </p:cNvPr>
-              <p:cNvSpPr txBox="1"/>
-              <p:nvPr/>
-            </p:nvSpPr>
-            <p:spPr>
-              <a:xfrm>
-                <a:off x="1426035" y="3177271"/>
-                <a:ext cx="2406749" cy="553998"/>
-              </a:xfrm>
-              <a:prstGeom prst="rect">
-                <a:avLst/>
-              </a:prstGeom>
-              <a:noFill/>
-            </p:spPr>
-            <p:txBody>
-              <a:bodyPr wrap="none" lIns="0" tIns="0" rIns="0" bIns="0" rtlCol="0">
-                <a:spAutoFit/>
-              </a:bodyPr>
-              <a:lstStyle/>
-              <a:p>
-                <a:pPr algn="ctr">
-                  <a:lnSpc>
-                    <a:spcPct val="150000"/>
-                  </a:lnSpc>
-                </a:pPr>
-                <a14:m>
-                  <m:oMathPara xmlns:m="http://schemas.openxmlformats.org/officeDocument/2006/math">
-                    <m:oMathParaPr>
-                      <m:jc m:val="centerGroup"/>
-                    </m:oMathParaPr>
-                    <m:oMath xmlns:m="http://schemas.openxmlformats.org/officeDocument/2006/math">
-                      <m:d>
-                        <m:dPr>
-                          <m:ctrlPr>
-                            <a:rPr lang="en-US" altLang="ja-JP" sz="2400" i="1" smtClean="0">
-                              <a:solidFill>
-                                <a:schemeClr val="tx1">
-                                  <a:lumMod val="75000"/>
-                                  <a:lumOff val="25000"/>
-                                </a:schemeClr>
-                              </a:solidFill>
-                              <a:latin typeface="Cambria Math" panose="02040503050406030204" pitchFamily="18" charset="0"/>
-                            </a:rPr>
-                          </m:ctrlPr>
-                        </m:dPr>
-                        <m:e>
-                          <m:sSub>
-                            <m:sSubPr>
-                              <m:ctrlPr>
-                                <a:rPr lang="en-US" altLang="ja-JP" sz="2400" i="1" smtClean="0">
-                                  <a:solidFill>
-                                    <a:schemeClr val="tx1">
-                                      <a:lumMod val="75000"/>
-                                      <a:lumOff val="25000"/>
-                                    </a:schemeClr>
-                                  </a:solidFill>
-                                  <a:latin typeface="Cambria Math" panose="02040503050406030204" pitchFamily="18" charset="0"/>
-                                </a:rPr>
-                              </m:ctrlPr>
-                            </m:sSubPr>
-                            <m:e>
-                              <m:r>
-                                <a:rPr lang="en-US" altLang="ja-JP" sz="2400" b="0" i="1" smtClean="0">
-                                  <a:solidFill>
-                                    <a:schemeClr val="tx1">
-                                      <a:lumMod val="75000"/>
-                                      <a:lumOff val="25000"/>
-                                    </a:schemeClr>
-                                  </a:solidFill>
-                                  <a:latin typeface="Cambria Math" panose="02040503050406030204" pitchFamily="18" charset="0"/>
-                                </a:rPr>
-                                <m:t>𝐹</m:t>
-                              </m:r>
-                            </m:e>
-                            <m:sub>
-                              <m:r>
-                                <a:rPr lang="en-US" altLang="ja-JP" sz="2400" b="0" i="1" smtClean="0">
-                                  <a:solidFill>
-                                    <a:schemeClr val="tx1">
-                                      <a:lumMod val="75000"/>
-                                      <a:lumOff val="25000"/>
-                                    </a:schemeClr>
-                                  </a:solidFill>
-                                  <a:latin typeface="Cambria Math" panose="02040503050406030204" pitchFamily="18" charset="0"/>
-                                </a:rPr>
-                                <m:t>𝐶𝑖𝑡𝑖𝑒𝑠</m:t>
-                              </m:r>
-                            </m:sub>
-                          </m:sSub>
-                          <m:r>
-                            <a:rPr lang="en-US" altLang="ja-JP" sz="2400" i="1">
-                              <a:solidFill>
-                                <a:schemeClr val="tx1">
-                                  <a:lumMod val="75000"/>
-                                  <a:lumOff val="25000"/>
-                                </a:schemeClr>
-                              </a:solidFill>
-                              <a:latin typeface="Cambria Math" panose="02040503050406030204" pitchFamily="18" charset="0"/>
-                              <a:ea typeface="Cambria Math" panose="02040503050406030204" pitchFamily="18" charset="0"/>
-                            </a:rPr>
-                            <m:t>⇒</m:t>
-                          </m:r>
-                          <m:sSub>
-                            <m:sSubPr>
-                              <m:ctrlPr>
-                                <a:rPr lang="en-US" altLang="ja-JP" sz="2400" i="1">
-                                  <a:solidFill>
-                                    <a:schemeClr val="tx1">
-                                      <a:lumMod val="75000"/>
-                                      <a:lumOff val="25000"/>
-                                    </a:schemeClr>
-                                  </a:solidFill>
-                                  <a:latin typeface="Cambria Math" panose="02040503050406030204" pitchFamily="18" charset="0"/>
-                                  <a:ea typeface="Cambria Math" panose="02040503050406030204" pitchFamily="18" charset="0"/>
-                                </a:rPr>
-                              </m:ctrlPr>
-                            </m:sSubPr>
-                            <m:e>
-                              <m:r>
-                                <a:rPr lang="en-US" altLang="ja-JP" sz="2400" i="1">
-                                  <a:solidFill>
-                                    <a:schemeClr val="tx1">
-                                      <a:lumMod val="75000"/>
-                                      <a:lumOff val="25000"/>
-                                    </a:schemeClr>
-                                  </a:solidFill>
-                                  <a:latin typeface="Cambria Math" panose="02040503050406030204" pitchFamily="18" charset="0"/>
-                                  <a:ea typeface="Cambria Math" panose="02040503050406030204" pitchFamily="18" charset="0"/>
-                                </a:rPr>
-                                <m:t>𝑅</m:t>
-                              </m:r>
-                            </m:e>
-                            <m:sub>
-                              <m:r>
-                                <a:rPr lang="en-US" altLang="ja-JP" sz="2400" b="0" i="1" smtClean="0">
-                                  <a:solidFill>
-                                    <a:schemeClr val="tx1">
-                                      <a:lumMod val="75000"/>
-                                      <a:lumOff val="25000"/>
-                                    </a:schemeClr>
-                                  </a:solidFill>
-                                  <a:latin typeface="Cambria Math" panose="02040503050406030204" pitchFamily="18" charset="0"/>
-                                  <a:ea typeface="Cambria Math" panose="02040503050406030204" pitchFamily="18" charset="0"/>
-                                </a:rPr>
-                                <m:t>𝐶𝑖𝑡𝑖𝑒𝑠</m:t>
-                              </m:r>
-                            </m:sub>
-                          </m:sSub>
-                        </m:e>
-                      </m:d>
-                    </m:oMath>
-                  </m:oMathPara>
-                </a14:m>
-                <a:endParaRPr lang="en-US" altLang="ja-JP" sz="2400" b="1" dirty="0">
-                  <a:solidFill>
-                    <a:schemeClr val="tx1">
-                      <a:lumMod val="75000"/>
-                      <a:lumOff val="25000"/>
-                    </a:schemeClr>
-                  </a:solidFill>
-                </a:endParaRPr>
-              </a:p>
-            </p:txBody>
-          </p:sp>
-        </mc:Choice>
-        <mc:Fallback>
-          <p:sp>
-            <p:nvSpPr>
-              <p:cNvPr id="14" name="テキスト ボックス 13">
-                <a:extLst>
-                  <a:ext uri="{FF2B5EF4-FFF2-40B4-BE49-F238E27FC236}">
-                    <a16:creationId xmlns:a16="http://schemas.microsoft.com/office/drawing/2014/main" id="{E40F7E13-5D14-4F41-B0EA-2C6B90C98ED8}"/>
-                  </a:ext>
-                </a:extLst>
-              </p:cNvPr>
-              <p:cNvSpPr txBox="1">
-                <a:spLocks noRot="1" noChangeAspect="1" noMove="1" noResize="1" noEditPoints="1" noAdjustHandles="1" noChangeArrowheads="1" noChangeShapeType="1" noTextEdit="1"/>
-              </p:cNvSpPr>
-              <p:nvPr/>
-            </p:nvSpPr>
-            <p:spPr>
-              <a:xfrm>
-                <a:off x="1426035" y="3177271"/>
-                <a:ext cx="2406749" cy="553998"/>
-              </a:xfrm>
-              <a:prstGeom prst="rect">
-                <a:avLst/>
-              </a:prstGeom>
-              <a:blipFill>
-                <a:blip r:embed="rId6"/>
-                <a:stretch>
-                  <a:fillRect/>
-                </a:stretch>
-              </a:blipFill>
-            </p:spPr>
-            <p:txBody>
-              <a:bodyPr/>
-              <a:lstStyle/>
-              <a:p>
-                <a:r>
-                  <a:rPr lang="ja-JP" altLang="en-US">
-                    <a:noFill/>
-                  </a:rPr>
-                  <a:t> </a:t>
-                </a:r>
-              </a:p>
-            </p:txBody>
-          </p:sp>
-        </mc:Fallback>
-      </mc:AlternateContent>
-      <mc:AlternateContent xmlns:mc="http://schemas.openxmlformats.org/markup-compatibility/2006">
-        <mc:Choice xmlns:a14="http://schemas.microsoft.com/office/drawing/2010/main" Requires="a14">
-          <p:sp>
-            <p:nvSpPr>
-              <p:cNvPr id="15" name="テキスト ボックス 14">
-                <a:extLst>
-                  <a:ext uri="{FF2B5EF4-FFF2-40B4-BE49-F238E27FC236}">
-                    <a16:creationId xmlns:a16="http://schemas.microsoft.com/office/drawing/2014/main" id="{BEC52FBC-B1C7-4DED-ACF8-76BD7C7D151F}"/>
-                  </a:ext>
-                </a:extLst>
-              </p:cNvPr>
-              <p:cNvSpPr txBox="1"/>
-              <p:nvPr/>
-            </p:nvSpPr>
-            <p:spPr>
-              <a:xfrm>
-                <a:off x="5457352" y="3177271"/>
-                <a:ext cx="2325317" cy="553998"/>
-              </a:xfrm>
-              <a:prstGeom prst="rect">
-                <a:avLst/>
-              </a:prstGeom>
-              <a:noFill/>
-            </p:spPr>
-            <p:txBody>
-              <a:bodyPr wrap="none" lIns="0" tIns="0" rIns="0" bIns="0" rtlCol="0">
-                <a:spAutoFit/>
-              </a:bodyPr>
-              <a:lstStyle/>
-              <a:p>
-                <a:pPr algn="ctr">
-                  <a:lnSpc>
-                    <a:spcPct val="150000"/>
-                  </a:lnSpc>
-                </a:pPr>
-                <a14:m>
-                  <m:oMathPara xmlns:m="http://schemas.openxmlformats.org/officeDocument/2006/math">
-                    <m:oMathParaPr>
-                      <m:jc m:val="centerGroup"/>
-                    </m:oMathParaPr>
-                    <m:oMath xmlns:m="http://schemas.openxmlformats.org/officeDocument/2006/math">
-                      <m:d>
-                        <m:dPr>
-                          <m:ctrlPr>
-                            <a:rPr lang="en-US" altLang="ja-JP" sz="2400" i="1" smtClean="0">
-                              <a:solidFill>
-                                <a:schemeClr val="tx1">
-                                  <a:lumMod val="75000"/>
-                                  <a:lumOff val="25000"/>
-                                </a:schemeClr>
-                              </a:solidFill>
-                              <a:latin typeface="Cambria Math" panose="02040503050406030204" pitchFamily="18" charset="0"/>
-                            </a:rPr>
-                          </m:ctrlPr>
-                        </m:dPr>
-                        <m:e>
-                          <m:sSub>
-                            <m:sSubPr>
-                              <m:ctrlPr>
-                                <a:rPr lang="en-US" altLang="ja-JP" sz="2400" i="1" smtClean="0">
-                                  <a:solidFill>
-                                    <a:schemeClr val="tx1">
-                                      <a:lumMod val="75000"/>
-                                      <a:lumOff val="25000"/>
-                                    </a:schemeClr>
-                                  </a:solidFill>
-                                  <a:latin typeface="Cambria Math" panose="02040503050406030204" pitchFamily="18" charset="0"/>
-                                </a:rPr>
-                              </m:ctrlPr>
-                            </m:sSubPr>
-                            <m:e>
-                              <m:r>
-                                <a:rPr lang="en-US" altLang="ja-JP" sz="2400" b="0" i="1" smtClean="0">
-                                  <a:solidFill>
-                                    <a:schemeClr val="tx1">
-                                      <a:lumMod val="75000"/>
-                                      <a:lumOff val="25000"/>
-                                    </a:schemeClr>
-                                  </a:solidFill>
-                                  <a:latin typeface="Cambria Math" panose="02040503050406030204" pitchFamily="18" charset="0"/>
-                                </a:rPr>
-                                <m:t>𝐹</m:t>
-                              </m:r>
-                            </m:e>
-                            <m:sub>
-                              <m:r>
-                                <a:rPr lang="en-US" altLang="ja-JP" sz="2400" b="0" i="1" smtClean="0">
-                                  <a:solidFill>
-                                    <a:schemeClr val="tx1">
-                                      <a:lumMod val="75000"/>
-                                      <a:lumOff val="25000"/>
-                                    </a:schemeClr>
-                                  </a:solidFill>
-                                  <a:latin typeface="Cambria Math" panose="02040503050406030204" pitchFamily="18" charset="0"/>
-                                </a:rPr>
-                                <m:t>𝐶𝑖𝑡𝑖𝑒𝑠</m:t>
-                              </m:r>
-                            </m:sub>
-                          </m:sSub>
-                          <m:r>
-                            <a:rPr lang="en-US" altLang="ja-JP" sz="2400" i="1">
-                              <a:solidFill>
-                                <a:schemeClr val="tx1">
-                                  <a:lumMod val="75000"/>
-                                  <a:lumOff val="25000"/>
-                                </a:schemeClr>
-                              </a:solidFill>
-                              <a:latin typeface="Cambria Math" panose="02040503050406030204" pitchFamily="18" charset="0"/>
-                              <a:ea typeface="Cambria Math" panose="02040503050406030204" pitchFamily="18" charset="0"/>
-                            </a:rPr>
-                            <m:t>⇒</m:t>
-                          </m:r>
-                          <m:sSub>
-                            <m:sSubPr>
-                              <m:ctrlPr>
-                                <a:rPr lang="en-US" altLang="ja-JP" sz="2400" i="1">
-                                  <a:solidFill>
-                                    <a:schemeClr val="tx1">
-                                      <a:lumMod val="75000"/>
-                                      <a:lumOff val="25000"/>
-                                    </a:schemeClr>
-                                  </a:solidFill>
-                                  <a:latin typeface="Cambria Math" panose="02040503050406030204" pitchFamily="18" charset="0"/>
-                                  <a:ea typeface="Cambria Math" panose="02040503050406030204" pitchFamily="18" charset="0"/>
-                                </a:rPr>
-                              </m:ctrlPr>
-                            </m:sSubPr>
-                            <m:e>
-                              <m:r>
-                                <a:rPr lang="en-US" altLang="ja-JP" sz="2400" i="1">
-                                  <a:solidFill>
-                                    <a:schemeClr val="tx1">
-                                      <a:lumMod val="75000"/>
-                                      <a:lumOff val="25000"/>
-                                    </a:schemeClr>
-                                  </a:solidFill>
-                                  <a:latin typeface="Cambria Math" panose="02040503050406030204" pitchFamily="18" charset="0"/>
-                                  <a:ea typeface="Cambria Math" panose="02040503050406030204" pitchFamily="18" charset="0"/>
-                                </a:rPr>
-                                <m:t>𝑅</m:t>
-                              </m:r>
-                            </m:e>
-                            <m:sub>
-                              <m:r>
-                                <a:rPr lang="en-US" altLang="ja-JP" sz="2400" b="0" i="1" smtClean="0">
-                                  <a:solidFill>
-                                    <a:schemeClr val="tx1">
-                                      <a:lumMod val="75000"/>
-                                      <a:lumOff val="25000"/>
-                                    </a:schemeClr>
-                                  </a:solidFill>
-                                  <a:latin typeface="Cambria Math" panose="02040503050406030204" pitchFamily="18" charset="0"/>
-                                  <a:ea typeface="Cambria Math" panose="02040503050406030204" pitchFamily="18" charset="0"/>
-                                </a:rPr>
-                                <m:t>𝐸𝑢𝑟𝑜</m:t>
-                              </m:r>
-                            </m:sub>
-                          </m:sSub>
-                        </m:e>
-                      </m:d>
-                    </m:oMath>
-                  </m:oMathPara>
-                </a14:m>
-                <a:endParaRPr lang="en-US" altLang="ja-JP" sz="2400" b="1" dirty="0">
-                  <a:solidFill>
-                    <a:schemeClr val="tx1">
-                      <a:lumMod val="75000"/>
-                      <a:lumOff val="25000"/>
-                    </a:schemeClr>
-                  </a:solidFill>
-                </a:endParaRPr>
-              </a:p>
-            </p:txBody>
-          </p:sp>
-        </mc:Choice>
-        <mc:Fallback>
-          <p:sp>
-            <p:nvSpPr>
-              <p:cNvPr id="15" name="テキスト ボックス 14">
-                <a:extLst>
-                  <a:ext uri="{FF2B5EF4-FFF2-40B4-BE49-F238E27FC236}">
-                    <a16:creationId xmlns:a16="http://schemas.microsoft.com/office/drawing/2014/main" id="{BEC52FBC-B1C7-4DED-ACF8-76BD7C7D151F}"/>
-                  </a:ext>
-                </a:extLst>
-              </p:cNvPr>
-              <p:cNvSpPr txBox="1">
-                <a:spLocks noRot="1" noChangeAspect="1" noMove="1" noResize="1" noEditPoints="1" noAdjustHandles="1" noChangeArrowheads="1" noChangeShapeType="1" noTextEdit="1"/>
-              </p:cNvSpPr>
-              <p:nvPr/>
-            </p:nvSpPr>
-            <p:spPr>
-              <a:xfrm>
-                <a:off x="5457352" y="3177271"/>
-                <a:ext cx="2325317" cy="553998"/>
-              </a:xfrm>
-              <a:prstGeom prst="rect">
-                <a:avLst/>
-              </a:prstGeom>
-              <a:blipFill>
-                <a:blip r:embed="rId7"/>
-                <a:stretch>
-                  <a:fillRect/>
-                </a:stretch>
-              </a:blipFill>
-            </p:spPr>
-            <p:txBody>
-              <a:bodyPr/>
-              <a:lstStyle/>
-              <a:p>
-                <a:r>
-                  <a:rPr lang="ja-JP" altLang="en-US">
-                    <a:noFill/>
-                  </a:rPr>
-                  <a:t> </a:t>
-                </a:r>
-              </a:p>
-            </p:txBody>
-          </p:sp>
-        </mc:Fallback>
-      </mc:AlternateContent>
-      <mc:AlternateContent xmlns:mc="http://schemas.openxmlformats.org/markup-compatibility/2006">
-        <mc:Choice xmlns:a14="http://schemas.microsoft.com/office/drawing/2010/main" Requires="a14">
-          <p:sp>
-            <p:nvSpPr>
-              <p:cNvPr id="16" name="テキスト ボックス 15">
-                <a:extLst>
-                  <a:ext uri="{FF2B5EF4-FFF2-40B4-BE49-F238E27FC236}">
-                    <a16:creationId xmlns:a16="http://schemas.microsoft.com/office/drawing/2014/main" id="{47F3D8A7-CC70-41A1-A911-44D633917A3B}"/>
-                  </a:ext>
-                </a:extLst>
-              </p:cNvPr>
-              <p:cNvSpPr txBox="1"/>
-              <p:nvPr/>
-            </p:nvSpPr>
-            <p:spPr>
-              <a:xfrm>
-                <a:off x="1507466" y="6182775"/>
-                <a:ext cx="2243884" cy="553998"/>
-              </a:xfrm>
-              <a:prstGeom prst="rect">
-                <a:avLst/>
-              </a:prstGeom>
-              <a:noFill/>
-            </p:spPr>
-            <p:txBody>
-              <a:bodyPr wrap="none" lIns="0" tIns="0" rIns="0" bIns="0" rtlCol="0">
-                <a:spAutoFit/>
-              </a:bodyPr>
-              <a:lstStyle/>
-              <a:p>
-                <a:pPr algn="ctr">
-                  <a:lnSpc>
-                    <a:spcPct val="150000"/>
-                  </a:lnSpc>
-                </a:pPr>
-                <a14:m>
-                  <m:oMathPara xmlns:m="http://schemas.openxmlformats.org/officeDocument/2006/math">
-                    <m:oMathParaPr>
-                      <m:jc m:val="centerGroup"/>
-                    </m:oMathParaPr>
-                    <m:oMath xmlns:m="http://schemas.openxmlformats.org/officeDocument/2006/math">
-                      <m:d>
-                        <m:dPr>
-                          <m:ctrlPr>
-                            <a:rPr lang="en-US" altLang="ja-JP" sz="2400" i="1" smtClean="0">
-                              <a:solidFill>
-                                <a:schemeClr val="tx1">
-                                  <a:lumMod val="75000"/>
-                                  <a:lumOff val="25000"/>
-                                </a:schemeClr>
-                              </a:solidFill>
-                              <a:latin typeface="Cambria Math" panose="02040503050406030204" pitchFamily="18" charset="0"/>
-                            </a:rPr>
-                          </m:ctrlPr>
-                        </m:dPr>
-                        <m:e>
-                          <m:sSub>
-                            <m:sSubPr>
-                              <m:ctrlPr>
-                                <a:rPr lang="en-US" altLang="ja-JP" sz="2400" i="1" smtClean="0">
-                                  <a:solidFill>
-                                    <a:schemeClr val="tx1">
-                                      <a:lumMod val="75000"/>
-                                      <a:lumOff val="25000"/>
-                                    </a:schemeClr>
-                                  </a:solidFill>
-                                  <a:latin typeface="Cambria Math" panose="02040503050406030204" pitchFamily="18" charset="0"/>
-                                </a:rPr>
-                              </m:ctrlPr>
-                            </m:sSubPr>
-                            <m:e>
-                              <m:r>
-                                <a:rPr lang="en-US" altLang="ja-JP" sz="2400" b="0" i="1" smtClean="0">
-                                  <a:solidFill>
-                                    <a:schemeClr val="tx1">
-                                      <a:lumMod val="75000"/>
-                                      <a:lumOff val="25000"/>
-                                    </a:schemeClr>
-                                  </a:solidFill>
-                                  <a:latin typeface="Cambria Math" panose="02040503050406030204" pitchFamily="18" charset="0"/>
-                                </a:rPr>
-                                <m:t>𝐹</m:t>
-                              </m:r>
-                            </m:e>
-                            <m:sub>
-                              <m:r>
-                                <a:rPr lang="en-US" altLang="ja-JP" sz="2400" b="0" i="1" smtClean="0">
-                                  <a:solidFill>
-                                    <a:schemeClr val="tx1">
-                                      <a:lumMod val="75000"/>
-                                      <a:lumOff val="25000"/>
-                                    </a:schemeClr>
-                                  </a:solidFill>
-                                  <a:latin typeface="Cambria Math" panose="02040503050406030204" pitchFamily="18" charset="0"/>
-                                </a:rPr>
-                                <m:t>𝐸𝑢𝑟𝑜</m:t>
-                              </m:r>
-                            </m:sub>
-                          </m:sSub>
-                          <m:r>
-                            <a:rPr lang="en-US" altLang="ja-JP" sz="2400" i="1">
-                              <a:solidFill>
-                                <a:schemeClr val="tx1">
-                                  <a:lumMod val="75000"/>
-                                  <a:lumOff val="25000"/>
-                                </a:schemeClr>
-                              </a:solidFill>
-                              <a:latin typeface="Cambria Math" panose="02040503050406030204" pitchFamily="18" charset="0"/>
-                              <a:ea typeface="Cambria Math" panose="02040503050406030204" pitchFamily="18" charset="0"/>
-                            </a:rPr>
-                            <m:t>⇒</m:t>
-                          </m:r>
-                          <m:sSub>
-                            <m:sSubPr>
-                              <m:ctrlPr>
-                                <a:rPr lang="en-US" altLang="ja-JP" sz="2400" i="1">
-                                  <a:solidFill>
-                                    <a:schemeClr val="tx1">
-                                      <a:lumMod val="75000"/>
-                                      <a:lumOff val="25000"/>
-                                    </a:schemeClr>
-                                  </a:solidFill>
-                                  <a:latin typeface="Cambria Math" panose="02040503050406030204" pitchFamily="18" charset="0"/>
-                                  <a:ea typeface="Cambria Math" panose="02040503050406030204" pitchFamily="18" charset="0"/>
-                                </a:rPr>
-                              </m:ctrlPr>
-                            </m:sSubPr>
-                            <m:e>
-                              <m:r>
-                                <a:rPr lang="en-US" altLang="ja-JP" sz="2400" i="1">
-                                  <a:solidFill>
-                                    <a:schemeClr val="tx1">
-                                      <a:lumMod val="75000"/>
-                                      <a:lumOff val="25000"/>
-                                    </a:schemeClr>
-                                  </a:solidFill>
-                                  <a:latin typeface="Cambria Math" panose="02040503050406030204" pitchFamily="18" charset="0"/>
-                                  <a:ea typeface="Cambria Math" panose="02040503050406030204" pitchFamily="18" charset="0"/>
-                                </a:rPr>
-                                <m:t>𝑅</m:t>
-                              </m:r>
-                            </m:e>
-                            <m:sub>
-                              <m:r>
-                                <a:rPr lang="en-US" altLang="ja-JP" sz="2400" b="0" i="1" smtClean="0">
-                                  <a:solidFill>
-                                    <a:schemeClr val="tx1">
-                                      <a:lumMod val="75000"/>
-                                      <a:lumOff val="25000"/>
-                                    </a:schemeClr>
-                                  </a:solidFill>
-                                  <a:latin typeface="Cambria Math" panose="02040503050406030204" pitchFamily="18" charset="0"/>
-                                  <a:ea typeface="Cambria Math" panose="02040503050406030204" pitchFamily="18" charset="0"/>
-                                </a:rPr>
-                                <m:t>𝐸𝑢𝑟𝑜</m:t>
-                              </m:r>
-                            </m:sub>
-                          </m:sSub>
-                        </m:e>
-                      </m:d>
-                    </m:oMath>
-                  </m:oMathPara>
-                </a14:m>
-                <a:endParaRPr lang="en-US" altLang="ja-JP" sz="2400" b="1" dirty="0">
-                  <a:solidFill>
-                    <a:schemeClr val="tx1">
-                      <a:lumMod val="75000"/>
-                      <a:lumOff val="25000"/>
-                    </a:schemeClr>
-                  </a:solidFill>
-                </a:endParaRPr>
-              </a:p>
-            </p:txBody>
-          </p:sp>
-        </mc:Choice>
-        <mc:Fallback>
-          <p:sp>
-            <p:nvSpPr>
-              <p:cNvPr id="16" name="テキスト ボックス 15">
-                <a:extLst>
-                  <a:ext uri="{FF2B5EF4-FFF2-40B4-BE49-F238E27FC236}">
-                    <a16:creationId xmlns:a16="http://schemas.microsoft.com/office/drawing/2014/main" id="{47F3D8A7-CC70-41A1-A911-44D633917A3B}"/>
-                  </a:ext>
-                </a:extLst>
-              </p:cNvPr>
-              <p:cNvSpPr txBox="1">
-                <a:spLocks noRot="1" noChangeAspect="1" noMove="1" noResize="1" noEditPoints="1" noAdjustHandles="1" noChangeArrowheads="1" noChangeShapeType="1" noTextEdit="1"/>
-              </p:cNvSpPr>
-              <p:nvPr/>
-            </p:nvSpPr>
-            <p:spPr>
-              <a:xfrm>
-                <a:off x="1507466" y="6182775"/>
-                <a:ext cx="2243884" cy="553998"/>
-              </a:xfrm>
-              <a:prstGeom prst="rect">
-                <a:avLst/>
-              </a:prstGeom>
-              <a:blipFill>
-                <a:blip r:embed="rId8"/>
-                <a:stretch>
-                  <a:fillRect/>
-                </a:stretch>
-              </a:blipFill>
-            </p:spPr>
-            <p:txBody>
-              <a:bodyPr/>
-              <a:lstStyle/>
-              <a:p>
-                <a:r>
-                  <a:rPr lang="ja-JP" altLang="en-US">
-                    <a:noFill/>
-                  </a:rPr>
-                  <a:t> </a:t>
-                </a:r>
-              </a:p>
-            </p:txBody>
-          </p:sp>
-        </mc:Fallback>
-      </mc:AlternateContent>
-      <mc:AlternateContent xmlns:mc="http://schemas.openxmlformats.org/markup-compatibility/2006">
-        <mc:Choice xmlns:a14="http://schemas.microsoft.com/office/drawing/2010/main" Requires="a14">
-          <p:sp>
-            <p:nvSpPr>
-              <p:cNvPr id="17" name="テキスト ボックス 16">
-                <a:extLst>
-                  <a:ext uri="{FF2B5EF4-FFF2-40B4-BE49-F238E27FC236}">
-                    <a16:creationId xmlns:a16="http://schemas.microsoft.com/office/drawing/2014/main" id="{84822598-3A19-4B8B-A5A9-7DD2816D925D}"/>
-                  </a:ext>
-                </a:extLst>
-              </p:cNvPr>
-              <p:cNvSpPr txBox="1"/>
-              <p:nvPr/>
-            </p:nvSpPr>
-            <p:spPr>
-              <a:xfrm>
-                <a:off x="5371632" y="6152271"/>
-                <a:ext cx="2325316" cy="553998"/>
-              </a:xfrm>
-              <a:prstGeom prst="rect">
-                <a:avLst/>
-              </a:prstGeom>
-              <a:noFill/>
-            </p:spPr>
-            <p:txBody>
-              <a:bodyPr wrap="none" lIns="0" tIns="0" rIns="0" bIns="0" rtlCol="0">
-                <a:spAutoFit/>
-              </a:bodyPr>
-              <a:lstStyle/>
-              <a:p>
-                <a:pPr algn="ctr">
-                  <a:lnSpc>
-                    <a:spcPct val="150000"/>
-                  </a:lnSpc>
-                </a:pPr>
-                <a14:m>
-                  <m:oMathPara xmlns:m="http://schemas.openxmlformats.org/officeDocument/2006/math">
-                    <m:oMathParaPr>
-                      <m:jc m:val="centerGroup"/>
-                    </m:oMathParaPr>
-                    <m:oMath xmlns:m="http://schemas.openxmlformats.org/officeDocument/2006/math">
-                      <m:d>
-                        <m:dPr>
-                          <m:ctrlPr>
-                            <a:rPr lang="en-US" altLang="ja-JP" sz="2400" i="1" smtClean="0">
-                              <a:solidFill>
-                                <a:schemeClr val="tx1">
-                                  <a:lumMod val="75000"/>
-                                  <a:lumOff val="25000"/>
-                                </a:schemeClr>
-                              </a:solidFill>
-                              <a:latin typeface="Cambria Math" panose="02040503050406030204" pitchFamily="18" charset="0"/>
-                            </a:rPr>
-                          </m:ctrlPr>
-                        </m:dPr>
-                        <m:e>
-                          <m:sSub>
-                            <m:sSubPr>
-                              <m:ctrlPr>
-                                <a:rPr lang="en-US" altLang="ja-JP" sz="2400" i="1" smtClean="0">
-                                  <a:solidFill>
-                                    <a:schemeClr val="tx1">
-                                      <a:lumMod val="75000"/>
-                                      <a:lumOff val="25000"/>
-                                    </a:schemeClr>
-                                  </a:solidFill>
-                                  <a:latin typeface="Cambria Math" panose="02040503050406030204" pitchFamily="18" charset="0"/>
-                                </a:rPr>
-                              </m:ctrlPr>
-                            </m:sSubPr>
-                            <m:e>
-                              <m:r>
-                                <a:rPr lang="en-US" altLang="ja-JP" sz="2400" b="0" i="1" smtClean="0">
-                                  <a:solidFill>
-                                    <a:schemeClr val="tx1">
-                                      <a:lumMod val="75000"/>
-                                      <a:lumOff val="25000"/>
-                                    </a:schemeClr>
-                                  </a:solidFill>
-                                  <a:latin typeface="Cambria Math" panose="02040503050406030204" pitchFamily="18" charset="0"/>
-                                </a:rPr>
-                                <m:t>𝐹</m:t>
-                              </m:r>
-                            </m:e>
-                            <m:sub>
-                              <m:r>
-                                <a:rPr lang="en-US" altLang="ja-JP" sz="2400" b="0" i="1" smtClean="0">
-                                  <a:solidFill>
-                                    <a:schemeClr val="tx1">
-                                      <a:lumMod val="75000"/>
-                                      <a:lumOff val="25000"/>
-                                    </a:schemeClr>
-                                  </a:solidFill>
-                                  <a:latin typeface="Cambria Math" panose="02040503050406030204" pitchFamily="18" charset="0"/>
-                                </a:rPr>
-                                <m:t>𝐸𝑢𝑟𝑜</m:t>
-                              </m:r>
-                            </m:sub>
-                          </m:sSub>
-                          <m:r>
-                            <a:rPr lang="en-US" altLang="ja-JP" sz="2400" i="1">
-                              <a:solidFill>
-                                <a:schemeClr val="tx1">
-                                  <a:lumMod val="75000"/>
-                                  <a:lumOff val="25000"/>
-                                </a:schemeClr>
-                              </a:solidFill>
-                              <a:latin typeface="Cambria Math" panose="02040503050406030204" pitchFamily="18" charset="0"/>
-                              <a:ea typeface="Cambria Math" panose="02040503050406030204" pitchFamily="18" charset="0"/>
-                            </a:rPr>
-                            <m:t>⇒</m:t>
-                          </m:r>
-                          <m:sSub>
-                            <m:sSubPr>
-                              <m:ctrlPr>
-                                <a:rPr lang="en-US" altLang="ja-JP" sz="2400" i="1">
-                                  <a:solidFill>
-                                    <a:schemeClr val="tx1">
-                                      <a:lumMod val="75000"/>
-                                      <a:lumOff val="25000"/>
-                                    </a:schemeClr>
-                                  </a:solidFill>
-                                  <a:latin typeface="Cambria Math" panose="02040503050406030204" pitchFamily="18" charset="0"/>
-                                  <a:ea typeface="Cambria Math" panose="02040503050406030204" pitchFamily="18" charset="0"/>
-                                </a:rPr>
-                              </m:ctrlPr>
-                            </m:sSubPr>
-                            <m:e>
-                              <m:r>
-                                <a:rPr lang="en-US" altLang="ja-JP" sz="2400" i="1">
-                                  <a:solidFill>
-                                    <a:schemeClr val="tx1">
-                                      <a:lumMod val="75000"/>
-                                      <a:lumOff val="25000"/>
-                                    </a:schemeClr>
-                                  </a:solidFill>
-                                  <a:latin typeface="Cambria Math" panose="02040503050406030204" pitchFamily="18" charset="0"/>
-                                  <a:ea typeface="Cambria Math" panose="02040503050406030204" pitchFamily="18" charset="0"/>
-                                </a:rPr>
-                                <m:t>𝑅</m:t>
-                              </m:r>
-                            </m:e>
-                            <m:sub>
-                              <m:r>
-                                <a:rPr lang="en-US" altLang="ja-JP" sz="2400" b="0" i="1" smtClean="0">
-                                  <a:solidFill>
-                                    <a:schemeClr val="tx1">
-                                      <a:lumMod val="75000"/>
-                                      <a:lumOff val="25000"/>
-                                    </a:schemeClr>
-                                  </a:solidFill>
-                                  <a:latin typeface="Cambria Math" panose="02040503050406030204" pitchFamily="18" charset="0"/>
-                                  <a:ea typeface="Cambria Math" panose="02040503050406030204" pitchFamily="18" charset="0"/>
-                                </a:rPr>
-                                <m:t>𝐶𝑖𝑡𝑖𝑒𝑠</m:t>
-                              </m:r>
-                            </m:sub>
-                          </m:sSub>
-                        </m:e>
-                      </m:d>
-                    </m:oMath>
-                  </m:oMathPara>
-                </a14:m>
-                <a:endParaRPr lang="en-US" altLang="ja-JP" sz="2400" b="1" dirty="0">
-                  <a:solidFill>
-                    <a:schemeClr val="tx1">
-                      <a:lumMod val="75000"/>
-                      <a:lumOff val="25000"/>
-                    </a:schemeClr>
-                  </a:solidFill>
-                </a:endParaRPr>
-              </a:p>
-            </p:txBody>
-          </p:sp>
-        </mc:Choice>
-        <mc:Fallback>
-          <p:sp>
-            <p:nvSpPr>
-              <p:cNvPr id="17" name="テキスト ボックス 16">
-                <a:extLst>
-                  <a:ext uri="{FF2B5EF4-FFF2-40B4-BE49-F238E27FC236}">
-                    <a16:creationId xmlns:a16="http://schemas.microsoft.com/office/drawing/2014/main" id="{84822598-3A19-4B8B-A5A9-7DD2816D925D}"/>
-                  </a:ext>
-                </a:extLst>
-              </p:cNvPr>
-              <p:cNvSpPr txBox="1">
-                <a:spLocks noRot="1" noChangeAspect="1" noMove="1" noResize="1" noEditPoints="1" noAdjustHandles="1" noChangeArrowheads="1" noChangeShapeType="1" noTextEdit="1"/>
-              </p:cNvSpPr>
-              <p:nvPr/>
-            </p:nvSpPr>
-            <p:spPr>
-              <a:xfrm>
-                <a:off x="5371632" y="6152271"/>
-                <a:ext cx="2325316" cy="553998"/>
-              </a:xfrm>
-              <a:prstGeom prst="rect">
-                <a:avLst/>
-              </a:prstGeom>
-              <a:blipFill>
-                <a:blip r:embed="rId9"/>
-                <a:stretch>
-                  <a:fillRect/>
-                </a:stretch>
-              </a:blipFill>
-            </p:spPr>
-            <p:txBody>
-              <a:bodyPr/>
-              <a:lstStyle/>
-              <a:p>
-                <a:r>
-                  <a:rPr lang="ja-JP" altLang="en-US">
-                    <a:noFill/>
-                  </a:rPr>
-                  <a:t> </a:t>
-                </a:r>
-              </a:p>
-            </p:txBody>
-          </p:sp>
-        </mc:Fallback>
-      </mc:AlternateContent>
       <p:sp>
         <p:nvSpPr>
           <p:cNvPr id="20" name="タイトル 1">
@@ -13320,220 +12602,74 @@
       </p:sp>
       <p:sp>
         <p:nvSpPr>
-          <p:cNvPr id="22" name="四角形: 角を丸くする 21">
+          <p:cNvPr id="5" name="コンテンツ プレースホルダー 4">
             <a:extLst>
               <a:ext uri="{FF2B5EF4-FFF2-40B4-BE49-F238E27FC236}">
-                <a16:creationId xmlns:a16="http://schemas.microsoft.com/office/drawing/2014/main" id="{5CBDF688-16A2-45E5-8E12-16D2A7535F3F}"/>
+                <a16:creationId xmlns:a16="http://schemas.microsoft.com/office/drawing/2014/main" id="{D6277DD8-C074-449F-91BA-63C8751CA96D}"/>
               </a:ext>
             </a:extLst>
           </p:cNvPr>
-          <p:cNvSpPr/>
-          <p:nvPr/>
+          <p:cNvSpPr>
+            <a:spLocks noGrp="1"/>
+          </p:cNvSpPr>
+          <p:nvPr>
+            <p:ph idx="1"/>
+          </p:nvPr>
         </p:nvSpPr>
         <p:spPr>
           <a:xfrm>
-            <a:off x="6428464" y="2288381"/>
-            <a:ext cx="1736396" cy="553998"/>
+            <a:off x="628650" y="905164"/>
+            <a:ext cx="7886700" cy="5271799"/>
           </a:xfrm>
-          <a:prstGeom prst="roundRect">
-            <a:avLst>
-              <a:gd name="adj" fmla="val 7145"/>
-            </a:avLst>
-          </a:prstGeom>
-          <a:noFill/>
-          <a:ln w="19050">
-            <a:solidFill>
-              <a:srgbClr val="089CA3"/>
-            </a:solidFill>
-          </a:ln>
         </p:spPr>
-        <p:style>
-          <a:lnRef idx="2">
-            <a:schemeClr val="accent1">
-              <a:shade val="50000"/>
-            </a:schemeClr>
-          </a:lnRef>
-          <a:fillRef idx="1">
-            <a:schemeClr val="accent1"/>
-          </a:fillRef>
-          <a:effectRef idx="0">
-            <a:schemeClr val="accent1"/>
-          </a:effectRef>
-          <a:fontRef idx="minor">
-            <a:schemeClr val="lt1"/>
-          </a:fontRef>
-        </p:style>
         <p:txBody>
-          <a:bodyPr rtlCol="0" anchor="ctr"/>
+          <a:bodyPr/>
           <a:lstStyle/>
           <a:p>
-            <a:pPr algn="ctr"/>
-            <a:endParaRPr kumimoji="1" lang="ja-JP" altLang="en-US"/>
+            <a:r>
+              <a:rPr lang="ja-JP" altLang="en-US" dirty="0"/>
+              <a:t>別のフォーラムを用いた場合でもあまり精度は低下していない</a:t>
+            </a:r>
+            <a:endParaRPr lang="en-US" altLang="ja-JP" dirty="0"/>
+          </a:p>
+          <a:p>
+            <a:r>
+              <a:rPr lang="ja-JP" altLang="en-US" dirty="0"/>
+              <a:t>フォーラムを持たないアプリでも，別のアプリのフォーラムを用いて提案手法を適用可能</a:t>
+            </a:r>
           </a:p>
         </p:txBody>
       </p:sp>
-      <p:sp>
-        <p:nvSpPr>
-          <p:cNvPr id="23" name="四角形: 角を丸くする 22">
+      <p:pic>
+        <p:nvPicPr>
+          <p:cNvPr id="27" name="図 26">
             <a:extLst>
               <a:ext uri="{FF2B5EF4-FFF2-40B4-BE49-F238E27FC236}">
-                <a16:creationId xmlns:a16="http://schemas.microsoft.com/office/drawing/2014/main" id="{A9140662-BB57-4118-934E-0015EFC0175E}"/>
+                <a16:creationId xmlns:a16="http://schemas.microsoft.com/office/drawing/2014/main" id="{108F074B-E140-45B0-A511-3AA7148353F7}"/>
               </a:ext>
             </a:extLst>
           </p:cNvPr>
-          <p:cNvSpPr/>
+          <p:cNvPicPr>
+            <a:picLocks noChangeAspect="1"/>
+          </p:cNvPicPr>
           <p:nvPr/>
-        </p:nvSpPr>
+        </p:nvPicPr>
+        <p:blipFill>
+          <a:blip r:embed="rId3"/>
+          <a:stretch>
+            <a:fillRect/>
+          </a:stretch>
+        </p:blipFill>
         <p:spPr>
           <a:xfrm>
-            <a:off x="2444263" y="2289746"/>
-            <a:ext cx="1736396" cy="553998"/>
+            <a:off x="142613" y="4445831"/>
+            <a:ext cx="8858774" cy="1627628"/>
           </a:xfrm>
-          <a:prstGeom prst="roundRect">
-            <a:avLst>
-              <a:gd name="adj" fmla="val 7145"/>
-            </a:avLst>
+          <a:prstGeom prst="rect">
+            <a:avLst/>
           </a:prstGeom>
-          <a:noFill/>
-          <a:ln w="19050">
-            <a:solidFill>
-              <a:srgbClr val="089CA3"/>
-            </a:solidFill>
-          </a:ln>
         </p:spPr>
-        <p:style>
-          <a:lnRef idx="2">
-            <a:schemeClr val="accent1">
-              <a:shade val="50000"/>
-            </a:schemeClr>
-          </a:lnRef>
-          <a:fillRef idx="1">
-            <a:schemeClr val="accent1"/>
-          </a:fillRef>
-          <a:effectRef idx="0">
-            <a:schemeClr val="accent1"/>
-          </a:effectRef>
-          <a:fontRef idx="minor">
-            <a:schemeClr val="lt1"/>
-          </a:fontRef>
-        </p:style>
-        <p:txBody>
-          <a:bodyPr rtlCol="0" anchor="ctr"/>
-          <a:lstStyle/>
-          <a:p>
-            <a:pPr algn="ctr"/>
-            <a:endParaRPr kumimoji="1" lang="ja-JP" altLang="en-US"/>
-          </a:p>
-        </p:txBody>
-      </p:sp>
-      <p:sp>
-        <p:nvSpPr>
-          <p:cNvPr id="24" name="四角形: 角を丸くする 23">
-            <a:extLst>
-              <a:ext uri="{FF2B5EF4-FFF2-40B4-BE49-F238E27FC236}">
-                <a16:creationId xmlns:a16="http://schemas.microsoft.com/office/drawing/2014/main" id="{4A57B5CC-8C90-4AE3-B0C7-57E17E59FBC0}"/>
-              </a:ext>
-            </a:extLst>
-          </p:cNvPr>
-          <p:cNvSpPr/>
-          <p:nvPr/>
-        </p:nvSpPr>
-        <p:spPr>
-          <a:xfrm>
-            <a:off x="6428464" y="5262858"/>
-            <a:ext cx="1736396" cy="553998"/>
-          </a:xfrm>
-          <a:prstGeom prst="roundRect">
-            <a:avLst>
-              <a:gd name="adj" fmla="val 7145"/>
-            </a:avLst>
-          </a:prstGeom>
-          <a:noFill/>
-          <a:ln w="19050">
-            <a:solidFill>
-              <a:srgbClr val="089CA3"/>
-            </a:solidFill>
-          </a:ln>
-        </p:spPr>
-        <p:style>
-          <a:lnRef idx="2">
-            <a:schemeClr val="accent1">
-              <a:shade val="50000"/>
-            </a:schemeClr>
-          </a:lnRef>
-          <a:fillRef idx="1">
-            <a:schemeClr val="accent1"/>
-          </a:fillRef>
-          <a:effectRef idx="0">
-            <a:schemeClr val="accent1"/>
-          </a:effectRef>
-          <a:fontRef idx="minor">
-            <a:schemeClr val="lt1"/>
-          </a:fontRef>
-        </p:style>
-        <p:txBody>
-          <a:bodyPr rtlCol="0" anchor="ctr"/>
-          <a:lstStyle/>
-          <a:p>
-            <a:pPr algn="ctr"/>
-            <a:endParaRPr kumimoji="1" lang="ja-JP" altLang="en-US"/>
-          </a:p>
-        </p:txBody>
-      </p:sp>
-      <p:sp>
-        <p:nvSpPr>
-          <p:cNvPr id="25" name="四角形: 角を丸くする 24">
-            <a:extLst>
-              <a:ext uri="{FF2B5EF4-FFF2-40B4-BE49-F238E27FC236}">
-                <a16:creationId xmlns:a16="http://schemas.microsoft.com/office/drawing/2014/main" id="{94E0E3BF-F9FD-4EC1-B260-2B48F1ABE5DC}"/>
-              </a:ext>
-            </a:extLst>
-          </p:cNvPr>
-          <p:cNvSpPr/>
-          <p:nvPr/>
-        </p:nvSpPr>
-        <p:spPr>
-          <a:xfrm>
-            <a:off x="2444263" y="5264223"/>
-            <a:ext cx="1736396" cy="553998"/>
-          </a:xfrm>
-          <a:prstGeom prst="roundRect">
-            <a:avLst>
-              <a:gd name="adj" fmla="val 7145"/>
-            </a:avLst>
-          </a:prstGeom>
-          <a:noFill/>
-          <a:ln w="19050">
-            <a:solidFill>
-              <a:srgbClr val="089CA3"/>
-            </a:solidFill>
-          </a:ln>
-        </p:spPr>
-        <p:style>
-          <a:lnRef idx="2">
-            <a:schemeClr val="accent1">
-              <a:shade val="50000"/>
-            </a:schemeClr>
-          </a:lnRef>
-          <a:fillRef idx="1">
-            <a:schemeClr val="accent1"/>
-          </a:fillRef>
-          <a:effectRef idx="0">
-            <a:schemeClr val="accent1"/>
-          </a:effectRef>
-          <a:fontRef idx="minor">
-            <a:schemeClr val="lt1"/>
-          </a:fontRef>
-        </p:style>
-        <p:txBody>
-          <a:bodyPr rtlCol="0" anchor="ctr"/>
-          <a:lstStyle/>
-          <a:p>
-            <a:pPr algn="ctr"/>
-            <a:endParaRPr kumimoji="1" lang="ja-JP" altLang="en-US"/>
-          </a:p>
-        </p:txBody>
-      </p:sp>
+      </p:pic>
     </p:spTree>
     <p:extLst>
       <p:ext uri="{BB962C8B-B14F-4D97-AF65-F5344CB8AC3E}">
@@ -13548,1511 +12684,6 @@
 </file>
 
 <file path=ppt/slides/slide17.xml><?xml version="1.0" encoding="utf-8"?>
-<p:sld xmlns:a="http://schemas.openxmlformats.org/drawingml/2006/main" xmlns:r="http://schemas.openxmlformats.org/officeDocument/2006/relationships" xmlns:p="http://schemas.openxmlformats.org/presentationml/2006/main">
-  <p:cSld>
-    <p:spTree>
-      <p:nvGrpSpPr>
-        <p:cNvPr id="1" name=""/>
-        <p:cNvGrpSpPr/>
-        <p:nvPr/>
-      </p:nvGrpSpPr>
-      <p:grpSpPr>
-        <a:xfrm>
-          <a:off x="0" y="0"/>
-          <a:ext cx="0" cy="0"/>
-          <a:chOff x="0" y="0"/>
-          <a:chExt cx="0" cy="0"/>
-        </a:xfrm>
-      </p:grpSpPr>
-      <p:graphicFrame>
-        <p:nvGraphicFramePr>
-          <p:cNvPr id="18" name="表 17">
-            <a:extLst>
-              <a:ext uri="{FF2B5EF4-FFF2-40B4-BE49-F238E27FC236}">
-                <a16:creationId xmlns:a16="http://schemas.microsoft.com/office/drawing/2014/main" id="{87199234-9D33-4096-A2CC-F78A05358828}"/>
-              </a:ext>
-            </a:extLst>
-          </p:cNvPr>
-          <p:cNvGraphicFramePr>
-            <a:graphicFrameLocks noGrp="1"/>
-          </p:cNvGraphicFramePr>
-          <p:nvPr/>
-        </p:nvGraphicFramePr>
-        <p:xfrm>
-          <a:off x="714374" y="809623"/>
-          <a:ext cx="7800976" cy="5927150"/>
-        </p:xfrm>
-        <a:graphic>
-          <a:graphicData uri="http://schemas.openxmlformats.org/drawingml/2006/table">
-            <a:tbl>
-              <a:tblPr firstRow="1" bandRow="1">
-                <a:tableStyleId>{5940675A-B579-460E-94D1-54222C63F5DA}</a:tableStyleId>
-              </a:tblPr>
-              <a:tblGrid>
-                <a:gridCol w="3900488">
-                  <a:extLst>
-                    <a:ext uri="{9D8B030D-6E8A-4147-A177-3AD203B41FA5}">
-                      <a16:colId xmlns:a16="http://schemas.microsoft.com/office/drawing/2014/main" val="1545294848"/>
-                    </a:ext>
-                  </a:extLst>
-                </a:gridCol>
-                <a:gridCol w="3900488">
-                  <a:extLst>
-                    <a:ext uri="{9D8B030D-6E8A-4147-A177-3AD203B41FA5}">
-                      <a16:colId xmlns:a16="http://schemas.microsoft.com/office/drawing/2014/main" val="1853598212"/>
-                    </a:ext>
-                  </a:extLst>
-                </a:gridCol>
-              </a:tblGrid>
-              <a:tr h="2963575">
-                <a:tc>
-                  <a:txBody>
-                    <a:bodyPr/>
-                    <a:lstStyle/>
-                    <a:p>
-                      <a:endParaRPr kumimoji="1" lang="ja-JP" altLang="en-US" dirty="0"/>
-                    </a:p>
-                  </a:txBody>
-                  <a:tcPr/>
-                </a:tc>
-                <a:tc>
-                  <a:txBody>
-                    <a:bodyPr/>
-                    <a:lstStyle/>
-                    <a:p>
-                      <a:endParaRPr kumimoji="1" lang="ja-JP" altLang="en-US" dirty="0"/>
-                    </a:p>
-                  </a:txBody>
-                  <a:tcPr/>
-                </a:tc>
-                <a:extLst>
-                  <a:ext uri="{0D108BD9-81ED-4DB2-BD59-A6C34878D82A}">
-                    <a16:rowId xmlns:a16="http://schemas.microsoft.com/office/drawing/2014/main" val="1008746044"/>
-                  </a:ext>
-                </a:extLst>
-              </a:tr>
-              <a:tr h="2963575">
-                <a:tc>
-                  <a:txBody>
-                    <a:bodyPr/>
-                    <a:lstStyle/>
-                    <a:p>
-                      <a:endParaRPr kumimoji="1" lang="ja-JP" altLang="en-US" dirty="0"/>
-                    </a:p>
-                  </a:txBody>
-                  <a:tcPr/>
-                </a:tc>
-                <a:tc>
-                  <a:txBody>
-                    <a:bodyPr/>
-                    <a:lstStyle/>
-                    <a:p>
-                      <a:endParaRPr kumimoji="1" lang="ja-JP" altLang="en-US" dirty="0"/>
-                    </a:p>
-                  </a:txBody>
-                  <a:tcPr/>
-                </a:tc>
-                <a:extLst>
-                  <a:ext uri="{0D108BD9-81ED-4DB2-BD59-A6C34878D82A}">
-                    <a16:rowId xmlns:a16="http://schemas.microsoft.com/office/drawing/2014/main" val="748817290"/>
-                  </a:ext>
-                </a:extLst>
-              </a:tr>
-            </a:tbl>
-          </a:graphicData>
-        </a:graphic>
-      </p:graphicFrame>
-      <p:sp>
-        <p:nvSpPr>
-          <p:cNvPr id="2" name="タイトル 1">
-            <a:extLst>
-              <a:ext uri="{FF2B5EF4-FFF2-40B4-BE49-F238E27FC236}">
-                <a16:creationId xmlns:a16="http://schemas.microsoft.com/office/drawing/2014/main" id="{ABBAC846-CCD5-4B71-925B-2700357CDD41}"/>
-              </a:ext>
-            </a:extLst>
-          </p:cNvPr>
-          <p:cNvSpPr>
-            <a:spLocks noGrp="1"/>
-          </p:cNvSpPr>
-          <p:nvPr>
-            <p:ph type="title"/>
-          </p:nvPr>
-        </p:nvSpPr>
-        <p:spPr>
-          <a:xfrm>
-            <a:off x="628650" y="83127"/>
-            <a:ext cx="7886700" cy="637309"/>
-          </a:xfrm>
-        </p:spPr>
-        <p:txBody>
-          <a:bodyPr>
-            <a:normAutofit fontScale="90000"/>
-          </a:bodyPr>
-          <a:lstStyle/>
-          <a:p>
-            <a:r>
-              <a:rPr kumimoji="1" lang="ja-JP" altLang="en-US" dirty="0"/>
-              <a:t>実験結果 </a:t>
-            </a:r>
-            <a:r>
-              <a:rPr kumimoji="1" lang="en-US" altLang="ja-JP" dirty="0"/>
-              <a:t>| </a:t>
-            </a:r>
-            <a:r>
-              <a:rPr kumimoji="1" lang="en-US" altLang="ja-JP" sz="3600" dirty="0"/>
-              <a:t>RQ2. </a:t>
-            </a:r>
-            <a:r>
-              <a:rPr kumimoji="1" lang="en-US" altLang="ja-JP" dirty="0"/>
-              <a:t> </a:t>
-            </a:r>
-            <a:endParaRPr kumimoji="1" lang="ja-JP" altLang="en-US" dirty="0"/>
-          </a:p>
-        </p:txBody>
-      </p:sp>
-      <p:pic>
-        <p:nvPicPr>
-          <p:cNvPr id="7" name="コンテンツ プレースホルダー 6">
-            <a:extLst>
-              <a:ext uri="{FF2B5EF4-FFF2-40B4-BE49-F238E27FC236}">
-                <a16:creationId xmlns:a16="http://schemas.microsoft.com/office/drawing/2014/main" id="{FCEFCEB3-916C-4EF8-93F5-8DC1AE79426C}"/>
-              </a:ext>
-            </a:extLst>
-          </p:cNvPr>
-          <p:cNvPicPr>
-            <a:picLocks noGrp="1" noChangeAspect="1"/>
-          </p:cNvPicPr>
-          <p:nvPr>
-            <p:ph idx="1"/>
-          </p:nvPr>
-        </p:nvPicPr>
-        <p:blipFill>
-          <a:blip r:embed="rId2" cstate="print">
-            <a:extLst>
-              <a:ext uri="{28A0092B-C50C-407E-A947-70E740481C1C}">
-                <a14:useLocalDpi xmlns:a14="http://schemas.microsoft.com/office/drawing/2010/main" val="0"/>
-              </a:ext>
-            </a:extLst>
-          </a:blip>
-          <a:stretch>
-            <a:fillRect/>
-          </a:stretch>
-        </p:blipFill>
-        <p:spPr>
-          <a:xfrm>
-            <a:off x="1010297" y="865042"/>
-            <a:ext cx="3238226" cy="2372526"/>
-          </a:xfrm>
-        </p:spPr>
-      </p:pic>
-      <p:sp>
-        <p:nvSpPr>
-          <p:cNvPr id="4" name="スライド番号プレースホルダー 3">
-            <a:extLst>
-              <a:ext uri="{FF2B5EF4-FFF2-40B4-BE49-F238E27FC236}">
-                <a16:creationId xmlns:a16="http://schemas.microsoft.com/office/drawing/2014/main" id="{ADA305C3-6DF1-4322-97CB-CA9153B74642}"/>
-              </a:ext>
-            </a:extLst>
-          </p:cNvPr>
-          <p:cNvSpPr>
-            <a:spLocks noGrp="1"/>
-          </p:cNvSpPr>
-          <p:nvPr>
-            <p:ph type="sldNum" sz="quarter" idx="12"/>
-          </p:nvPr>
-        </p:nvSpPr>
-        <p:spPr/>
-        <p:txBody>
-          <a:bodyPr/>
-          <a:lstStyle/>
-          <a:p>
-            <a:fld id="{310E90F2-0F65-4717-A352-08170F7BDCAA}" type="slidenum">
-              <a:rPr kumimoji="1" lang="ja-JP" altLang="en-US" smtClean="0"/>
-              <a:t>16</a:t>
-            </a:fld>
-            <a:endParaRPr kumimoji="1" lang="ja-JP" altLang="en-US" dirty="0"/>
-          </a:p>
-        </p:txBody>
-      </p:sp>
-      <p:pic>
-        <p:nvPicPr>
-          <p:cNvPr id="9" name="図 8">
-            <a:extLst>
-              <a:ext uri="{FF2B5EF4-FFF2-40B4-BE49-F238E27FC236}">
-                <a16:creationId xmlns:a16="http://schemas.microsoft.com/office/drawing/2014/main" id="{85DA686D-03AC-48D6-A9BA-B52F2A6D9D86}"/>
-              </a:ext>
-            </a:extLst>
-          </p:cNvPr>
-          <p:cNvPicPr>
-            <a:picLocks noChangeAspect="1"/>
-          </p:cNvPicPr>
-          <p:nvPr/>
-        </p:nvPicPr>
-        <p:blipFill>
-          <a:blip r:embed="rId3" cstate="print">
-            <a:extLst>
-              <a:ext uri="{28A0092B-C50C-407E-A947-70E740481C1C}">
-                <a14:useLocalDpi xmlns:a14="http://schemas.microsoft.com/office/drawing/2010/main" val="0"/>
-              </a:ext>
-            </a:extLst>
-          </a:blip>
-          <a:stretch>
-            <a:fillRect/>
-          </a:stretch>
-        </p:blipFill>
-        <p:spPr>
-          <a:xfrm>
-            <a:off x="1010297" y="3845371"/>
-            <a:ext cx="3238226" cy="2372526"/>
-          </a:xfrm>
-          <a:prstGeom prst="rect">
-            <a:avLst/>
-          </a:prstGeom>
-        </p:spPr>
-      </p:pic>
-      <p:pic>
-        <p:nvPicPr>
-          <p:cNvPr id="11" name="図 10">
-            <a:extLst>
-              <a:ext uri="{FF2B5EF4-FFF2-40B4-BE49-F238E27FC236}">
-                <a16:creationId xmlns:a16="http://schemas.microsoft.com/office/drawing/2014/main" id="{013C75EE-8785-47A3-8557-3C09D0E362C8}"/>
-              </a:ext>
-            </a:extLst>
-          </p:cNvPr>
-          <p:cNvPicPr>
-            <a:picLocks noChangeAspect="1"/>
-          </p:cNvPicPr>
-          <p:nvPr/>
-        </p:nvPicPr>
-        <p:blipFill>
-          <a:blip r:embed="rId4" cstate="print">
-            <a:extLst>
-              <a:ext uri="{28A0092B-C50C-407E-A947-70E740481C1C}">
-                <a14:useLocalDpi xmlns:a14="http://schemas.microsoft.com/office/drawing/2010/main" val="0"/>
-              </a:ext>
-            </a:extLst>
-          </a:blip>
-          <a:stretch>
-            <a:fillRect/>
-          </a:stretch>
-        </p:blipFill>
-        <p:spPr>
-          <a:xfrm>
-            <a:off x="5000899" y="865042"/>
-            <a:ext cx="3238226" cy="2372526"/>
-          </a:xfrm>
-          <a:prstGeom prst="rect">
-            <a:avLst/>
-          </a:prstGeom>
-        </p:spPr>
-      </p:pic>
-      <p:pic>
-        <p:nvPicPr>
-          <p:cNvPr id="13" name="図 12">
-            <a:extLst>
-              <a:ext uri="{FF2B5EF4-FFF2-40B4-BE49-F238E27FC236}">
-                <a16:creationId xmlns:a16="http://schemas.microsoft.com/office/drawing/2014/main" id="{3FEB77DC-8B25-4610-8B46-B9DA5F9D4CCF}"/>
-              </a:ext>
-            </a:extLst>
-          </p:cNvPr>
-          <p:cNvPicPr>
-            <a:picLocks noChangeAspect="1"/>
-          </p:cNvPicPr>
-          <p:nvPr/>
-        </p:nvPicPr>
-        <p:blipFill>
-          <a:blip r:embed="rId5" cstate="print">
-            <a:extLst>
-              <a:ext uri="{28A0092B-C50C-407E-A947-70E740481C1C}">
-                <a14:useLocalDpi xmlns:a14="http://schemas.microsoft.com/office/drawing/2010/main" val="0"/>
-              </a:ext>
-            </a:extLst>
-          </a:blip>
-          <a:stretch>
-            <a:fillRect/>
-          </a:stretch>
-        </p:blipFill>
-        <p:spPr>
-          <a:xfrm>
-            <a:off x="5000899" y="3845371"/>
-            <a:ext cx="3238226" cy="2372526"/>
-          </a:xfrm>
-          <a:prstGeom prst="rect">
-            <a:avLst/>
-          </a:prstGeom>
-        </p:spPr>
-      </p:pic>
-      <mc:AlternateContent xmlns:mc="http://schemas.openxmlformats.org/markup-compatibility/2006">
-        <mc:Choice xmlns:a14="http://schemas.microsoft.com/office/drawing/2010/main" Requires="a14">
-          <p:sp>
-            <p:nvSpPr>
-              <p:cNvPr id="14" name="テキスト ボックス 13">
-                <a:extLst>
-                  <a:ext uri="{FF2B5EF4-FFF2-40B4-BE49-F238E27FC236}">
-                    <a16:creationId xmlns:a16="http://schemas.microsoft.com/office/drawing/2014/main" id="{E40F7E13-5D14-4F41-B0EA-2C6B90C98ED8}"/>
-                  </a:ext>
-                </a:extLst>
-              </p:cNvPr>
-              <p:cNvSpPr txBox="1"/>
-              <p:nvPr/>
-            </p:nvSpPr>
-            <p:spPr>
-              <a:xfrm>
-                <a:off x="1426035" y="3177271"/>
-                <a:ext cx="2406749" cy="553998"/>
-              </a:xfrm>
-              <a:prstGeom prst="rect">
-                <a:avLst/>
-              </a:prstGeom>
-              <a:noFill/>
-            </p:spPr>
-            <p:txBody>
-              <a:bodyPr wrap="none" lIns="0" tIns="0" rIns="0" bIns="0" rtlCol="0">
-                <a:spAutoFit/>
-              </a:bodyPr>
-              <a:lstStyle/>
-              <a:p>
-                <a:pPr algn="ctr">
-                  <a:lnSpc>
-                    <a:spcPct val="150000"/>
-                  </a:lnSpc>
-                </a:pPr>
-                <a14:m>
-                  <m:oMathPara xmlns:m="http://schemas.openxmlformats.org/officeDocument/2006/math">
-                    <m:oMathParaPr>
-                      <m:jc m:val="centerGroup"/>
-                    </m:oMathParaPr>
-                    <m:oMath xmlns:m="http://schemas.openxmlformats.org/officeDocument/2006/math">
-                      <m:d>
-                        <m:dPr>
-                          <m:ctrlPr>
-                            <a:rPr lang="en-US" altLang="ja-JP" sz="2400" i="1" smtClean="0">
-                              <a:solidFill>
-                                <a:schemeClr val="tx1">
-                                  <a:lumMod val="75000"/>
-                                  <a:lumOff val="25000"/>
-                                </a:schemeClr>
-                              </a:solidFill>
-                              <a:latin typeface="Cambria Math" panose="02040503050406030204" pitchFamily="18" charset="0"/>
-                            </a:rPr>
-                          </m:ctrlPr>
-                        </m:dPr>
-                        <m:e>
-                          <m:sSub>
-                            <m:sSubPr>
-                              <m:ctrlPr>
-                                <a:rPr lang="en-US" altLang="ja-JP" sz="2400" i="1" smtClean="0">
-                                  <a:solidFill>
-                                    <a:schemeClr val="tx1">
-                                      <a:lumMod val="75000"/>
-                                      <a:lumOff val="25000"/>
-                                    </a:schemeClr>
-                                  </a:solidFill>
-                                  <a:latin typeface="Cambria Math" panose="02040503050406030204" pitchFamily="18" charset="0"/>
-                                </a:rPr>
-                              </m:ctrlPr>
-                            </m:sSubPr>
-                            <m:e>
-                              <m:r>
-                                <a:rPr lang="en-US" altLang="ja-JP" sz="2400" b="0" i="1" smtClean="0">
-                                  <a:solidFill>
-                                    <a:schemeClr val="tx1">
-                                      <a:lumMod val="75000"/>
-                                      <a:lumOff val="25000"/>
-                                    </a:schemeClr>
-                                  </a:solidFill>
-                                  <a:latin typeface="Cambria Math" panose="02040503050406030204" pitchFamily="18" charset="0"/>
-                                </a:rPr>
-                                <m:t>𝐹</m:t>
-                              </m:r>
-                            </m:e>
-                            <m:sub>
-                              <m:r>
-                                <a:rPr lang="en-US" altLang="ja-JP" sz="2400" b="0" i="1" smtClean="0">
-                                  <a:solidFill>
-                                    <a:schemeClr val="tx1">
-                                      <a:lumMod val="75000"/>
-                                      <a:lumOff val="25000"/>
-                                    </a:schemeClr>
-                                  </a:solidFill>
-                                  <a:latin typeface="Cambria Math" panose="02040503050406030204" pitchFamily="18" charset="0"/>
-                                </a:rPr>
-                                <m:t>𝐶𝑖𝑡𝑖𝑒𝑠</m:t>
-                              </m:r>
-                            </m:sub>
-                          </m:sSub>
-                          <m:r>
-                            <a:rPr lang="en-US" altLang="ja-JP" sz="2400" i="1">
-                              <a:solidFill>
-                                <a:schemeClr val="tx1">
-                                  <a:lumMod val="75000"/>
-                                  <a:lumOff val="25000"/>
-                                </a:schemeClr>
-                              </a:solidFill>
-                              <a:latin typeface="Cambria Math" panose="02040503050406030204" pitchFamily="18" charset="0"/>
-                              <a:ea typeface="Cambria Math" panose="02040503050406030204" pitchFamily="18" charset="0"/>
-                            </a:rPr>
-                            <m:t>⇒</m:t>
-                          </m:r>
-                          <m:sSub>
-                            <m:sSubPr>
-                              <m:ctrlPr>
-                                <a:rPr lang="en-US" altLang="ja-JP" sz="2400" i="1">
-                                  <a:solidFill>
-                                    <a:schemeClr val="tx1">
-                                      <a:lumMod val="75000"/>
-                                      <a:lumOff val="25000"/>
-                                    </a:schemeClr>
-                                  </a:solidFill>
-                                  <a:latin typeface="Cambria Math" panose="02040503050406030204" pitchFamily="18" charset="0"/>
-                                  <a:ea typeface="Cambria Math" panose="02040503050406030204" pitchFamily="18" charset="0"/>
-                                </a:rPr>
-                              </m:ctrlPr>
-                            </m:sSubPr>
-                            <m:e>
-                              <m:r>
-                                <a:rPr lang="en-US" altLang="ja-JP" sz="2400" i="1">
-                                  <a:solidFill>
-                                    <a:schemeClr val="tx1">
-                                      <a:lumMod val="75000"/>
-                                      <a:lumOff val="25000"/>
-                                    </a:schemeClr>
-                                  </a:solidFill>
-                                  <a:latin typeface="Cambria Math" panose="02040503050406030204" pitchFamily="18" charset="0"/>
-                                  <a:ea typeface="Cambria Math" panose="02040503050406030204" pitchFamily="18" charset="0"/>
-                                </a:rPr>
-                                <m:t>𝑅</m:t>
-                              </m:r>
-                            </m:e>
-                            <m:sub>
-                              <m:r>
-                                <a:rPr lang="en-US" altLang="ja-JP" sz="2400" b="0" i="1" smtClean="0">
-                                  <a:solidFill>
-                                    <a:schemeClr val="tx1">
-                                      <a:lumMod val="75000"/>
-                                      <a:lumOff val="25000"/>
-                                    </a:schemeClr>
-                                  </a:solidFill>
-                                  <a:latin typeface="Cambria Math" panose="02040503050406030204" pitchFamily="18" charset="0"/>
-                                  <a:ea typeface="Cambria Math" panose="02040503050406030204" pitchFamily="18" charset="0"/>
-                                </a:rPr>
-                                <m:t>𝐶𝑖𝑡𝑖𝑒𝑠</m:t>
-                              </m:r>
-                            </m:sub>
-                          </m:sSub>
-                        </m:e>
-                      </m:d>
-                    </m:oMath>
-                  </m:oMathPara>
-                </a14:m>
-                <a:endParaRPr lang="en-US" altLang="ja-JP" sz="2400" b="1" dirty="0">
-                  <a:solidFill>
-                    <a:schemeClr val="tx1">
-                      <a:lumMod val="75000"/>
-                      <a:lumOff val="25000"/>
-                    </a:schemeClr>
-                  </a:solidFill>
-                </a:endParaRPr>
-              </a:p>
-            </p:txBody>
-          </p:sp>
-        </mc:Choice>
-        <mc:Fallback>
-          <p:sp>
-            <p:nvSpPr>
-              <p:cNvPr id="14" name="テキスト ボックス 13">
-                <a:extLst>
-                  <a:ext uri="{FF2B5EF4-FFF2-40B4-BE49-F238E27FC236}">
-                    <a16:creationId xmlns:a16="http://schemas.microsoft.com/office/drawing/2014/main" id="{E40F7E13-5D14-4F41-B0EA-2C6B90C98ED8}"/>
-                  </a:ext>
-                </a:extLst>
-              </p:cNvPr>
-              <p:cNvSpPr txBox="1">
-                <a:spLocks noRot="1" noChangeAspect="1" noMove="1" noResize="1" noEditPoints="1" noAdjustHandles="1" noChangeArrowheads="1" noChangeShapeType="1" noTextEdit="1"/>
-              </p:cNvSpPr>
-              <p:nvPr/>
-            </p:nvSpPr>
-            <p:spPr>
-              <a:xfrm>
-                <a:off x="1426035" y="3177271"/>
-                <a:ext cx="2406749" cy="553998"/>
-              </a:xfrm>
-              <a:prstGeom prst="rect">
-                <a:avLst/>
-              </a:prstGeom>
-              <a:blipFill>
-                <a:blip r:embed="rId6"/>
-                <a:stretch>
-                  <a:fillRect/>
-                </a:stretch>
-              </a:blipFill>
-            </p:spPr>
-            <p:txBody>
-              <a:bodyPr/>
-              <a:lstStyle/>
-              <a:p>
-                <a:r>
-                  <a:rPr lang="ja-JP" altLang="en-US">
-                    <a:noFill/>
-                  </a:rPr>
-                  <a:t> </a:t>
-                </a:r>
-              </a:p>
-            </p:txBody>
-          </p:sp>
-        </mc:Fallback>
-      </mc:AlternateContent>
-      <mc:AlternateContent xmlns:mc="http://schemas.openxmlformats.org/markup-compatibility/2006">
-        <mc:Choice xmlns:a14="http://schemas.microsoft.com/office/drawing/2010/main" Requires="a14">
-          <p:sp>
-            <p:nvSpPr>
-              <p:cNvPr id="15" name="テキスト ボックス 14">
-                <a:extLst>
-                  <a:ext uri="{FF2B5EF4-FFF2-40B4-BE49-F238E27FC236}">
-                    <a16:creationId xmlns:a16="http://schemas.microsoft.com/office/drawing/2014/main" id="{BEC52FBC-B1C7-4DED-ACF8-76BD7C7D151F}"/>
-                  </a:ext>
-                </a:extLst>
-              </p:cNvPr>
-              <p:cNvSpPr txBox="1"/>
-              <p:nvPr/>
-            </p:nvSpPr>
-            <p:spPr>
-              <a:xfrm>
-                <a:off x="5457352" y="3177271"/>
-                <a:ext cx="2325317" cy="553998"/>
-              </a:xfrm>
-              <a:prstGeom prst="rect">
-                <a:avLst/>
-              </a:prstGeom>
-              <a:noFill/>
-            </p:spPr>
-            <p:txBody>
-              <a:bodyPr wrap="none" lIns="0" tIns="0" rIns="0" bIns="0" rtlCol="0">
-                <a:spAutoFit/>
-              </a:bodyPr>
-              <a:lstStyle/>
-              <a:p>
-                <a:pPr algn="ctr">
-                  <a:lnSpc>
-                    <a:spcPct val="150000"/>
-                  </a:lnSpc>
-                </a:pPr>
-                <a14:m>
-                  <m:oMathPara xmlns:m="http://schemas.openxmlformats.org/officeDocument/2006/math">
-                    <m:oMathParaPr>
-                      <m:jc m:val="centerGroup"/>
-                    </m:oMathParaPr>
-                    <m:oMath xmlns:m="http://schemas.openxmlformats.org/officeDocument/2006/math">
-                      <m:d>
-                        <m:dPr>
-                          <m:ctrlPr>
-                            <a:rPr lang="en-US" altLang="ja-JP" sz="2400" i="1" smtClean="0">
-                              <a:solidFill>
-                                <a:schemeClr val="tx1">
-                                  <a:lumMod val="75000"/>
-                                  <a:lumOff val="25000"/>
-                                </a:schemeClr>
-                              </a:solidFill>
-                              <a:latin typeface="Cambria Math" panose="02040503050406030204" pitchFamily="18" charset="0"/>
-                            </a:rPr>
-                          </m:ctrlPr>
-                        </m:dPr>
-                        <m:e>
-                          <m:sSub>
-                            <m:sSubPr>
-                              <m:ctrlPr>
-                                <a:rPr lang="en-US" altLang="ja-JP" sz="2400" i="1" smtClean="0">
-                                  <a:solidFill>
-                                    <a:schemeClr val="tx1">
-                                      <a:lumMod val="75000"/>
-                                      <a:lumOff val="25000"/>
-                                    </a:schemeClr>
-                                  </a:solidFill>
-                                  <a:latin typeface="Cambria Math" panose="02040503050406030204" pitchFamily="18" charset="0"/>
-                                </a:rPr>
-                              </m:ctrlPr>
-                            </m:sSubPr>
-                            <m:e>
-                              <m:r>
-                                <a:rPr lang="en-US" altLang="ja-JP" sz="2400" b="0" i="1" smtClean="0">
-                                  <a:solidFill>
-                                    <a:schemeClr val="tx1">
-                                      <a:lumMod val="75000"/>
-                                      <a:lumOff val="25000"/>
-                                    </a:schemeClr>
-                                  </a:solidFill>
-                                  <a:latin typeface="Cambria Math" panose="02040503050406030204" pitchFamily="18" charset="0"/>
-                                </a:rPr>
-                                <m:t>𝐹</m:t>
-                              </m:r>
-                            </m:e>
-                            <m:sub>
-                              <m:r>
-                                <a:rPr lang="en-US" altLang="ja-JP" sz="2400" b="0" i="1" smtClean="0">
-                                  <a:solidFill>
-                                    <a:schemeClr val="tx1">
-                                      <a:lumMod val="75000"/>
-                                      <a:lumOff val="25000"/>
-                                    </a:schemeClr>
-                                  </a:solidFill>
-                                  <a:latin typeface="Cambria Math" panose="02040503050406030204" pitchFamily="18" charset="0"/>
-                                </a:rPr>
-                                <m:t>𝐶𝑖𝑡𝑖𝑒𝑠</m:t>
-                              </m:r>
-                            </m:sub>
-                          </m:sSub>
-                          <m:r>
-                            <a:rPr lang="en-US" altLang="ja-JP" sz="2400" i="1">
-                              <a:solidFill>
-                                <a:schemeClr val="tx1">
-                                  <a:lumMod val="75000"/>
-                                  <a:lumOff val="25000"/>
-                                </a:schemeClr>
-                              </a:solidFill>
-                              <a:latin typeface="Cambria Math" panose="02040503050406030204" pitchFamily="18" charset="0"/>
-                              <a:ea typeface="Cambria Math" panose="02040503050406030204" pitchFamily="18" charset="0"/>
-                            </a:rPr>
-                            <m:t>⇒</m:t>
-                          </m:r>
-                          <m:sSub>
-                            <m:sSubPr>
-                              <m:ctrlPr>
-                                <a:rPr lang="en-US" altLang="ja-JP" sz="2400" i="1">
-                                  <a:solidFill>
-                                    <a:schemeClr val="tx1">
-                                      <a:lumMod val="75000"/>
-                                      <a:lumOff val="25000"/>
-                                    </a:schemeClr>
-                                  </a:solidFill>
-                                  <a:latin typeface="Cambria Math" panose="02040503050406030204" pitchFamily="18" charset="0"/>
-                                  <a:ea typeface="Cambria Math" panose="02040503050406030204" pitchFamily="18" charset="0"/>
-                                </a:rPr>
-                              </m:ctrlPr>
-                            </m:sSubPr>
-                            <m:e>
-                              <m:r>
-                                <a:rPr lang="en-US" altLang="ja-JP" sz="2400" i="1">
-                                  <a:solidFill>
-                                    <a:schemeClr val="tx1">
-                                      <a:lumMod val="75000"/>
-                                      <a:lumOff val="25000"/>
-                                    </a:schemeClr>
-                                  </a:solidFill>
-                                  <a:latin typeface="Cambria Math" panose="02040503050406030204" pitchFamily="18" charset="0"/>
-                                  <a:ea typeface="Cambria Math" panose="02040503050406030204" pitchFamily="18" charset="0"/>
-                                </a:rPr>
-                                <m:t>𝑅</m:t>
-                              </m:r>
-                            </m:e>
-                            <m:sub>
-                              <m:r>
-                                <a:rPr lang="en-US" altLang="ja-JP" sz="2400" b="0" i="1" smtClean="0">
-                                  <a:solidFill>
-                                    <a:schemeClr val="tx1">
-                                      <a:lumMod val="75000"/>
-                                      <a:lumOff val="25000"/>
-                                    </a:schemeClr>
-                                  </a:solidFill>
-                                  <a:latin typeface="Cambria Math" panose="02040503050406030204" pitchFamily="18" charset="0"/>
-                                  <a:ea typeface="Cambria Math" panose="02040503050406030204" pitchFamily="18" charset="0"/>
-                                </a:rPr>
-                                <m:t>𝐸𝑢𝑟𝑜</m:t>
-                              </m:r>
-                            </m:sub>
-                          </m:sSub>
-                        </m:e>
-                      </m:d>
-                    </m:oMath>
-                  </m:oMathPara>
-                </a14:m>
-                <a:endParaRPr lang="en-US" altLang="ja-JP" sz="2400" b="1" dirty="0">
-                  <a:solidFill>
-                    <a:schemeClr val="tx1">
-                      <a:lumMod val="75000"/>
-                      <a:lumOff val="25000"/>
-                    </a:schemeClr>
-                  </a:solidFill>
-                </a:endParaRPr>
-              </a:p>
-            </p:txBody>
-          </p:sp>
-        </mc:Choice>
-        <mc:Fallback>
-          <p:sp>
-            <p:nvSpPr>
-              <p:cNvPr id="15" name="テキスト ボックス 14">
-                <a:extLst>
-                  <a:ext uri="{FF2B5EF4-FFF2-40B4-BE49-F238E27FC236}">
-                    <a16:creationId xmlns:a16="http://schemas.microsoft.com/office/drawing/2014/main" id="{BEC52FBC-B1C7-4DED-ACF8-76BD7C7D151F}"/>
-                  </a:ext>
-                </a:extLst>
-              </p:cNvPr>
-              <p:cNvSpPr txBox="1">
-                <a:spLocks noRot="1" noChangeAspect="1" noMove="1" noResize="1" noEditPoints="1" noAdjustHandles="1" noChangeArrowheads="1" noChangeShapeType="1" noTextEdit="1"/>
-              </p:cNvSpPr>
-              <p:nvPr/>
-            </p:nvSpPr>
-            <p:spPr>
-              <a:xfrm>
-                <a:off x="5457352" y="3177271"/>
-                <a:ext cx="2325317" cy="553998"/>
-              </a:xfrm>
-              <a:prstGeom prst="rect">
-                <a:avLst/>
-              </a:prstGeom>
-              <a:blipFill>
-                <a:blip r:embed="rId7"/>
-                <a:stretch>
-                  <a:fillRect/>
-                </a:stretch>
-              </a:blipFill>
-            </p:spPr>
-            <p:txBody>
-              <a:bodyPr/>
-              <a:lstStyle/>
-              <a:p>
-                <a:r>
-                  <a:rPr lang="ja-JP" altLang="en-US">
-                    <a:noFill/>
-                  </a:rPr>
-                  <a:t> </a:t>
-                </a:r>
-              </a:p>
-            </p:txBody>
-          </p:sp>
-        </mc:Fallback>
-      </mc:AlternateContent>
-      <mc:AlternateContent xmlns:mc="http://schemas.openxmlformats.org/markup-compatibility/2006">
-        <mc:Choice xmlns:a14="http://schemas.microsoft.com/office/drawing/2010/main" Requires="a14">
-          <p:sp>
-            <p:nvSpPr>
-              <p:cNvPr id="16" name="テキスト ボックス 15">
-                <a:extLst>
-                  <a:ext uri="{FF2B5EF4-FFF2-40B4-BE49-F238E27FC236}">
-                    <a16:creationId xmlns:a16="http://schemas.microsoft.com/office/drawing/2014/main" id="{47F3D8A7-CC70-41A1-A911-44D633917A3B}"/>
-                  </a:ext>
-                </a:extLst>
-              </p:cNvPr>
-              <p:cNvSpPr txBox="1"/>
-              <p:nvPr/>
-            </p:nvSpPr>
-            <p:spPr>
-              <a:xfrm>
-                <a:off x="1507466" y="6182775"/>
-                <a:ext cx="2243884" cy="553998"/>
-              </a:xfrm>
-              <a:prstGeom prst="rect">
-                <a:avLst/>
-              </a:prstGeom>
-              <a:noFill/>
-            </p:spPr>
-            <p:txBody>
-              <a:bodyPr wrap="none" lIns="0" tIns="0" rIns="0" bIns="0" rtlCol="0">
-                <a:spAutoFit/>
-              </a:bodyPr>
-              <a:lstStyle/>
-              <a:p>
-                <a:pPr algn="ctr">
-                  <a:lnSpc>
-                    <a:spcPct val="150000"/>
-                  </a:lnSpc>
-                </a:pPr>
-                <a14:m>
-                  <m:oMathPara xmlns:m="http://schemas.openxmlformats.org/officeDocument/2006/math">
-                    <m:oMathParaPr>
-                      <m:jc m:val="centerGroup"/>
-                    </m:oMathParaPr>
-                    <m:oMath xmlns:m="http://schemas.openxmlformats.org/officeDocument/2006/math">
-                      <m:d>
-                        <m:dPr>
-                          <m:ctrlPr>
-                            <a:rPr lang="en-US" altLang="ja-JP" sz="2400" i="1" smtClean="0">
-                              <a:solidFill>
-                                <a:schemeClr val="tx1">
-                                  <a:lumMod val="75000"/>
-                                  <a:lumOff val="25000"/>
-                                </a:schemeClr>
-                              </a:solidFill>
-                              <a:latin typeface="Cambria Math" panose="02040503050406030204" pitchFamily="18" charset="0"/>
-                            </a:rPr>
-                          </m:ctrlPr>
-                        </m:dPr>
-                        <m:e>
-                          <m:sSub>
-                            <m:sSubPr>
-                              <m:ctrlPr>
-                                <a:rPr lang="en-US" altLang="ja-JP" sz="2400" i="1" smtClean="0">
-                                  <a:solidFill>
-                                    <a:schemeClr val="tx1">
-                                      <a:lumMod val="75000"/>
-                                      <a:lumOff val="25000"/>
-                                    </a:schemeClr>
-                                  </a:solidFill>
-                                  <a:latin typeface="Cambria Math" panose="02040503050406030204" pitchFamily="18" charset="0"/>
-                                </a:rPr>
-                              </m:ctrlPr>
-                            </m:sSubPr>
-                            <m:e>
-                              <m:r>
-                                <a:rPr lang="en-US" altLang="ja-JP" sz="2400" b="0" i="1" smtClean="0">
-                                  <a:solidFill>
-                                    <a:schemeClr val="tx1">
-                                      <a:lumMod val="75000"/>
-                                      <a:lumOff val="25000"/>
-                                    </a:schemeClr>
-                                  </a:solidFill>
-                                  <a:latin typeface="Cambria Math" panose="02040503050406030204" pitchFamily="18" charset="0"/>
-                                </a:rPr>
-                                <m:t>𝐹</m:t>
-                              </m:r>
-                            </m:e>
-                            <m:sub>
-                              <m:r>
-                                <a:rPr lang="en-US" altLang="ja-JP" sz="2400" b="0" i="1" smtClean="0">
-                                  <a:solidFill>
-                                    <a:schemeClr val="tx1">
-                                      <a:lumMod val="75000"/>
-                                      <a:lumOff val="25000"/>
-                                    </a:schemeClr>
-                                  </a:solidFill>
-                                  <a:latin typeface="Cambria Math" panose="02040503050406030204" pitchFamily="18" charset="0"/>
-                                </a:rPr>
-                                <m:t>𝐸𝑢𝑟𝑜</m:t>
-                              </m:r>
-                            </m:sub>
-                          </m:sSub>
-                          <m:r>
-                            <a:rPr lang="en-US" altLang="ja-JP" sz="2400" i="1">
-                              <a:solidFill>
-                                <a:schemeClr val="tx1">
-                                  <a:lumMod val="75000"/>
-                                  <a:lumOff val="25000"/>
-                                </a:schemeClr>
-                              </a:solidFill>
-                              <a:latin typeface="Cambria Math" panose="02040503050406030204" pitchFamily="18" charset="0"/>
-                              <a:ea typeface="Cambria Math" panose="02040503050406030204" pitchFamily="18" charset="0"/>
-                            </a:rPr>
-                            <m:t>⇒</m:t>
-                          </m:r>
-                          <m:sSub>
-                            <m:sSubPr>
-                              <m:ctrlPr>
-                                <a:rPr lang="en-US" altLang="ja-JP" sz="2400" i="1">
-                                  <a:solidFill>
-                                    <a:schemeClr val="tx1">
-                                      <a:lumMod val="75000"/>
-                                      <a:lumOff val="25000"/>
-                                    </a:schemeClr>
-                                  </a:solidFill>
-                                  <a:latin typeface="Cambria Math" panose="02040503050406030204" pitchFamily="18" charset="0"/>
-                                  <a:ea typeface="Cambria Math" panose="02040503050406030204" pitchFamily="18" charset="0"/>
-                                </a:rPr>
-                              </m:ctrlPr>
-                            </m:sSubPr>
-                            <m:e>
-                              <m:r>
-                                <a:rPr lang="en-US" altLang="ja-JP" sz="2400" i="1">
-                                  <a:solidFill>
-                                    <a:schemeClr val="tx1">
-                                      <a:lumMod val="75000"/>
-                                      <a:lumOff val="25000"/>
-                                    </a:schemeClr>
-                                  </a:solidFill>
-                                  <a:latin typeface="Cambria Math" panose="02040503050406030204" pitchFamily="18" charset="0"/>
-                                  <a:ea typeface="Cambria Math" panose="02040503050406030204" pitchFamily="18" charset="0"/>
-                                </a:rPr>
-                                <m:t>𝑅</m:t>
-                              </m:r>
-                            </m:e>
-                            <m:sub>
-                              <m:r>
-                                <a:rPr lang="en-US" altLang="ja-JP" sz="2400" b="0" i="1" smtClean="0">
-                                  <a:solidFill>
-                                    <a:schemeClr val="tx1">
-                                      <a:lumMod val="75000"/>
-                                      <a:lumOff val="25000"/>
-                                    </a:schemeClr>
-                                  </a:solidFill>
-                                  <a:latin typeface="Cambria Math" panose="02040503050406030204" pitchFamily="18" charset="0"/>
-                                  <a:ea typeface="Cambria Math" panose="02040503050406030204" pitchFamily="18" charset="0"/>
-                                </a:rPr>
-                                <m:t>𝐸𝑢𝑟𝑜</m:t>
-                              </m:r>
-                            </m:sub>
-                          </m:sSub>
-                        </m:e>
-                      </m:d>
-                    </m:oMath>
-                  </m:oMathPara>
-                </a14:m>
-                <a:endParaRPr lang="en-US" altLang="ja-JP" sz="2400" b="1" dirty="0">
-                  <a:solidFill>
-                    <a:schemeClr val="tx1">
-                      <a:lumMod val="75000"/>
-                      <a:lumOff val="25000"/>
-                    </a:schemeClr>
-                  </a:solidFill>
-                </a:endParaRPr>
-              </a:p>
-            </p:txBody>
-          </p:sp>
-        </mc:Choice>
-        <mc:Fallback>
-          <p:sp>
-            <p:nvSpPr>
-              <p:cNvPr id="16" name="テキスト ボックス 15">
-                <a:extLst>
-                  <a:ext uri="{FF2B5EF4-FFF2-40B4-BE49-F238E27FC236}">
-                    <a16:creationId xmlns:a16="http://schemas.microsoft.com/office/drawing/2014/main" id="{47F3D8A7-CC70-41A1-A911-44D633917A3B}"/>
-                  </a:ext>
-                </a:extLst>
-              </p:cNvPr>
-              <p:cNvSpPr txBox="1">
-                <a:spLocks noRot="1" noChangeAspect="1" noMove="1" noResize="1" noEditPoints="1" noAdjustHandles="1" noChangeArrowheads="1" noChangeShapeType="1" noTextEdit="1"/>
-              </p:cNvSpPr>
-              <p:nvPr/>
-            </p:nvSpPr>
-            <p:spPr>
-              <a:xfrm>
-                <a:off x="1507466" y="6182775"/>
-                <a:ext cx="2243884" cy="553998"/>
-              </a:xfrm>
-              <a:prstGeom prst="rect">
-                <a:avLst/>
-              </a:prstGeom>
-              <a:blipFill>
-                <a:blip r:embed="rId8"/>
-                <a:stretch>
-                  <a:fillRect/>
-                </a:stretch>
-              </a:blipFill>
-            </p:spPr>
-            <p:txBody>
-              <a:bodyPr/>
-              <a:lstStyle/>
-              <a:p>
-                <a:r>
-                  <a:rPr lang="ja-JP" altLang="en-US">
-                    <a:noFill/>
-                  </a:rPr>
-                  <a:t> </a:t>
-                </a:r>
-              </a:p>
-            </p:txBody>
-          </p:sp>
-        </mc:Fallback>
-      </mc:AlternateContent>
-      <mc:AlternateContent xmlns:mc="http://schemas.openxmlformats.org/markup-compatibility/2006">
-        <mc:Choice xmlns:a14="http://schemas.microsoft.com/office/drawing/2010/main" Requires="a14">
-          <p:sp>
-            <p:nvSpPr>
-              <p:cNvPr id="17" name="テキスト ボックス 16">
-                <a:extLst>
-                  <a:ext uri="{FF2B5EF4-FFF2-40B4-BE49-F238E27FC236}">
-                    <a16:creationId xmlns:a16="http://schemas.microsoft.com/office/drawing/2014/main" id="{84822598-3A19-4B8B-A5A9-7DD2816D925D}"/>
-                  </a:ext>
-                </a:extLst>
-              </p:cNvPr>
-              <p:cNvSpPr txBox="1"/>
-              <p:nvPr/>
-            </p:nvSpPr>
-            <p:spPr>
-              <a:xfrm>
-                <a:off x="5371632" y="6152271"/>
-                <a:ext cx="2325316" cy="553998"/>
-              </a:xfrm>
-              <a:prstGeom prst="rect">
-                <a:avLst/>
-              </a:prstGeom>
-              <a:noFill/>
-            </p:spPr>
-            <p:txBody>
-              <a:bodyPr wrap="none" lIns="0" tIns="0" rIns="0" bIns="0" rtlCol="0">
-                <a:spAutoFit/>
-              </a:bodyPr>
-              <a:lstStyle/>
-              <a:p>
-                <a:pPr algn="ctr">
-                  <a:lnSpc>
-                    <a:spcPct val="150000"/>
-                  </a:lnSpc>
-                </a:pPr>
-                <a14:m>
-                  <m:oMathPara xmlns:m="http://schemas.openxmlformats.org/officeDocument/2006/math">
-                    <m:oMathParaPr>
-                      <m:jc m:val="centerGroup"/>
-                    </m:oMathParaPr>
-                    <m:oMath xmlns:m="http://schemas.openxmlformats.org/officeDocument/2006/math">
-                      <m:d>
-                        <m:dPr>
-                          <m:ctrlPr>
-                            <a:rPr lang="en-US" altLang="ja-JP" sz="2400" i="1" smtClean="0">
-                              <a:solidFill>
-                                <a:schemeClr val="tx1">
-                                  <a:lumMod val="75000"/>
-                                  <a:lumOff val="25000"/>
-                                </a:schemeClr>
-                              </a:solidFill>
-                              <a:latin typeface="Cambria Math" panose="02040503050406030204" pitchFamily="18" charset="0"/>
-                            </a:rPr>
-                          </m:ctrlPr>
-                        </m:dPr>
-                        <m:e>
-                          <m:sSub>
-                            <m:sSubPr>
-                              <m:ctrlPr>
-                                <a:rPr lang="en-US" altLang="ja-JP" sz="2400" i="1" smtClean="0">
-                                  <a:solidFill>
-                                    <a:schemeClr val="tx1">
-                                      <a:lumMod val="75000"/>
-                                      <a:lumOff val="25000"/>
-                                    </a:schemeClr>
-                                  </a:solidFill>
-                                  <a:latin typeface="Cambria Math" panose="02040503050406030204" pitchFamily="18" charset="0"/>
-                                </a:rPr>
-                              </m:ctrlPr>
-                            </m:sSubPr>
-                            <m:e>
-                              <m:r>
-                                <a:rPr lang="en-US" altLang="ja-JP" sz="2400" b="0" i="1" smtClean="0">
-                                  <a:solidFill>
-                                    <a:schemeClr val="tx1">
-                                      <a:lumMod val="75000"/>
-                                      <a:lumOff val="25000"/>
-                                    </a:schemeClr>
-                                  </a:solidFill>
-                                  <a:latin typeface="Cambria Math" panose="02040503050406030204" pitchFamily="18" charset="0"/>
-                                </a:rPr>
-                                <m:t>𝐹</m:t>
-                              </m:r>
-                            </m:e>
-                            <m:sub>
-                              <m:r>
-                                <a:rPr lang="en-US" altLang="ja-JP" sz="2400" b="0" i="1" smtClean="0">
-                                  <a:solidFill>
-                                    <a:schemeClr val="tx1">
-                                      <a:lumMod val="75000"/>
-                                      <a:lumOff val="25000"/>
-                                    </a:schemeClr>
-                                  </a:solidFill>
-                                  <a:latin typeface="Cambria Math" panose="02040503050406030204" pitchFamily="18" charset="0"/>
-                                </a:rPr>
-                                <m:t>𝐸𝑢𝑟𝑜</m:t>
-                              </m:r>
-                            </m:sub>
-                          </m:sSub>
-                          <m:r>
-                            <a:rPr lang="en-US" altLang="ja-JP" sz="2400" i="1">
-                              <a:solidFill>
-                                <a:schemeClr val="tx1">
-                                  <a:lumMod val="75000"/>
-                                  <a:lumOff val="25000"/>
-                                </a:schemeClr>
-                              </a:solidFill>
-                              <a:latin typeface="Cambria Math" panose="02040503050406030204" pitchFamily="18" charset="0"/>
-                              <a:ea typeface="Cambria Math" panose="02040503050406030204" pitchFamily="18" charset="0"/>
-                            </a:rPr>
-                            <m:t>⇒</m:t>
-                          </m:r>
-                          <m:sSub>
-                            <m:sSubPr>
-                              <m:ctrlPr>
-                                <a:rPr lang="en-US" altLang="ja-JP" sz="2400" i="1">
-                                  <a:solidFill>
-                                    <a:schemeClr val="tx1">
-                                      <a:lumMod val="75000"/>
-                                      <a:lumOff val="25000"/>
-                                    </a:schemeClr>
-                                  </a:solidFill>
-                                  <a:latin typeface="Cambria Math" panose="02040503050406030204" pitchFamily="18" charset="0"/>
-                                  <a:ea typeface="Cambria Math" panose="02040503050406030204" pitchFamily="18" charset="0"/>
-                                </a:rPr>
-                              </m:ctrlPr>
-                            </m:sSubPr>
-                            <m:e>
-                              <m:r>
-                                <a:rPr lang="en-US" altLang="ja-JP" sz="2400" i="1">
-                                  <a:solidFill>
-                                    <a:schemeClr val="tx1">
-                                      <a:lumMod val="75000"/>
-                                      <a:lumOff val="25000"/>
-                                    </a:schemeClr>
-                                  </a:solidFill>
-                                  <a:latin typeface="Cambria Math" panose="02040503050406030204" pitchFamily="18" charset="0"/>
-                                  <a:ea typeface="Cambria Math" panose="02040503050406030204" pitchFamily="18" charset="0"/>
-                                </a:rPr>
-                                <m:t>𝑅</m:t>
-                              </m:r>
-                            </m:e>
-                            <m:sub>
-                              <m:r>
-                                <a:rPr lang="en-US" altLang="ja-JP" sz="2400" b="0" i="1" smtClean="0">
-                                  <a:solidFill>
-                                    <a:schemeClr val="tx1">
-                                      <a:lumMod val="75000"/>
-                                      <a:lumOff val="25000"/>
-                                    </a:schemeClr>
-                                  </a:solidFill>
-                                  <a:latin typeface="Cambria Math" panose="02040503050406030204" pitchFamily="18" charset="0"/>
-                                  <a:ea typeface="Cambria Math" panose="02040503050406030204" pitchFamily="18" charset="0"/>
-                                </a:rPr>
-                                <m:t>𝐶𝑖𝑡𝑖𝑒𝑠</m:t>
-                              </m:r>
-                            </m:sub>
-                          </m:sSub>
-                        </m:e>
-                      </m:d>
-                    </m:oMath>
-                  </m:oMathPara>
-                </a14:m>
-                <a:endParaRPr lang="en-US" altLang="ja-JP" sz="2400" b="1" dirty="0">
-                  <a:solidFill>
-                    <a:schemeClr val="tx1">
-                      <a:lumMod val="75000"/>
-                      <a:lumOff val="25000"/>
-                    </a:schemeClr>
-                  </a:solidFill>
-                </a:endParaRPr>
-              </a:p>
-            </p:txBody>
-          </p:sp>
-        </mc:Choice>
-        <mc:Fallback>
-          <p:sp>
-            <p:nvSpPr>
-              <p:cNvPr id="17" name="テキスト ボックス 16">
-                <a:extLst>
-                  <a:ext uri="{FF2B5EF4-FFF2-40B4-BE49-F238E27FC236}">
-                    <a16:creationId xmlns:a16="http://schemas.microsoft.com/office/drawing/2014/main" id="{84822598-3A19-4B8B-A5A9-7DD2816D925D}"/>
-                  </a:ext>
-                </a:extLst>
-              </p:cNvPr>
-              <p:cNvSpPr txBox="1">
-                <a:spLocks noRot="1" noChangeAspect="1" noMove="1" noResize="1" noEditPoints="1" noAdjustHandles="1" noChangeArrowheads="1" noChangeShapeType="1" noTextEdit="1"/>
-              </p:cNvSpPr>
-              <p:nvPr/>
-            </p:nvSpPr>
-            <p:spPr>
-              <a:xfrm>
-                <a:off x="5371632" y="6152271"/>
-                <a:ext cx="2325316" cy="553998"/>
-              </a:xfrm>
-              <a:prstGeom prst="rect">
-                <a:avLst/>
-              </a:prstGeom>
-              <a:blipFill>
-                <a:blip r:embed="rId9"/>
-                <a:stretch>
-                  <a:fillRect/>
-                </a:stretch>
-              </a:blipFill>
-            </p:spPr>
-            <p:txBody>
-              <a:bodyPr/>
-              <a:lstStyle/>
-              <a:p>
-                <a:r>
-                  <a:rPr lang="ja-JP" altLang="en-US">
-                    <a:noFill/>
-                  </a:rPr>
-                  <a:t> </a:t>
-                </a:r>
-              </a:p>
-            </p:txBody>
-          </p:sp>
-        </mc:Fallback>
-      </mc:AlternateContent>
-      <p:sp>
-        <p:nvSpPr>
-          <p:cNvPr id="20" name="タイトル 1">
-            <a:extLst>
-              <a:ext uri="{FF2B5EF4-FFF2-40B4-BE49-F238E27FC236}">
-                <a16:creationId xmlns:a16="http://schemas.microsoft.com/office/drawing/2014/main" id="{5799F2EB-D7B4-4185-816C-DAC548F72FA8}"/>
-              </a:ext>
-            </a:extLst>
-          </p:cNvPr>
-          <p:cNvSpPr txBox="1">
-            <a:spLocks/>
-          </p:cNvSpPr>
-          <p:nvPr/>
-        </p:nvSpPr>
-        <p:spPr>
-          <a:xfrm>
-            <a:off x="4248522" y="101508"/>
-            <a:ext cx="4266827" cy="637309"/>
-          </a:xfrm>
-          <a:prstGeom prst="rect">
-            <a:avLst/>
-          </a:prstGeom>
-        </p:spPr>
-        <p:txBody>
-          <a:bodyPr vert="horz" lIns="91440" tIns="45720" rIns="91440" bIns="45720" rtlCol="0" anchor="ctr">
-            <a:normAutofit fontScale="97500" lnSpcReduction="10000"/>
-          </a:bodyPr>
-          <a:lstStyle>
-            <a:lvl1pPr algn="l" defTabSz="685800" rtl="0" eaLnBrk="1" latinLnBrk="0" hangingPunct="1">
-              <a:lnSpc>
-                <a:spcPct val="90000"/>
-              </a:lnSpc>
-              <a:spcBef>
-                <a:spcPct val="0"/>
-              </a:spcBef>
-              <a:buNone/>
-              <a:defRPr kumimoji="1" sz="4400" b="1" kern="1200">
-                <a:solidFill>
-                  <a:schemeClr val="bg1"/>
-                </a:solidFill>
-                <a:latin typeface="+mn-ea"/>
-                <a:ea typeface="+mn-ea"/>
-                <a:cs typeface="+mj-cs"/>
-              </a:defRPr>
-            </a:lvl1pPr>
-          </a:lstStyle>
-          <a:p>
-            <a:r>
-              <a:rPr lang="ja-JP" altLang="en-US" sz="2000" dirty="0"/>
-              <a:t>フォーラムを持たないアプリにも</a:t>
-            </a:r>
-            <a:br>
-              <a:rPr lang="en-US" altLang="ja-JP" sz="2000" dirty="0"/>
-            </a:br>
-            <a:r>
-              <a:rPr lang="ja-JP" altLang="en-US" sz="2000" dirty="0"/>
-              <a:t>提案手法を適用可能か？</a:t>
-            </a:r>
-          </a:p>
-        </p:txBody>
-      </p:sp>
-      <p:sp>
-        <p:nvSpPr>
-          <p:cNvPr id="22" name="四角形: 角を丸くする 21">
-            <a:extLst>
-              <a:ext uri="{FF2B5EF4-FFF2-40B4-BE49-F238E27FC236}">
-                <a16:creationId xmlns:a16="http://schemas.microsoft.com/office/drawing/2014/main" id="{5CBDF688-16A2-45E5-8E12-16D2A7535F3F}"/>
-              </a:ext>
-            </a:extLst>
-          </p:cNvPr>
-          <p:cNvSpPr/>
-          <p:nvPr/>
-        </p:nvSpPr>
-        <p:spPr>
-          <a:xfrm>
-            <a:off x="6428464" y="2288381"/>
-            <a:ext cx="1736396" cy="553998"/>
-          </a:xfrm>
-          <a:prstGeom prst="roundRect">
-            <a:avLst>
-              <a:gd name="adj" fmla="val 7145"/>
-            </a:avLst>
-          </a:prstGeom>
-          <a:noFill/>
-          <a:ln w="19050">
-            <a:solidFill>
-              <a:srgbClr val="089CA3"/>
-            </a:solidFill>
-          </a:ln>
-        </p:spPr>
-        <p:style>
-          <a:lnRef idx="2">
-            <a:schemeClr val="accent1">
-              <a:shade val="50000"/>
-            </a:schemeClr>
-          </a:lnRef>
-          <a:fillRef idx="1">
-            <a:schemeClr val="accent1"/>
-          </a:fillRef>
-          <a:effectRef idx="0">
-            <a:schemeClr val="accent1"/>
-          </a:effectRef>
-          <a:fontRef idx="minor">
-            <a:schemeClr val="lt1"/>
-          </a:fontRef>
-        </p:style>
-        <p:txBody>
-          <a:bodyPr rtlCol="0" anchor="ctr"/>
-          <a:lstStyle/>
-          <a:p>
-            <a:pPr algn="ctr"/>
-            <a:endParaRPr kumimoji="1" lang="ja-JP" altLang="en-US"/>
-          </a:p>
-        </p:txBody>
-      </p:sp>
-      <p:sp>
-        <p:nvSpPr>
-          <p:cNvPr id="23" name="四角形: 角を丸くする 22">
-            <a:extLst>
-              <a:ext uri="{FF2B5EF4-FFF2-40B4-BE49-F238E27FC236}">
-                <a16:creationId xmlns:a16="http://schemas.microsoft.com/office/drawing/2014/main" id="{A9140662-BB57-4118-934E-0015EFC0175E}"/>
-              </a:ext>
-            </a:extLst>
-          </p:cNvPr>
-          <p:cNvSpPr/>
-          <p:nvPr/>
-        </p:nvSpPr>
-        <p:spPr>
-          <a:xfrm>
-            <a:off x="2444263" y="2289746"/>
-            <a:ext cx="1736396" cy="553998"/>
-          </a:xfrm>
-          <a:prstGeom prst="roundRect">
-            <a:avLst>
-              <a:gd name="adj" fmla="val 7145"/>
-            </a:avLst>
-          </a:prstGeom>
-          <a:noFill/>
-          <a:ln w="19050">
-            <a:solidFill>
-              <a:srgbClr val="089CA3"/>
-            </a:solidFill>
-          </a:ln>
-        </p:spPr>
-        <p:style>
-          <a:lnRef idx="2">
-            <a:schemeClr val="accent1">
-              <a:shade val="50000"/>
-            </a:schemeClr>
-          </a:lnRef>
-          <a:fillRef idx="1">
-            <a:schemeClr val="accent1"/>
-          </a:fillRef>
-          <a:effectRef idx="0">
-            <a:schemeClr val="accent1"/>
-          </a:effectRef>
-          <a:fontRef idx="minor">
-            <a:schemeClr val="lt1"/>
-          </a:fontRef>
-        </p:style>
-        <p:txBody>
-          <a:bodyPr rtlCol="0" anchor="ctr"/>
-          <a:lstStyle/>
-          <a:p>
-            <a:pPr algn="ctr"/>
-            <a:endParaRPr kumimoji="1" lang="ja-JP" altLang="en-US"/>
-          </a:p>
-        </p:txBody>
-      </p:sp>
-      <p:sp>
-        <p:nvSpPr>
-          <p:cNvPr id="24" name="四角形: 角を丸くする 23">
-            <a:extLst>
-              <a:ext uri="{FF2B5EF4-FFF2-40B4-BE49-F238E27FC236}">
-                <a16:creationId xmlns:a16="http://schemas.microsoft.com/office/drawing/2014/main" id="{4A57B5CC-8C90-4AE3-B0C7-57E17E59FBC0}"/>
-              </a:ext>
-            </a:extLst>
-          </p:cNvPr>
-          <p:cNvSpPr/>
-          <p:nvPr/>
-        </p:nvSpPr>
-        <p:spPr>
-          <a:xfrm>
-            <a:off x="6428464" y="5262858"/>
-            <a:ext cx="1736396" cy="553998"/>
-          </a:xfrm>
-          <a:prstGeom prst="roundRect">
-            <a:avLst>
-              <a:gd name="adj" fmla="val 7145"/>
-            </a:avLst>
-          </a:prstGeom>
-          <a:noFill/>
-          <a:ln w="19050">
-            <a:solidFill>
-              <a:srgbClr val="089CA3"/>
-            </a:solidFill>
-          </a:ln>
-        </p:spPr>
-        <p:style>
-          <a:lnRef idx="2">
-            <a:schemeClr val="accent1">
-              <a:shade val="50000"/>
-            </a:schemeClr>
-          </a:lnRef>
-          <a:fillRef idx="1">
-            <a:schemeClr val="accent1"/>
-          </a:fillRef>
-          <a:effectRef idx="0">
-            <a:schemeClr val="accent1"/>
-          </a:effectRef>
-          <a:fontRef idx="minor">
-            <a:schemeClr val="lt1"/>
-          </a:fontRef>
-        </p:style>
-        <p:txBody>
-          <a:bodyPr rtlCol="0" anchor="ctr"/>
-          <a:lstStyle/>
-          <a:p>
-            <a:pPr algn="ctr"/>
-            <a:endParaRPr kumimoji="1" lang="ja-JP" altLang="en-US"/>
-          </a:p>
-        </p:txBody>
-      </p:sp>
-      <p:sp>
-        <p:nvSpPr>
-          <p:cNvPr id="25" name="四角形: 角を丸くする 24">
-            <a:extLst>
-              <a:ext uri="{FF2B5EF4-FFF2-40B4-BE49-F238E27FC236}">
-                <a16:creationId xmlns:a16="http://schemas.microsoft.com/office/drawing/2014/main" id="{94E0E3BF-F9FD-4EC1-B260-2B48F1ABE5DC}"/>
-              </a:ext>
-            </a:extLst>
-          </p:cNvPr>
-          <p:cNvSpPr/>
-          <p:nvPr/>
-        </p:nvSpPr>
-        <p:spPr>
-          <a:xfrm>
-            <a:off x="2444263" y="5264223"/>
-            <a:ext cx="1736396" cy="553998"/>
-          </a:xfrm>
-          <a:prstGeom prst="roundRect">
-            <a:avLst>
-              <a:gd name="adj" fmla="val 7145"/>
-            </a:avLst>
-          </a:prstGeom>
-          <a:noFill/>
-          <a:ln w="19050">
-            <a:solidFill>
-              <a:srgbClr val="089CA3"/>
-            </a:solidFill>
-          </a:ln>
-        </p:spPr>
-        <p:style>
-          <a:lnRef idx="2">
-            <a:schemeClr val="accent1">
-              <a:shade val="50000"/>
-            </a:schemeClr>
-          </a:lnRef>
-          <a:fillRef idx="1">
-            <a:schemeClr val="accent1"/>
-          </a:fillRef>
-          <a:effectRef idx="0">
-            <a:schemeClr val="accent1"/>
-          </a:effectRef>
-          <a:fontRef idx="minor">
-            <a:schemeClr val="lt1"/>
-          </a:fontRef>
-        </p:style>
-        <p:txBody>
-          <a:bodyPr rtlCol="0" anchor="ctr"/>
-          <a:lstStyle/>
-          <a:p>
-            <a:pPr algn="ctr"/>
-            <a:endParaRPr kumimoji="1" lang="ja-JP" altLang="en-US"/>
-          </a:p>
-        </p:txBody>
-      </p:sp>
-    </p:spTree>
-    <p:extLst>
-      <p:ext uri="{BB962C8B-B14F-4D97-AF65-F5344CB8AC3E}">
-        <p14:creationId xmlns:p14="http://schemas.microsoft.com/office/powerpoint/2010/main" val="439660615"/>
-      </p:ext>
-    </p:extLst>
-  </p:cSld>
-  <p:clrMapOvr>
-    <a:masterClrMapping/>
-  </p:clrMapOvr>
-</p:sld>
-</file>
-
-<file path=ppt/slides/slide18.xml><?xml version="1.0" encoding="utf-8"?>
 <p:sld xmlns:a="http://schemas.openxmlformats.org/drawingml/2006/main" xmlns:r="http://schemas.openxmlformats.org/officeDocument/2006/relationships" xmlns:p="http://schemas.openxmlformats.org/presentationml/2006/main">
   <p:cSld>
     <p:spTree>
@@ -15210,7 +12841,7 @@
           <a:p>
             <a:fld id="{310E90F2-0F65-4717-A352-08170F7BDCAA}" type="slidenum">
               <a:rPr kumimoji="1" lang="ja-JP" altLang="en-US" smtClean="0"/>
-              <a:t>17</a:t>
+              <a:t>16</a:t>
             </a:fld>
             <a:endParaRPr kumimoji="1" lang="ja-JP" altLang="en-US" dirty="0"/>
           </a:p>
@@ -15229,7 +12860,7 @@
 </p:sld>
 </file>
 
-<file path=ppt/slides/slide19.xml><?xml version="1.0" encoding="utf-8"?>
+<file path=ppt/slides/slide18.xml><?xml version="1.0" encoding="utf-8"?>
 <p:sld xmlns:a="http://schemas.openxmlformats.org/drawingml/2006/main" xmlns:r="http://schemas.openxmlformats.org/officeDocument/2006/relationships" xmlns:p="http://schemas.openxmlformats.org/presentationml/2006/main">
   <p:cSld>
     <p:spTree>
@@ -15638,7 +13269,7 @@
           <a:p>
             <a:fld id="{310E90F2-0F65-4717-A352-08170F7BDCAA}" type="slidenum">
               <a:rPr kumimoji="1" lang="ja-JP" altLang="en-US" smtClean="0"/>
-              <a:t>18</a:t>
+              <a:t>17</a:t>
             </a:fld>
             <a:endParaRPr kumimoji="1" lang="ja-JP" altLang="en-US" dirty="0"/>
           </a:p>
@@ -15909,6 +13540,1513 @@
     <p:extLst>
       <p:ext uri="{BB962C8B-B14F-4D97-AF65-F5344CB8AC3E}">
         <p14:creationId xmlns:p14="http://schemas.microsoft.com/office/powerpoint/2010/main" val="2661180953"/>
+      </p:ext>
+    </p:extLst>
+  </p:cSld>
+  <p:clrMapOvr>
+    <a:masterClrMapping/>
+  </p:clrMapOvr>
+</p:sld>
+</file>
+
+<file path=ppt/slides/slide19.xml><?xml version="1.0" encoding="utf-8"?>
+<p:sld xmlns:a="http://schemas.openxmlformats.org/drawingml/2006/main" xmlns:r="http://schemas.openxmlformats.org/officeDocument/2006/relationships" xmlns:p="http://schemas.openxmlformats.org/presentationml/2006/main" show="0">
+  <p:cSld>
+    <p:spTree>
+      <p:nvGrpSpPr>
+        <p:cNvPr id="1" name=""/>
+        <p:cNvGrpSpPr/>
+        <p:nvPr/>
+      </p:nvGrpSpPr>
+      <p:grpSpPr>
+        <a:xfrm>
+          <a:off x="0" y="0"/>
+          <a:ext cx="0" cy="0"/>
+          <a:chOff x="0" y="0"/>
+          <a:chExt cx="0" cy="0"/>
+        </a:xfrm>
+      </p:grpSpPr>
+      <p:graphicFrame>
+        <p:nvGraphicFramePr>
+          <p:cNvPr id="18" name="表 17">
+            <a:extLst>
+              <a:ext uri="{FF2B5EF4-FFF2-40B4-BE49-F238E27FC236}">
+                <a16:creationId xmlns:a16="http://schemas.microsoft.com/office/drawing/2014/main" id="{87199234-9D33-4096-A2CC-F78A05358828}"/>
+              </a:ext>
+            </a:extLst>
+          </p:cNvPr>
+          <p:cNvGraphicFramePr>
+            <a:graphicFrameLocks noGrp="1"/>
+          </p:cNvGraphicFramePr>
+          <p:nvPr>
+            <p:extLst/>
+          </p:nvPr>
+        </p:nvGraphicFramePr>
+        <p:xfrm>
+          <a:off x="714374" y="809623"/>
+          <a:ext cx="7800976" cy="5927150"/>
+        </p:xfrm>
+        <a:graphic>
+          <a:graphicData uri="http://schemas.openxmlformats.org/drawingml/2006/table">
+            <a:tbl>
+              <a:tblPr firstRow="1" bandRow="1">
+                <a:tableStyleId>{5940675A-B579-460E-94D1-54222C63F5DA}</a:tableStyleId>
+              </a:tblPr>
+              <a:tblGrid>
+                <a:gridCol w="3900488">
+                  <a:extLst>
+                    <a:ext uri="{9D8B030D-6E8A-4147-A177-3AD203B41FA5}">
+                      <a16:colId xmlns:a16="http://schemas.microsoft.com/office/drawing/2014/main" val="1545294848"/>
+                    </a:ext>
+                  </a:extLst>
+                </a:gridCol>
+                <a:gridCol w="3900488">
+                  <a:extLst>
+                    <a:ext uri="{9D8B030D-6E8A-4147-A177-3AD203B41FA5}">
+                      <a16:colId xmlns:a16="http://schemas.microsoft.com/office/drawing/2014/main" val="1853598212"/>
+                    </a:ext>
+                  </a:extLst>
+                </a:gridCol>
+              </a:tblGrid>
+              <a:tr h="2963575">
+                <a:tc>
+                  <a:txBody>
+                    <a:bodyPr/>
+                    <a:lstStyle/>
+                    <a:p>
+                      <a:endParaRPr kumimoji="1" lang="ja-JP" altLang="en-US" dirty="0"/>
+                    </a:p>
+                  </a:txBody>
+                  <a:tcPr/>
+                </a:tc>
+                <a:tc>
+                  <a:txBody>
+                    <a:bodyPr/>
+                    <a:lstStyle/>
+                    <a:p>
+                      <a:endParaRPr kumimoji="1" lang="ja-JP" altLang="en-US" dirty="0"/>
+                    </a:p>
+                  </a:txBody>
+                  <a:tcPr/>
+                </a:tc>
+                <a:extLst>
+                  <a:ext uri="{0D108BD9-81ED-4DB2-BD59-A6C34878D82A}">
+                    <a16:rowId xmlns:a16="http://schemas.microsoft.com/office/drawing/2014/main" val="1008746044"/>
+                  </a:ext>
+                </a:extLst>
+              </a:tr>
+              <a:tr h="2963575">
+                <a:tc>
+                  <a:txBody>
+                    <a:bodyPr/>
+                    <a:lstStyle/>
+                    <a:p>
+                      <a:endParaRPr kumimoji="1" lang="ja-JP" altLang="en-US" dirty="0"/>
+                    </a:p>
+                  </a:txBody>
+                  <a:tcPr/>
+                </a:tc>
+                <a:tc>
+                  <a:txBody>
+                    <a:bodyPr/>
+                    <a:lstStyle/>
+                    <a:p>
+                      <a:endParaRPr kumimoji="1" lang="ja-JP" altLang="en-US" dirty="0"/>
+                    </a:p>
+                  </a:txBody>
+                  <a:tcPr/>
+                </a:tc>
+                <a:extLst>
+                  <a:ext uri="{0D108BD9-81ED-4DB2-BD59-A6C34878D82A}">
+                    <a16:rowId xmlns:a16="http://schemas.microsoft.com/office/drawing/2014/main" val="748817290"/>
+                  </a:ext>
+                </a:extLst>
+              </a:tr>
+            </a:tbl>
+          </a:graphicData>
+        </a:graphic>
+      </p:graphicFrame>
+      <p:sp>
+        <p:nvSpPr>
+          <p:cNvPr id="2" name="タイトル 1">
+            <a:extLst>
+              <a:ext uri="{FF2B5EF4-FFF2-40B4-BE49-F238E27FC236}">
+                <a16:creationId xmlns:a16="http://schemas.microsoft.com/office/drawing/2014/main" id="{ABBAC846-CCD5-4B71-925B-2700357CDD41}"/>
+              </a:ext>
+            </a:extLst>
+          </p:cNvPr>
+          <p:cNvSpPr>
+            <a:spLocks noGrp="1"/>
+          </p:cNvSpPr>
+          <p:nvPr>
+            <p:ph type="title"/>
+          </p:nvPr>
+        </p:nvSpPr>
+        <p:spPr>
+          <a:xfrm>
+            <a:off x="628650" y="83127"/>
+            <a:ext cx="7886700" cy="637309"/>
+          </a:xfrm>
+        </p:spPr>
+        <p:txBody>
+          <a:bodyPr>
+            <a:normAutofit fontScale="90000"/>
+          </a:bodyPr>
+          <a:lstStyle/>
+          <a:p>
+            <a:r>
+              <a:rPr kumimoji="1" lang="ja-JP" altLang="en-US" dirty="0"/>
+              <a:t>実験結果 </a:t>
+            </a:r>
+            <a:r>
+              <a:rPr kumimoji="1" lang="en-US" altLang="ja-JP" dirty="0"/>
+              <a:t>| </a:t>
+            </a:r>
+            <a:r>
+              <a:rPr kumimoji="1" lang="en-US" altLang="ja-JP" sz="3600" dirty="0"/>
+              <a:t>RQ2. </a:t>
+            </a:r>
+            <a:r>
+              <a:rPr kumimoji="1" lang="en-US" altLang="ja-JP" dirty="0"/>
+              <a:t> </a:t>
+            </a:r>
+            <a:endParaRPr kumimoji="1" lang="ja-JP" altLang="en-US" dirty="0"/>
+          </a:p>
+        </p:txBody>
+      </p:sp>
+      <p:pic>
+        <p:nvPicPr>
+          <p:cNvPr id="7" name="コンテンツ プレースホルダー 6">
+            <a:extLst>
+              <a:ext uri="{FF2B5EF4-FFF2-40B4-BE49-F238E27FC236}">
+                <a16:creationId xmlns:a16="http://schemas.microsoft.com/office/drawing/2014/main" id="{FCEFCEB3-916C-4EF8-93F5-8DC1AE79426C}"/>
+              </a:ext>
+            </a:extLst>
+          </p:cNvPr>
+          <p:cNvPicPr>
+            <a:picLocks noGrp="1" noChangeAspect="1"/>
+          </p:cNvPicPr>
+          <p:nvPr>
+            <p:ph idx="1"/>
+          </p:nvPr>
+        </p:nvPicPr>
+        <p:blipFill>
+          <a:blip r:embed="rId2" cstate="print">
+            <a:extLst>
+              <a:ext uri="{28A0092B-C50C-407E-A947-70E740481C1C}">
+                <a14:useLocalDpi xmlns:a14="http://schemas.microsoft.com/office/drawing/2010/main" val="0"/>
+              </a:ext>
+            </a:extLst>
+          </a:blip>
+          <a:stretch>
+            <a:fillRect/>
+          </a:stretch>
+        </p:blipFill>
+        <p:spPr>
+          <a:xfrm>
+            <a:off x="1010297" y="865042"/>
+            <a:ext cx="3238226" cy="2372526"/>
+          </a:xfrm>
+        </p:spPr>
+      </p:pic>
+      <p:sp>
+        <p:nvSpPr>
+          <p:cNvPr id="4" name="スライド番号プレースホルダー 3">
+            <a:extLst>
+              <a:ext uri="{FF2B5EF4-FFF2-40B4-BE49-F238E27FC236}">
+                <a16:creationId xmlns:a16="http://schemas.microsoft.com/office/drawing/2014/main" id="{ADA305C3-6DF1-4322-97CB-CA9153B74642}"/>
+              </a:ext>
+            </a:extLst>
+          </p:cNvPr>
+          <p:cNvSpPr>
+            <a:spLocks noGrp="1"/>
+          </p:cNvSpPr>
+          <p:nvPr>
+            <p:ph type="sldNum" sz="quarter" idx="12"/>
+          </p:nvPr>
+        </p:nvSpPr>
+        <p:spPr/>
+        <p:txBody>
+          <a:bodyPr/>
+          <a:lstStyle/>
+          <a:p>
+            <a:fld id="{310E90F2-0F65-4717-A352-08170F7BDCAA}" type="slidenum">
+              <a:rPr kumimoji="1" lang="ja-JP" altLang="en-US" smtClean="0"/>
+              <a:t>18</a:t>
+            </a:fld>
+            <a:endParaRPr kumimoji="1" lang="ja-JP" altLang="en-US" dirty="0"/>
+          </a:p>
+        </p:txBody>
+      </p:sp>
+      <p:pic>
+        <p:nvPicPr>
+          <p:cNvPr id="9" name="図 8">
+            <a:extLst>
+              <a:ext uri="{FF2B5EF4-FFF2-40B4-BE49-F238E27FC236}">
+                <a16:creationId xmlns:a16="http://schemas.microsoft.com/office/drawing/2014/main" id="{85DA686D-03AC-48D6-A9BA-B52F2A6D9D86}"/>
+              </a:ext>
+            </a:extLst>
+          </p:cNvPr>
+          <p:cNvPicPr>
+            <a:picLocks noChangeAspect="1"/>
+          </p:cNvPicPr>
+          <p:nvPr/>
+        </p:nvPicPr>
+        <p:blipFill>
+          <a:blip r:embed="rId3" cstate="print">
+            <a:extLst>
+              <a:ext uri="{28A0092B-C50C-407E-A947-70E740481C1C}">
+                <a14:useLocalDpi xmlns:a14="http://schemas.microsoft.com/office/drawing/2010/main" val="0"/>
+              </a:ext>
+            </a:extLst>
+          </a:blip>
+          <a:stretch>
+            <a:fillRect/>
+          </a:stretch>
+        </p:blipFill>
+        <p:spPr>
+          <a:xfrm>
+            <a:off x="1010297" y="3845371"/>
+            <a:ext cx="3238226" cy="2372526"/>
+          </a:xfrm>
+          <a:prstGeom prst="rect">
+            <a:avLst/>
+          </a:prstGeom>
+        </p:spPr>
+      </p:pic>
+      <p:pic>
+        <p:nvPicPr>
+          <p:cNvPr id="11" name="図 10">
+            <a:extLst>
+              <a:ext uri="{FF2B5EF4-FFF2-40B4-BE49-F238E27FC236}">
+                <a16:creationId xmlns:a16="http://schemas.microsoft.com/office/drawing/2014/main" id="{013C75EE-8785-47A3-8557-3C09D0E362C8}"/>
+              </a:ext>
+            </a:extLst>
+          </p:cNvPr>
+          <p:cNvPicPr>
+            <a:picLocks noChangeAspect="1"/>
+          </p:cNvPicPr>
+          <p:nvPr/>
+        </p:nvPicPr>
+        <p:blipFill>
+          <a:blip r:embed="rId4" cstate="print">
+            <a:extLst>
+              <a:ext uri="{28A0092B-C50C-407E-A947-70E740481C1C}">
+                <a14:useLocalDpi xmlns:a14="http://schemas.microsoft.com/office/drawing/2010/main" val="0"/>
+              </a:ext>
+            </a:extLst>
+          </a:blip>
+          <a:stretch>
+            <a:fillRect/>
+          </a:stretch>
+        </p:blipFill>
+        <p:spPr>
+          <a:xfrm>
+            <a:off x="5000899" y="865042"/>
+            <a:ext cx="3238226" cy="2372526"/>
+          </a:xfrm>
+          <a:prstGeom prst="rect">
+            <a:avLst/>
+          </a:prstGeom>
+        </p:spPr>
+      </p:pic>
+      <p:pic>
+        <p:nvPicPr>
+          <p:cNvPr id="13" name="図 12">
+            <a:extLst>
+              <a:ext uri="{FF2B5EF4-FFF2-40B4-BE49-F238E27FC236}">
+                <a16:creationId xmlns:a16="http://schemas.microsoft.com/office/drawing/2014/main" id="{3FEB77DC-8B25-4610-8B46-B9DA5F9D4CCF}"/>
+              </a:ext>
+            </a:extLst>
+          </p:cNvPr>
+          <p:cNvPicPr>
+            <a:picLocks noChangeAspect="1"/>
+          </p:cNvPicPr>
+          <p:nvPr/>
+        </p:nvPicPr>
+        <p:blipFill>
+          <a:blip r:embed="rId5" cstate="print">
+            <a:extLst>
+              <a:ext uri="{28A0092B-C50C-407E-A947-70E740481C1C}">
+                <a14:useLocalDpi xmlns:a14="http://schemas.microsoft.com/office/drawing/2010/main" val="0"/>
+              </a:ext>
+            </a:extLst>
+          </a:blip>
+          <a:stretch>
+            <a:fillRect/>
+          </a:stretch>
+        </p:blipFill>
+        <p:spPr>
+          <a:xfrm>
+            <a:off x="5000899" y="3845371"/>
+            <a:ext cx="3238226" cy="2372526"/>
+          </a:xfrm>
+          <a:prstGeom prst="rect">
+            <a:avLst/>
+          </a:prstGeom>
+        </p:spPr>
+      </p:pic>
+      <mc:AlternateContent xmlns:mc="http://schemas.openxmlformats.org/markup-compatibility/2006" xmlns:a14="http://schemas.microsoft.com/office/drawing/2010/main">
+        <mc:Choice Requires="a14">
+          <p:sp>
+            <p:nvSpPr>
+              <p:cNvPr id="14" name="テキスト ボックス 13">
+                <a:extLst>
+                  <a:ext uri="{FF2B5EF4-FFF2-40B4-BE49-F238E27FC236}">
+                    <a16:creationId xmlns:a16="http://schemas.microsoft.com/office/drawing/2014/main" id="{E40F7E13-5D14-4F41-B0EA-2C6B90C98ED8}"/>
+                  </a:ext>
+                </a:extLst>
+              </p:cNvPr>
+              <p:cNvSpPr txBox="1"/>
+              <p:nvPr/>
+            </p:nvSpPr>
+            <p:spPr>
+              <a:xfrm>
+                <a:off x="1426035" y="3177271"/>
+                <a:ext cx="2406749" cy="553998"/>
+              </a:xfrm>
+              <a:prstGeom prst="rect">
+                <a:avLst/>
+              </a:prstGeom>
+              <a:noFill/>
+            </p:spPr>
+            <p:txBody>
+              <a:bodyPr wrap="none" lIns="0" tIns="0" rIns="0" bIns="0" rtlCol="0">
+                <a:spAutoFit/>
+              </a:bodyPr>
+              <a:lstStyle/>
+              <a:p>
+                <a:pPr algn="ctr">
+                  <a:lnSpc>
+                    <a:spcPct val="150000"/>
+                  </a:lnSpc>
+                </a:pPr>
+                <a14:m>
+                  <m:oMathPara xmlns:m="http://schemas.openxmlformats.org/officeDocument/2006/math">
+                    <m:oMathParaPr>
+                      <m:jc m:val="centerGroup"/>
+                    </m:oMathParaPr>
+                    <m:oMath xmlns:m="http://schemas.openxmlformats.org/officeDocument/2006/math">
+                      <m:d>
+                        <m:dPr>
+                          <m:ctrlPr>
+                            <a:rPr lang="en-US" altLang="ja-JP" sz="2400" i="1" smtClean="0">
+                              <a:solidFill>
+                                <a:schemeClr val="tx1">
+                                  <a:lumMod val="75000"/>
+                                  <a:lumOff val="25000"/>
+                                </a:schemeClr>
+                              </a:solidFill>
+                              <a:latin typeface="Cambria Math" panose="02040503050406030204" pitchFamily="18" charset="0"/>
+                            </a:rPr>
+                          </m:ctrlPr>
+                        </m:dPr>
+                        <m:e>
+                          <m:sSub>
+                            <m:sSubPr>
+                              <m:ctrlPr>
+                                <a:rPr lang="en-US" altLang="ja-JP" sz="2400" i="1" smtClean="0">
+                                  <a:solidFill>
+                                    <a:schemeClr val="tx1">
+                                      <a:lumMod val="75000"/>
+                                      <a:lumOff val="25000"/>
+                                    </a:schemeClr>
+                                  </a:solidFill>
+                                  <a:latin typeface="Cambria Math" panose="02040503050406030204" pitchFamily="18" charset="0"/>
+                                </a:rPr>
+                              </m:ctrlPr>
+                            </m:sSubPr>
+                            <m:e>
+                              <m:r>
+                                <a:rPr lang="en-US" altLang="ja-JP" sz="2400" b="0" i="1" smtClean="0">
+                                  <a:solidFill>
+                                    <a:schemeClr val="tx1">
+                                      <a:lumMod val="75000"/>
+                                      <a:lumOff val="25000"/>
+                                    </a:schemeClr>
+                                  </a:solidFill>
+                                  <a:latin typeface="Cambria Math" panose="02040503050406030204" pitchFamily="18" charset="0"/>
+                                </a:rPr>
+                                <m:t>𝐹</m:t>
+                              </m:r>
+                            </m:e>
+                            <m:sub>
+                              <m:r>
+                                <a:rPr lang="en-US" altLang="ja-JP" sz="2400" b="0" i="1" smtClean="0">
+                                  <a:solidFill>
+                                    <a:schemeClr val="tx1">
+                                      <a:lumMod val="75000"/>
+                                      <a:lumOff val="25000"/>
+                                    </a:schemeClr>
+                                  </a:solidFill>
+                                  <a:latin typeface="Cambria Math" panose="02040503050406030204" pitchFamily="18" charset="0"/>
+                                </a:rPr>
+                                <m:t>𝐶𝑖𝑡𝑖𝑒𝑠</m:t>
+                              </m:r>
+                            </m:sub>
+                          </m:sSub>
+                          <m:r>
+                            <a:rPr lang="en-US" altLang="ja-JP" sz="2400" i="1">
+                              <a:solidFill>
+                                <a:schemeClr val="tx1">
+                                  <a:lumMod val="75000"/>
+                                  <a:lumOff val="25000"/>
+                                </a:schemeClr>
+                              </a:solidFill>
+                              <a:latin typeface="Cambria Math" panose="02040503050406030204" pitchFamily="18" charset="0"/>
+                              <a:ea typeface="Cambria Math" panose="02040503050406030204" pitchFamily="18" charset="0"/>
+                            </a:rPr>
+                            <m:t>⇒</m:t>
+                          </m:r>
+                          <m:sSub>
+                            <m:sSubPr>
+                              <m:ctrlPr>
+                                <a:rPr lang="en-US" altLang="ja-JP" sz="2400" i="1">
+                                  <a:solidFill>
+                                    <a:schemeClr val="tx1">
+                                      <a:lumMod val="75000"/>
+                                      <a:lumOff val="25000"/>
+                                    </a:schemeClr>
+                                  </a:solidFill>
+                                  <a:latin typeface="Cambria Math" panose="02040503050406030204" pitchFamily="18" charset="0"/>
+                                  <a:ea typeface="Cambria Math" panose="02040503050406030204" pitchFamily="18" charset="0"/>
+                                </a:rPr>
+                              </m:ctrlPr>
+                            </m:sSubPr>
+                            <m:e>
+                              <m:r>
+                                <a:rPr lang="en-US" altLang="ja-JP" sz="2400" i="1">
+                                  <a:solidFill>
+                                    <a:schemeClr val="tx1">
+                                      <a:lumMod val="75000"/>
+                                      <a:lumOff val="25000"/>
+                                    </a:schemeClr>
+                                  </a:solidFill>
+                                  <a:latin typeface="Cambria Math" panose="02040503050406030204" pitchFamily="18" charset="0"/>
+                                  <a:ea typeface="Cambria Math" panose="02040503050406030204" pitchFamily="18" charset="0"/>
+                                </a:rPr>
+                                <m:t>𝑅</m:t>
+                              </m:r>
+                            </m:e>
+                            <m:sub>
+                              <m:r>
+                                <a:rPr lang="en-US" altLang="ja-JP" sz="2400" b="0" i="1" smtClean="0">
+                                  <a:solidFill>
+                                    <a:schemeClr val="tx1">
+                                      <a:lumMod val="75000"/>
+                                      <a:lumOff val="25000"/>
+                                    </a:schemeClr>
+                                  </a:solidFill>
+                                  <a:latin typeface="Cambria Math" panose="02040503050406030204" pitchFamily="18" charset="0"/>
+                                  <a:ea typeface="Cambria Math" panose="02040503050406030204" pitchFamily="18" charset="0"/>
+                                </a:rPr>
+                                <m:t>𝐶𝑖𝑡𝑖𝑒𝑠</m:t>
+                              </m:r>
+                            </m:sub>
+                          </m:sSub>
+                        </m:e>
+                      </m:d>
+                    </m:oMath>
+                  </m:oMathPara>
+                </a14:m>
+                <a:endParaRPr lang="en-US" altLang="ja-JP" sz="2400" b="1" dirty="0">
+                  <a:solidFill>
+                    <a:schemeClr val="tx1">
+                      <a:lumMod val="75000"/>
+                      <a:lumOff val="25000"/>
+                    </a:schemeClr>
+                  </a:solidFill>
+                </a:endParaRPr>
+              </a:p>
+            </p:txBody>
+          </p:sp>
+        </mc:Choice>
+        <mc:Fallback xmlns="">
+          <p:sp>
+            <p:nvSpPr>
+              <p:cNvPr id="14" name="テキスト ボックス 13">
+                <a:extLst>
+                  <a:ext uri="{FF2B5EF4-FFF2-40B4-BE49-F238E27FC236}">
+                    <a16:creationId xmlns:a16="http://schemas.microsoft.com/office/drawing/2014/main" id="{E40F7E13-5D14-4F41-B0EA-2C6B90C98ED8}"/>
+                  </a:ext>
+                </a:extLst>
+              </p:cNvPr>
+              <p:cNvSpPr txBox="1">
+                <a:spLocks noRot="1" noChangeAspect="1" noMove="1" noResize="1" noEditPoints="1" noAdjustHandles="1" noChangeArrowheads="1" noChangeShapeType="1" noTextEdit="1"/>
+              </p:cNvSpPr>
+              <p:nvPr/>
+            </p:nvSpPr>
+            <p:spPr>
+              <a:xfrm>
+                <a:off x="1426035" y="3177271"/>
+                <a:ext cx="2406749" cy="553998"/>
+              </a:xfrm>
+              <a:prstGeom prst="rect">
+                <a:avLst/>
+              </a:prstGeom>
+              <a:blipFill>
+                <a:blip r:embed="rId6"/>
+                <a:stretch>
+                  <a:fillRect/>
+                </a:stretch>
+              </a:blipFill>
+            </p:spPr>
+            <p:txBody>
+              <a:bodyPr/>
+              <a:lstStyle/>
+              <a:p>
+                <a:r>
+                  <a:rPr lang="ja-JP" altLang="en-US">
+                    <a:noFill/>
+                  </a:rPr>
+                  <a:t> </a:t>
+                </a:r>
+              </a:p>
+            </p:txBody>
+          </p:sp>
+        </mc:Fallback>
+      </mc:AlternateContent>
+      <mc:AlternateContent xmlns:mc="http://schemas.openxmlformats.org/markup-compatibility/2006" xmlns:a14="http://schemas.microsoft.com/office/drawing/2010/main">
+        <mc:Choice Requires="a14">
+          <p:sp>
+            <p:nvSpPr>
+              <p:cNvPr id="15" name="テキスト ボックス 14">
+                <a:extLst>
+                  <a:ext uri="{FF2B5EF4-FFF2-40B4-BE49-F238E27FC236}">
+                    <a16:creationId xmlns:a16="http://schemas.microsoft.com/office/drawing/2014/main" id="{BEC52FBC-B1C7-4DED-ACF8-76BD7C7D151F}"/>
+                  </a:ext>
+                </a:extLst>
+              </p:cNvPr>
+              <p:cNvSpPr txBox="1"/>
+              <p:nvPr/>
+            </p:nvSpPr>
+            <p:spPr>
+              <a:xfrm>
+                <a:off x="5457352" y="3177271"/>
+                <a:ext cx="2325317" cy="553998"/>
+              </a:xfrm>
+              <a:prstGeom prst="rect">
+                <a:avLst/>
+              </a:prstGeom>
+              <a:noFill/>
+            </p:spPr>
+            <p:txBody>
+              <a:bodyPr wrap="none" lIns="0" tIns="0" rIns="0" bIns="0" rtlCol="0">
+                <a:spAutoFit/>
+              </a:bodyPr>
+              <a:lstStyle/>
+              <a:p>
+                <a:pPr algn="ctr">
+                  <a:lnSpc>
+                    <a:spcPct val="150000"/>
+                  </a:lnSpc>
+                </a:pPr>
+                <a14:m>
+                  <m:oMathPara xmlns:m="http://schemas.openxmlformats.org/officeDocument/2006/math">
+                    <m:oMathParaPr>
+                      <m:jc m:val="centerGroup"/>
+                    </m:oMathParaPr>
+                    <m:oMath xmlns:m="http://schemas.openxmlformats.org/officeDocument/2006/math">
+                      <m:d>
+                        <m:dPr>
+                          <m:ctrlPr>
+                            <a:rPr lang="en-US" altLang="ja-JP" sz="2400" i="1" smtClean="0">
+                              <a:solidFill>
+                                <a:schemeClr val="tx1">
+                                  <a:lumMod val="75000"/>
+                                  <a:lumOff val="25000"/>
+                                </a:schemeClr>
+                              </a:solidFill>
+                              <a:latin typeface="Cambria Math" panose="02040503050406030204" pitchFamily="18" charset="0"/>
+                            </a:rPr>
+                          </m:ctrlPr>
+                        </m:dPr>
+                        <m:e>
+                          <m:sSub>
+                            <m:sSubPr>
+                              <m:ctrlPr>
+                                <a:rPr lang="en-US" altLang="ja-JP" sz="2400" i="1" smtClean="0">
+                                  <a:solidFill>
+                                    <a:schemeClr val="tx1">
+                                      <a:lumMod val="75000"/>
+                                      <a:lumOff val="25000"/>
+                                    </a:schemeClr>
+                                  </a:solidFill>
+                                  <a:latin typeface="Cambria Math" panose="02040503050406030204" pitchFamily="18" charset="0"/>
+                                </a:rPr>
+                              </m:ctrlPr>
+                            </m:sSubPr>
+                            <m:e>
+                              <m:r>
+                                <a:rPr lang="en-US" altLang="ja-JP" sz="2400" b="0" i="1" smtClean="0">
+                                  <a:solidFill>
+                                    <a:schemeClr val="tx1">
+                                      <a:lumMod val="75000"/>
+                                      <a:lumOff val="25000"/>
+                                    </a:schemeClr>
+                                  </a:solidFill>
+                                  <a:latin typeface="Cambria Math" panose="02040503050406030204" pitchFamily="18" charset="0"/>
+                                </a:rPr>
+                                <m:t>𝐹</m:t>
+                              </m:r>
+                            </m:e>
+                            <m:sub>
+                              <m:r>
+                                <a:rPr lang="en-US" altLang="ja-JP" sz="2400" b="0" i="1" smtClean="0">
+                                  <a:solidFill>
+                                    <a:schemeClr val="tx1">
+                                      <a:lumMod val="75000"/>
+                                      <a:lumOff val="25000"/>
+                                    </a:schemeClr>
+                                  </a:solidFill>
+                                  <a:latin typeface="Cambria Math" panose="02040503050406030204" pitchFamily="18" charset="0"/>
+                                </a:rPr>
+                                <m:t>𝐶𝑖𝑡𝑖𝑒𝑠</m:t>
+                              </m:r>
+                            </m:sub>
+                          </m:sSub>
+                          <m:r>
+                            <a:rPr lang="en-US" altLang="ja-JP" sz="2400" i="1">
+                              <a:solidFill>
+                                <a:schemeClr val="tx1">
+                                  <a:lumMod val="75000"/>
+                                  <a:lumOff val="25000"/>
+                                </a:schemeClr>
+                              </a:solidFill>
+                              <a:latin typeface="Cambria Math" panose="02040503050406030204" pitchFamily="18" charset="0"/>
+                              <a:ea typeface="Cambria Math" panose="02040503050406030204" pitchFamily="18" charset="0"/>
+                            </a:rPr>
+                            <m:t>⇒</m:t>
+                          </m:r>
+                          <m:sSub>
+                            <m:sSubPr>
+                              <m:ctrlPr>
+                                <a:rPr lang="en-US" altLang="ja-JP" sz="2400" i="1">
+                                  <a:solidFill>
+                                    <a:schemeClr val="tx1">
+                                      <a:lumMod val="75000"/>
+                                      <a:lumOff val="25000"/>
+                                    </a:schemeClr>
+                                  </a:solidFill>
+                                  <a:latin typeface="Cambria Math" panose="02040503050406030204" pitchFamily="18" charset="0"/>
+                                  <a:ea typeface="Cambria Math" panose="02040503050406030204" pitchFamily="18" charset="0"/>
+                                </a:rPr>
+                              </m:ctrlPr>
+                            </m:sSubPr>
+                            <m:e>
+                              <m:r>
+                                <a:rPr lang="en-US" altLang="ja-JP" sz="2400" i="1">
+                                  <a:solidFill>
+                                    <a:schemeClr val="tx1">
+                                      <a:lumMod val="75000"/>
+                                      <a:lumOff val="25000"/>
+                                    </a:schemeClr>
+                                  </a:solidFill>
+                                  <a:latin typeface="Cambria Math" panose="02040503050406030204" pitchFamily="18" charset="0"/>
+                                  <a:ea typeface="Cambria Math" panose="02040503050406030204" pitchFamily="18" charset="0"/>
+                                </a:rPr>
+                                <m:t>𝑅</m:t>
+                              </m:r>
+                            </m:e>
+                            <m:sub>
+                              <m:r>
+                                <a:rPr lang="en-US" altLang="ja-JP" sz="2400" b="0" i="1" smtClean="0">
+                                  <a:solidFill>
+                                    <a:schemeClr val="tx1">
+                                      <a:lumMod val="75000"/>
+                                      <a:lumOff val="25000"/>
+                                    </a:schemeClr>
+                                  </a:solidFill>
+                                  <a:latin typeface="Cambria Math" panose="02040503050406030204" pitchFamily="18" charset="0"/>
+                                  <a:ea typeface="Cambria Math" panose="02040503050406030204" pitchFamily="18" charset="0"/>
+                                </a:rPr>
+                                <m:t>𝐸𝑢𝑟𝑜</m:t>
+                              </m:r>
+                            </m:sub>
+                          </m:sSub>
+                        </m:e>
+                      </m:d>
+                    </m:oMath>
+                  </m:oMathPara>
+                </a14:m>
+                <a:endParaRPr lang="en-US" altLang="ja-JP" sz="2400" b="1" dirty="0">
+                  <a:solidFill>
+                    <a:schemeClr val="tx1">
+                      <a:lumMod val="75000"/>
+                      <a:lumOff val="25000"/>
+                    </a:schemeClr>
+                  </a:solidFill>
+                </a:endParaRPr>
+              </a:p>
+            </p:txBody>
+          </p:sp>
+        </mc:Choice>
+        <mc:Fallback xmlns="">
+          <p:sp>
+            <p:nvSpPr>
+              <p:cNvPr id="15" name="テキスト ボックス 14">
+                <a:extLst>
+                  <a:ext uri="{FF2B5EF4-FFF2-40B4-BE49-F238E27FC236}">
+                    <a16:creationId xmlns:a16="http://schemas.microsoft.com/office/drawing/2014/main" id="{BEC52FBC-B1C7-4DED-ACF8-76BD7C7D151F}"/>
+                  </a:ext>
+                </a:extLst>
+              </p:cNvPr>
+              <p:cNvSpPr txBox="1">
+                <a:spLocks noRot="1" noChangeAspect="1" noMove="1" noResize="1" noEditPoints="1" noAdjustHandles="1" noChangeArrowheads="1" noChangeShapeType="1" noTextEdit="1"/>
+              </p:cNvSpPr>
+              <p:nvPr/>
+            </p:nvSpPr>
+            <p:spPr>
+              <a:xfrm>
+                <a:off x="5457352" y="3177271"/>
+                <a:ext cx="2325317" cy="553998"/>
+              </a:xfrm>
+              <a:prstGeom prst="rect">
+                <a:avLst/>
+              </a:prstGeom>
+              <a:blipFill>
+                <a:blip r:embed="rId7"/>
+                <a:stretch>
+                  <a:fillRect/>
+                </a:stretch>
+              </a:blipFill>
+            </p:spPr>
+            <p:txBody>
+              <a:bodyPr/>
+              <a:lstStyle/>
+              <a:p>
+                <a:r>
+                  <a:rPr lang="ja-JP" altLang="en-US">
+                    <a:noFill/>
+                  </a:rPr>
+                  <a:t> </a:t>
+                </a:r>
+              </a:p>
+            </p:txBody>
+          </p:sp>
+        </mc:Fallback>
+      </mc:AlternateContent>
+      <mc:AlternateContent xmlns:mc="http://schemas.openxmlformats.org/markup-compatibility/2006" xmlns:a14="http://schemas.microsoft.com/office/drawing/2010/main">
+        <mc:Choice Requires="a14">
+          <p:sp>
+            <p:nvSpPr>
+              <p:cNvPr id="16" name="テキスト ボックス 15">
+                <a:extLst>
+                  <a:ext uri="{FF2B5EF4-FFF2-40B4-BE49-F238E27FC236}">
+                    <a16:creationId xmlns:a16="http://schemas.microsoft.com/office/drawing/2014/main" id="{47F3D8A7-CC70-41A1-A911-44D633917A3B}"/>
+                  </a:ext>
+                </a:extLst>
+              </p:cNvPr>
+              <p:cNvSpPr txBox="1"/>
+              <p:nvPr/>
+            </p:nvSpPr>
+            <p:spPr>
+              <a:xfrm>
+                <a:off x="1507466" y="6182775"/>
+                <a:ext cx="2243884" cy="553998"/>
+              </a:xfrm>
+              <a:prstGeom prst="rect">
+                <a:avLst/>
+              </a:prstGeom>
+              <a:noFill/>
+            </p:spPr>
+            <p:txBody>
+              <a:bodyPr wrap="none" lIns="0" tIns="0" rIns="0" bIns="0" rtlCol="0">
+                <a:spAutoFit/>
+              </a:bodyPr>
+              <a:lstStyle/>
+              <a:p>
+                <a:pPr algn="ctr">
+                  <a:lnSpc>
+                    <a:spcPct val="150000"/>
+                  </a:lnSpc>
+                </a:pPr>
+                <a14:m>
+                  <m:oMathPara xmlns:m="http://schemas.openxmlformats.org/officeDocument/2006/math">
+                    <m:oMathParaPr>
+                      <m:jc m:val="centerGroup"/>
+                    </m:oMathParaPr>
+                    <m:oMath xmlns:m="http://schemas.openxmlformats.org/officeDocument/2006/math">
+                      <m:d>
+                        <m:dPr>
+                          <m:ctrlPr>
+                            <a:rPr lang="en-US" altLang="ja-JP" sz="2400" i="1" smtClean="0">
+                              <a:solidFill>
+                                <a:schemeClr val="tx1">
+                                  <a:lumMod val="75000"/>
+                                  <a:lumOff val="25000"/>
+                                </a:schemeClr>
+                              </a:solidFill>
+                              <a:latin typeface="Cambria Math" panose="02040503050406030204" pitchFamily="18" charset="0"/>
+                            </a:rPr>
+                          </m:ctrlPr>
+                        </m:dPr>
+                        <m:e>
+                          <m:sSub>
+                            <m:sSubPr>
+                              <m:ctrlPr>
+                                <a:rPr lang="en-US" altLang="ja-JP" sz="2400" i="1" smtClean="0">
+                                  <a:solidFill>
+                                    <a:schemeClr val="tx1">
+                                      <a:lumMod val="75000"/>
+                                      <a:lumOff val="25000"/>
+                                    </a:schemeClr>
+                                  </a:solidFill>
+                                  <a:latin typeface="Cambria Math" panose="02040503050406030204" pitchFamily="18" charset="0"/>
+                                </a:rPr>
+                              </m:ctrlPr>
+                            </m:sSubPr>
+                            <m:e>
+                              <m:r>
+                                <a:rPr lang="en-US" altLang="ja-JP" sz="2400" b="0" i="1" smtClean="0">
+                                  <a:solidFill>
+                                    <a:schemeClr val="tx1">
+                                      <a:lumMod val="75000"/>
+                                      <a:lumOff val="25000"/>
+                                    </a:schemeClr>
+                                  </a:solidFill>
+                                  <a:latin typeface="Cambria Math" panose="02040503050406030204" pitchFamily="18" charset="0"/>
+                                </a:rPr>
+                                <m:t>𝐹</m:t>
+                              </m:r>
+                            </m:e>
+                            <m:sub>
+                              <m:r>
+                                <a:rPr lang="en-US" altLang="ja-JP" sz="2400" b="0" i="1" smtClean="0">
+                                  <a:solidFill>
+                                    <a:schemeClr val="tx1">
+                                      <a:lumMod val="75000"/>
+                                      <a:lumOff val="25000"/>
+                                    </a:schemeClr>
+                                  </a:solidFill>
+                                  <a:latin typeface="Cambria Math" panose="02040503050406030204" pitchFamily="18" charset="0"/>
+                                </a:rPr>
+                                <m:t>𝐸𝑢𝑟𝑜</m:t>
+                              </m:r>
+                            </m:sub>
+                          </m:sSub>
+                          <m:r>
+                            <a:rPr lang="en-US" altLang="ja-JP" sz="2400" i="1">
+                              <a:solidFill>
+                                <a:schemeClr val="tx1">
+                                  <a:lumMod val="75000"/>
+                                  <a:lumOff val="25000"/>
+                                </a:schemeClr>
+                              </a:solidFill>
+                              <a:latin typeface="Cambria Math" panose="02040503050406030204" pitchFamily="18" charset="0"/>
+                              <a:ea typeface="Cambria Math" panose="02040503050406030204" pitchFamily="18" charset="0"/>
+                            </a:rPr>
+                            <m:t>⇒</m:t>
+                          </m:r>
+                          <m:sSub>
+                            <m:sSubPr>
+                              <m:ctrlPr>
+                                <a:rPr lang="en-US" altLang="ja-JP" sz="2400" i="1">
+                                  <a:solidFill>
+                                    <a:schemeClr val="tx1">
+                                      <a:lumMod val="75000"/>
+                                      <a:lumOff val="25000"/>
+                                    </a:schemeClr>
+                                  </a:solidFill>
+                                  <a:latin typeface="Cambria Math" panose="02040503050406030204" pitchFamily="18" charset="0"/>
+                                  <a:ea typeface="Cambria Math" panose="02040503050406030204" pitchFamily="18" charset="0"/>
+                                </a:rPr>
+                              </m:ctrlPr>
+                            </m:sSubPr>
+                            <m:e>
+                              <m:r>
+                                <a:rPr lang="en-US" altLang="ja-JP" sz="2400" i="1">
+                                  <a:solidFill>
+                                    <a:schemeClr val="tx1">
+                                      <a:lumMod val="75000"/>
+                                      <a:lumOff val="25000"/>
+                                    </a:schemeClr>
+                                  </a:solidFill>
+                                  <a:latin typeface="Cambria Math" panose="02040503050406030204" pitchFamily="18" charset="0"/>
+                                  <a:ea typeface="Cambria Math" panose="02040503050406030204" pitchFamily="18" charset="0"/>
+                                </a:rPr>
+                                <m:t>𝑅</m:t>
+                              </m:r>
+                            </m:e>
+                            <m:sub>
+                              <m:r>
+                                <a:rPr lang="en-US" altLang="ja-JP" sz="2400" b="0" i="1" smtClean="0">
+                                  <a:solidFill>
+                                    <a:schemeClr val="tx1">
+                                      <a:lumMod val="75000"/>
+                                      <a:lumOff val="25000"/>
+                                    </a:schemeClr>
+                                  </a:solidFill>
+                                  <a:latin typeface="Cambria Math" panose="02040503050406030204" pitchFamily="18" charset="0"/>
+                                  <a:ea typeface="Cambria Math" panose="02040503050406030204" pitchFamily="18" charset="0"/>
+                                </a:rPr>
+                                <m:t>𝐸𝑢𝑟𝑜</m:t>
+                              </m:r>
+                            </m:sub>
+                          </m:sSub>
+                        </m:e>
+                      </m:d>
+                    </m:oMath>
+                  </m:oMathPara>
+                </a14:m>
+                <a:endParaRPr lang="en-US" altLang="ja-JP" sz="2400" b="1" dirty="0">
+                  <a:solidFill>
+                    <a:schemeClr val="tx1">
+                      <a:lumMod val="75000"/>
+                      <a:lumOff val="25000"/>
+                    </a:schemeClr>
+                  </a:solidFill>
+                </a:endParaRPr>
+              </a:p>
+            </p:txBody>
+          </p:sp>
+        </mc:Choice>
+        <mc:Fallback xmlns="">
+          <p:sp>
+            <p:nvSpPr>
+              <p:cNvPr id="16" name="テキスト ボックス 15">
+                <a:extLst>
+                  <a:ext uri="{FF2B5EF4-FFF2-40B4-BE49-F238E27FC236}">
+                    <a16:creationId xmlns:a16="http://schemas.microsoft.com/office/drawing/2014/main" id="{47F3D8A7-CC70-41A1-A911-44D633917A3B}"/>
+                  </a:ext>
+                </a:extLst>
+              </p:cNvPr>
+              <p:cNvSpPr txBox="1">
+                <a:spLocks noRot="1" noChangeAspect="1" noMove="1" noResize="1" noEditPoints="1" noAdjustHandles="1" noChangeArrowheads="1" noChangeShapeType="1" noTextEdit="1"/>
+              </p:cNvSpPr>
+              <p:nvPr/>
+            </p:nvSpPr>
+            <p:spPr>
+              <a:xfrm>
+                <a:off x="1507466" y="6182775"/>
+                <a:ext cx="2243884" cy="553998"/>
+              </a:xfrm>
+              <a:prstGeom prst="rect">
+                <a:avLst/>
+              </a:prstGeom>
+              <a:blipFill>
+                <a:blip r:embed="rId8"/>
+                <a:stretch>
+                  <a:fillRect/>
+                </a:stretch>
+              </a:blipFill>
+            </p:spPr>
+            <p:txBody>
+              <a:bodyPr/>
+              <a:lstStyle/>
+              <a:p>
+                <a:r>
+                  <a:rPr lang="ja-JP" altLang="en-US">
+                    <a:noFill/>
+                  </a:rPr>
+                  <a:t> </a:t>
+                </a:r>
+              </a:p>
+            </p:txBody>
+          </p:sp>
+        </mc:Fallback>
+      </mc:AlternateContent>
+      <mc:AlternateContent xmlns:mc="http://schemas.openxmlformats.org/markup-compatibility/2006" xmlns:a14="http://schemas.microsoft.com/office/drawing/2010/main">
+        <mc:Choice Requires="a14">
+          <p:sp>
+            <p:nvSpPr>
+              <p:cNvPr id="17" name="テキスト ボックス 16">
+                <a:extLst>
+                  <a:ext uri="{FF2B5EF4-FFF2-40B4-BE49-F238E27FC236}">
+                    <a16:creationId xmlns:a16="http://schemas.microsoft.com/office/drawing/2014/main" id="{84822598-3A19-4B8B-A5A9-7DD2816D925D}"/>
+                  </a:ext>
+                </a:extLst>
+              </p:cNvPr>
+              <p:cNvSpPr txBox="1"/>
+              <p:nvPr/>
+            </p:nvSpPr>
+            <p:spPr>
+              <a:xfrm>
+                <a:off x="5371632" y="6152271"/>
+                <a:ext cx="2325316" cy="553998"/>
+              </a:xfrm>
+              <a:prstGeom prst="rect">
+                <a:avLst/>
+              </a:prstGeom>
+              <a:noFill/>
+            </p:spPr>
+            <p:txBody>
+              <a:bodyPr wrap="none" lIns="0" tIns="0" rIns="0" bIns="0" rtlCol="0">
+                <a:spAutoFit/>
+              </a:bodyPr>
+              <a:lstStyle/>
+              <a:p>
+                <a:pPr algn="ctr">
+                  <a:lnSpc>
+                    <a:spcPct val="150000"/>
+                  </a:lnSpc>
+                </a:pPr>
+                <a14:m>
+                  <m:oMathPara xmlns:m="http://schemas.openxmlformats.org/officeDocument/2006/math">
+                    <m:oMathParaPr>
+                      <m:jc m:val="centerGroup"/>
+                    </m:oMathParaPr>
+                    <m:oMath xmlns:m="http://schemas.openxmlformats.org/officeDocument/2006/math">
+                      <m:d>
+                        <m:dPr>
+                          <m:ctrlPr>
+                            <a:rPr lang="en-US" altLang="ja-JP" sz="2400" i="1" smtClean="0">
+                              <a:solidFill>
+                                <a:schemeClr val="tx1">
+                                  <a:lumMod val="75000"/>
+                                  <a:lumOff val="25000"/>
+                                </a:schemeClr>
+                              </a:solidFill>
+                              <a:latin typeface="Cambria Math" panose="02040503050406030204" pitchFamily="18" charset="0"/>
+                            </a:rPr>
+                          </m:ctrlPr>
+                        </m:dPr>
+                        <m:e>
+                          <m:sSub>
+                            <m:sSubPr>
+                              <m:ctrlPr>
+                                <a:rPr lang="en-US" altLang="ja-JP" sz="2400" i="1" smtClean="0">
+                                  <a:solidFill>
+                                    <a:schemeClr val="tx1">
+                                      <a:lumMod val="75000"/>
+                                      <a:lumOff val="25000"/>
+                                    </a:schemeClr>
+                                  </a:solidFill>
+                                  <a:latin typeface="Cambria Math" panose="02040503050406030204" pitchFamily="18" charset="0"/>
+                                </a:rPr>
+                              </m:ctrlPr>
+                            </m:sSubPr>
+                            <m:e>
+                              <m:r>
+                                <a:rPr lang="en-US" altLang="ja-JP" sz="2400" b="0" i="1" smtClean="0">
+                                  <a:solidFill>
+                                    <a:schemeClr val="tx1">
+                                      <a:lumMod val="75000"/>
+                                      <a:lumOff val="25000"/>
+                                    </a:schemeClr>
+                                  </a:solidFill>
+                                  <a:latin typeface="Cambria Math" panose="02040503050406030204" pitchFamily="18" charset="0"/>
+                                </a:rPr>
+                                <m:t>𝐹</m:t>
+                              </m:r>
+                            </m:e>
+                            <m:sub>
+                              <m:r>
+                                <a:rPr lang="en-US" altLang="ja-JP" sz="2400" b="0" i="1" smtClean="0">
+                                  <a:solidFill>
+                                    <a:schemeClr val="tx1">
+                                      <a:lumMod val="75000"/>
+                                      <a:lumOff val="25000"/>
+                                    </a:schemeClr>
+                                  </a:solidFill>
+                                  <a:latin typeface="Cambria Math" panose="02040503050406030204" pitchFamily="18" charset="0"/>
+                                </a:rPr>
+                                <m:t>𝐸𝑢𝑟𝑜</m:t>
+                              </m:r>
+                            </m:sub>
+                          </m:sSub>
+                          <m:r>
+                            <a:rPr lang="en-US" altLang="ja-JP" sz="2400" i="1">
+                              <a:solidFill>
+                                <a:schemeClr val="tx1">
+                                  <a:lumMod val="75000"/>
+                                  <a:lumOff val="25000"/>
+                                </a:schemeClr>
+                              </a:solidFill>
+                              <a:latin typeface="Cambria Math" panose="02040503050406030204" pitchFamily="18" charset="0"/>
+                              <a:ea typeface="Cambria Math" panose="02040503050406030204" pitchFamily="18" charset="0"/>
+                            </a:rPr>
+                            <m:t>⇒</m:t>
+                          </m:r>
+                          <m:sSub>
+                            <m:sSubPr>
+                              <m:ctrlPr>
+                                <a:rPr lang="en-US" altLang="ja-JP" sz="2400" i="1">
+                                  <a:solidFill>
+                                    <a:schemeClr val="tx1">
+                                      <a:lumMod val="75000"/>
+                                      <a:lumOff val="25000"/>
+                                    </a:schemeClr>
+                                  </a:solidFill>
+                                  <a:latin typeface="Cambria Math" panose="02040503050406030204" pitchFamily="18" charset="0"/>
+                                  <a:ea typeface="Cambria Math" panose="02040503050406030204" pitchFamily="18" charset="0"/>
+                                </a:rPr>
+                              </m:ctrlPr>
+                            </m:sSubPr>
+                            <m:e>
+                              <m:r>
+                                <a:rPr lang="en-US" altLang="ja-JP" sz="2400" i="1">
+                                  <a:solidFill>
+                                    <a:schemeClr val="tx1">
+                                      <a:lumMod val="75000"/>
+                                      <a:lumOff val="25000"/>
+                                    </a:schemeClr>
+                                  </a:solidFill>
+                                  <a:latin typeface="Cambria Math" panose="02040503050406030204" pitchFamily="18" charset="0"/>
+                                  <a:ea typeface="Cambria Math" panose="02040503050406030204" pitchFamily="18" charset="0"/>
+                                </a:rPr>
+                                <m:t>𝑅</m:t>
+                              </m:r>
+                            </m:e>
+                            <m:sub>
+                              <m:r>
+                                <a:rPr lang="en-US" altLang="ja-JP" sz="2400" b="0" i="1" smtClean="0">
+                                  <a:solidFill>
+                                    <a:schemeClr val="tx1">
+                                      <a:lumMod val="75000"/>
+                                      <a:lumOff val="25000"/>
+                                    </a:schemeClr>
+                                  </a:solidFill>
+                                  <a:latin typeface="Cambria Math" panose="02040503050406030204" pitchFamily="18" charset="0"/>
+                                  <a:ea typeface="Cambria Math" panose="02040503050406030204" pitchFamily="18" charset="0"/>
+                                </a:rPr>
+                                <m:t>𝐶𝑖𝑡𝑖𝑒𝑠</m:t>
+                              </m:r>
+                            </m:sub>
+                          </m:sSub>
+                        </m:e>
+                      </m:d>
+                    </m:oMath>
+                  </m:oMathPara>
+                </a14:m>
+                <a:endParaRPr lang="en-US" altLang="ja-JP" sz="2400" b="1" dirty="0">
+                  <a:solidFill>
+                    <a:schemeClr val="tx1">
+                      <a:lumMod val="75000"/>
+                      <a:lumOff val="25000"/>
+                    </a:schemeClr>
+                  </a:solidFill>
+                </a:endParaRPr>
+              </a:p>
+            </p:txBody>
+          </p:sp>
+        </mc:Choice>
+        <mc:Fallback xmlns="">
+          <p:sp>
+            <p:nvSpPr>
+              <p:cNvPr id="17" name="テキスト ボックス 16">
+                <a:extLst>
+                  <a:ext uri="{FF2B5EF4-FFF2-40B4-BE49-F238E27FC236}">
+                    <a16:creationId xmlns:a16="http://schemas.microsoft.com/office/drawing/2014/main" id="{84822598-3A19-4B8B-A5A9-7DD2816D925D}"/>
+                  </a:ext>
+                </a:extLst>
+              </p:cNvPr>
+              <p:cNvSpPr txBox="1">
+                <a:spLocks noRot="1" noChangeAspect="1" noMove="1" noResize="1" noEditPoints="1" noAdjustHandles="1" noChangeArrowheads="1" noChangeShapeType="1" noTextEdit="1"/>
+              </p:cNvSpPr>
+              <p:nvPr/>
+            </p:nvSpPr>
+            <p:spPr>
+              <a:xfrm>
+                <a:off x="5371632" y="6152271"/>
+                <a:ext cx="2325316" cy="553998"/>
+              </a:xfrm>
+              <a:prstGeom prst="rect">
+                <a:avLst/>
+              </a:prstGeom>
+              <a:blipFill>
+                <a:blip r:embed="rId9"/>
+                <a:stretch>
+                  <a:fillRect/>
+                </a:stretch>
+              </a:blipFill>
+            </p:spPr>
+            <p:txBody>
+              <a:bodyPr/>
+              <a:lstStyle/>
+              <a:p>
+                <a:r>
+                  <a:rPr lang="ja-JP" altLang="en-US">
+                    <a:noFill/>
+                  </a:rPr>
+                  <a:t> </a:t>
+                </a:r>
+              </a:p>
+            </p:txBody>
+          </p:sp>
+        </mc:Fallback>
+      </mc:AlternateContent>
+      <p:sp>
+        <p:nvSpPr>
+          <p:cNvPr id="20" name="タイトル 1">
+            <a:extLst>
+              <a:ext uri="{FF2B5EF4-FFF2-40B4-BE49-F238E27FC236}">
+                <a16:creationId xmlns:a16="http://schemas.microsoft.com/office/drawing/2014/main" id="{5799F2EB-D7B4-4185-816C-DAC548F72FA8}"/>
+              </a:ext>
+            </a:extLst>
+          </p:cNvPr>
+          <p:cNvSpPr txBox="1">
+            <a:spLocks/>
+          </p:cNvSpPr>
+          <p:nvPr/>
+        </p:nvSpPr>
+        <p:spPr>
+          <a:xfrm>
+            <a:off x="4248522" y="101508"/>
+            <a:ext cx="4266827" cy="637309"/>
+          </a:xfrm>
+          <a:prstGeom prst="rect">
+            <a:avLst/>
+          </a:prstGeom>
+        </p:spPr>
+        <p:txBody>
+          <a:bodyPr vert="horz" lIns="91440" tIns="45720" rIns="91440" bIns="45720" rtlCol="0" anchor="ctr">
+            <a:normAutofit fontScale="97500" lnSpcReduction="10000"/>
+          </a:bodyPr>
+          <a:lstStyle>
+            <a:lvl1pPr algn="l" defTabSz="685800" rtl="0" eaLnBrk="1" latinLnBrk="0" hangingPunct="1">
+              <a:lnSpc>
+                <a:spcPct val="90000"/>
+              </a:lnSpc>
+              <a:spcBef>
+                <a:spcPct val="0"/>
+              </a:spcBef>
+              <a:buNone/>
+              <a:defRPr kumimoji="1" sz="4400" b="1" kern="1200">
+                <a:solidFill>
+                  <a:schemeClr val="bg1"/>
+                </a:solidFill>
+                <a:latin typeface="+mn-ea"/>
+                <a:ea typeface="+mn-ea"/>
+                <a:cs typeface="+mj-cs"/>
+              </a:defRPr>
+            </a:lvl1pPr>
+          </a:lstStyle>
+          <a:p>
+            <a:r>
+              <a:rPr lang="ja-JP" altLang="en-US" sz="2000" dirty="0"/>
+              <a:t>フォーラムを持たないアプリにも</a:t>
+            </a:r>
+            <a:br>
+              <a:rPr lang="en-US" altLang="ja-JP" sz="2000" dirty="0"/>
+            </a:br>
+            <a:r>
+              <a:rPr lang="ja-JP" altLang="en-US" sz="2000" dirty="0"/>
+              <a:t>提案手法を適用可能か？</a:t>
+            </a:r>
+          </a:p>
+        </p:txBody>
+      </p:sp>
+      <p:sp>
+        <p:nvSpPr>
+          <p:cNvPr id="22" name="四角形: 角を丸くする 21">
+            <a:extLst>
+              <a:ext uri="{FF2B5EF4-FFF2-40B4-BE49-F238E27FC236}">
+                <a16:creationId xmlns:a16="http://schemas.microsoft.com/office/drawing/2014/main" id="{5CBDF688-16A2-45E5-8E12-16D2A7535F3F}"/>
+              </a:ext>
+            </a:extLst>
+          </p:cNvPr>
+          <p:cNvSpPr/>
+          <p:nvPr/>
+        </p:nvSpPr>
+        <p:spPr>
+          <a:xfrm>
+            <a:off x="6428464" y="2288381"/>
+            <a:ext cx="1736396" cy="553998"/>
+          </a:xfrm>
+          <a:prstGeom prst="roundRect">
+            <a:avLst>
+              <a:gd name="adj" fmla="val 7145"/>
+            </a:avLst>
+          </a:prstGeom>
+          <a:noFill/>
+          <a:ln w="19050">
+            <a:solidFill>
+              <a:srgbClr val="089CA3"/>
+            </a:solidFill>
+          </a:ln>
+        </p:spPr>
+        <p:style>
+          <a:lnRef idx="2">
+            <a:schemeClr val="accent1">
+              <a:shade val="50000"/>
+            </a:schemeClr>
+          </a:lnRef>
+          <a:fillRef idx="1">
+            <a:schemeClr val="accent1"/>
+          </a:fillRef>
+          <a:effectRef idx="0">
+            <a:schemeClr val="accent1"/>
+          </a:effectRef>
+          <a:fontRef idx="minor">
+            <a:schemeClr val="lt1"/>
+          </a:fontRef>
+        </p:style>
+        <p:txBody>
+          <a:bodyPr rtlCol="0" anchor="ctr"/>
+          <a:lstStyle/>
+          <a:p>
+            <a:pPr algn="ctr"/>
+            <a:endParaRPr kumimoji="1" lang="ja-JP" altLang="en-US"/>
+          </a:p>
+        </p:txBody>
+      </p:sp>
+      <p:sp>
+        <p:nvSpPr>
+          <p:cNvPr id="23" name="四角形: 角を丸くする 22">
+            <a:extLst>
+              <a:ext uri="{FF2B5EF4-FFF2-40B4-BE49-F238E27FC236}">
+                <a16:creationId xmlns:a16="http://schemas.microsoft.com/office/drawing/2014/main" id="{A9140662-BB57-4118-934E-0015EFC0175E}"/>
+              </a:ext>
+            </a:extLst>
+          </p:cNvPr>
+          <p:cNvSpPr/>
+          <p:nvPr/>
+        </p:nvSpPr>
+        <p:spPr>
+          <a:xfrm>
+            <a:off x="2444263" y="2289746"/>
+            <a:ext cx="1736396" cy="553998"/>
+          </a:xfrm>
+          <a:prstGeom prst="roundRect">
+            <a:avLst>
+              <a:gd name="adj" fmla="val 7145"/>
+            </a:avLst>
+          </a:prstGeom>
+          <a:noFill/>
+          <a:ln w="19050">
+            <a:solidFill>
+              <a:srgbClr val="089CA3"/>
+            </a:solidFill>
+          </a:ln>
+        </p:spPr>
+        <p:style>
+          <a:lnRef idx="2">
+            <a:schemeClr val="accent1">
+              <a:shade val="50000"/>
+            </a:schemeClr>
+          </a:lnRef>
+          <a:fillRef idx="1">
+            <a:schemeClr val="accent1"/>
+          </a:fillRef>
+          <a:effectRef idx="0">
+            <a:schemeClr val="accent1"/>
+          </a:effectRef>
+          <a:fontRef idx="minor">
+            <a:schemeClr val="lt1"/>
+          </a:fontRef>
+        </p:style>
+        <p:txBody>
+          <a:bodyPr rtlCol="0" anchor="ctr"/>
+          <a:lstStyle/>
+          <a:p>
+            <a:pPr algn="ctr"/>
+            <a:endParaRPr kumimoji="1" lang="ja-JP" altLang="en-US"/>
+          </a:p>
+        </p:txBody>
+      </p:sp>
+      <p:sp>
+        <p:nvSpPr>
+          <p:cNvPr id="24" name="四角形: 角を丸くする 23">
+            <a:extLst>
+              <a:ext uri="{FF2B5EF4-FFF2-40B4-BE49-F238E27FC236}">
+                <a16:creationId xmlns:a16="http://schemas.microsoft.com/office/drawing/2014/main" id="{4A57B5CC-8C90-4AE3-B0C7-57E17E59FBC0}"/>
+              </a:ext>
+            </a:extLst>
+          </p:cNvPr>
+          <p:cNvSpPr/>
+          <p:nvPr/>
+        </p:nvSpPr>
+        <p:spPr>
+          <a:xfrm>
+            <a:off x="6428464" y="5262858"/>
+            <a:ext cx="1736396" cy="553998"/>
+          </a:xfrm>
+          <a:prstGeom prst="roundRect">
+            <a:avLst>
+              <a:gd name="adj" fmla="val 7145"/>
+            </a:avLst>
+          </a:prstGeom>
+          <a:noFill/>
+          <a:ln w="19050">
+            <a:solidFill>
+              <a:srgbClr val="089CA3"/>
+            </a:solidFill>
+          </a:ln>
+        </p:spPr>
+        <p:style>
+          <a:lnRef idx="2">
+            <a:schemeClr val="accent1">
+              <a:shade val="50000"/>
+            </a:schemeClr>
+          </a:lnRef>
+          <a:fillRef idx="1">
+            <a:schemeClr val="accent1"/>
+          </a:fillRef>
+          <a:effectRef idx="0">
+            <a:schemeClr val="accent1"/>
+          </a:effectRef>
+          <a:fontRef idx="minor">
+            <a:schemeClr val="lt1"/>
+          </a:fontRef>
+        </p:style>
+        <p:txBody>
+          <a:bodyPr rtlCol="0" anchor="ctr"/>
+          <a:lstStyle/>
+          <a:p>
+            <a:pPr algn="ctr"/>
+            <a:endParaRPr kumimoji="1" lang="ja-JP" altLang="en-US"/>
+          </a:p>
+        </p:txBody>
+      </p:sp>
+      <p:sp>
+        <p:nvSpPr>
+          <p:cNvPr id="25" name="四角形: 角を丸くする 24">
+            <a:extLst>
+              <a:ext uri="{FF2B5EF4-FFF2-40B4-BE49-F238E27FC236}">
+                <a16:creationId xmlns:a16="http://schemas.microsoft.com/office/drawing/2014/main" id="{94E0E3BF-F9FD-4EC1-B260-2B48F1ABE5DC}"/>
+              </a:ext>
+            </a:extLst>
+          </p:cNvPr>
+          <p:cNvSpPr/>
+          <p:nvPr/>
+        </p:nvSpPr>
+        <p:spPr>
+          <a:xfrm>
+            <a:off x="2444263" y="5264223"/>
+            <a:ext cx="1736396" cy="553998"/>
+          </a:xfrm>
+          <a:prstGeom prst="roundRect">
+            <a:avLst>
+              <a:gd name="adj" fmla="val 7145"/>
+            </a:avLst>
+          </a:prstGeom>
+          <a:noFill/>
+          <a:ln w="19050">
+            <a:solidFill>
+              <a:srgbClr val="089CA3"/>
+            </a:solidFill>
+          </a:ln>
+        </p:spPr>
+        <p:style>
+          <a:lnRef idx="2">
+            <a:schemeClr val="accent1">
+              <a:shade val="50000"/>
+            </a:schemeClr>
+          </a:lnRef>
+          <a:fillRef idx="1">
+            <a:schemeClr val="accent1"/>
+          </a:fillRef>
+          <a:effectRef idx="0">
+            <a:schemeClr val="accent1"/>
+          </a:effectRef>
+          <a:fontRef idx="minor">
+            <a:schemeClr val="lt1"/>
+          </a:fontRef>
+        </p:style>
+        <p:txBody>
+          <a:bodyPr rtlCol="0" anchor="ctr"/>
+          <a:lstStyle/>
+          <a:p>
+            <a:pPr algn="ctr"/>
+            <a:endParaRPr kumimoji="1" lang="ja-JP" altLang="en-US"/>
+          </a:p>
+        </p:txBody>
+      </p:sp>
+    </p:spTree>
+    <p:extLst>
+      <p:ext uri="{BB962C8B-B14F-4D97-AF65-F5344CB8AC3E}">
+        <p14:creationId xmlns:p14="http://schemas.microsoft.com/office/powerpoint/2010/main" val="1940521606"/>
       </p:ext>
     </p:extLst>
   </p:cSld>
